--- a/宣道詩/(宣道詩68)主眼看顧.pptx
+++ b/宣道詩/(宣道詩68)主眼看顧.pptx
@@ -2,7 +2,7 @@
 <file path=ppt/presentation.xml><?xml version="1.0" encoding="utf-8"?>
 <p:presentation xmlns:a="http://schemas.openxmlformats.org/drawingml/2006/main" xmlns:r="http://schemas.openxmlformats.org/officeDocument/2006/relationships" xmlns:p="http://schemas.openxmlformats.org/presentationml/2006/main" saveSubsetFonts="1">
   <p:sldMasterIdLst>
-    <p:sldMasterId id="2147483660" r:id="rId1"/>
+    <p:sldMasterId id="2147483672" r:id="rId1"/>
   </p:sldMasterIdLst>
   <p:sldIdLst>
     <p:sldId id="256" r:id="rId2"/>
@@ -14,7 +14,7 @@
     <p:sldId id="262" r:id="rId8"/>
     <p:sldId id="263" r:id="rId9"/>
   </p:sldIdLst>
-  <p:sldSz cx="9144000" cy="6858000" type="screen4x3"/>
+  <p:sldSz cx="12192000" cy="6858000"/>
   <p:notesSz cx="6858000" cy="9144000"/>
   <p:defaultTextStyle>
     <a:defPPr>
@@ -111,6 +111,22 @@
       </a:defRPr>
     </a:lvl9pPr>
   </p:defaultTextStyle>
+  <p:extLst>
+    <p:ext uri="{EFAFB233-063F-42B5-8137-9DF3F51BA10A}">
+      <p15:sldGuideLst xmlns:p15="http://schemas.microsoft.com/office/powerpoint/2012/main">
+        <p15:guide id="1" orient="horz" pos="2160" userDrawn="1">
+          <p15:clr>
+            <a:srgbClr val="A4A3A4"/>
+          </p15:clr>
+        </p15:guide>
+        <p15:guide id="2" pos="3840" userDrawn="1">
+          <p15:clr>
+            <a:srgbClr val="A4A3A4"/>
+          </p15:clr>
+        </p15:guide>
+      </p15:sldGuideLst>
+    </p:ext>
+  </p:extLst>
 </p:presentation>
 </file>
 
@@ -133,7 +149,7 @@
       </p:grpSpPr>
       <p:sp>
         <p:nvSpPr>
-          <p:cNvPr id="2" name="Title 1"/>
+          <p:cNvPr id="2" name="標題 1"/>
           <p:cNvSpPr>
             <a:spLocks noGrp="1"/>
           </p:cNvSpPr>
@@ -143,8 +159,8 @@
         </p:nvSpPr>
         <p:spPr>
           <a:xfrm>
-            <a:off x="685800" y="2130425"/>
-            <a:ext cx="7772400" cy="1470025"/>
+            <a:off x="914400" y="2130427"/>
+            <a:ext cx="10363200" cy="1470025"/>
           </a:xfrm>
         </p:spPr>
         <p:txBody>
@@ -152,16 +168,16 @@
           <a:lstStyle/>
           <a:p>
             <a:r>
-              <a:rPr lang="zh-TW" altLang="en-US" smtClean="0"/>
-              <a:t>按一下以編輯母片標題樣式</a:t>
-            </a:r>
-            <a:endParaRPr lang="en-US"/>
-          </a:p>
-        </p:txBody>
-      </p:sp>
-      <p:sp>
-        <p:nvSpPr>
-          <p:cNvPr id="3" name="Subtitle 2"/>
+              <a:rPr lang="en-US" altLang="zh-TW" smtClean="0"/>
+              <a:t>Click to edit Master title style</a:t>
+            </a:r>
+            <a:endParaRPr lang="zh-TW" altLang="en-US"/>
+          </a:p>
+        </p:txBody>
+      </p:sp>
+      <p:sp>
+        <p:nvSpPr>
+          <p:cNvPr id="3" name="副標題 2"/>
           <p:cNvSpPr>
             <a:spLocks noGrp="1"/>
           </p:cNvSpPr>
@@ -171,8 +187,8 @@
         </p:nvSpPr>
         <p:spPr>
           <a:xfrm>
-            <a:off x="1371600" y="3886200"/>
-            <a:ext cx="6400800" cy="1752600"/>
+            <a:off x="1828800" y="3886200"/>
+            <a:ext cx="8534400" cy="1752600"/>
           </a:xfrm>
         </p:spPr>
         <p:txBody>
@@ -271,16 +287,16 @@
           </a:lstStyle>
           <a:p>
             <a:r>
-              <a:rPr lang="zh-TW" altLang="en-US" smtClean="0"/>
-              <a:t>按一下以編輯母片副標題樣式</a:t>
-            </a:r>
-            <a:endParaRPr lang="en-US"/>
-          </a:p>
-        </p:txBody>
-      </p:sp>
-      <p:sp>
-        <p:nvSpPr>
-          <p:cNvPr id="4" name="Date Placeholder 3"/>
+              <a:rPr lang="en-US" altLang="zh-TW" smtClean="0"/>
+              <a:t>Click to edit Master subtitle style</a:t>
+            </a:r>
+            <a:endParaRPr lang="zh-TW" altLang="en-US"/>
+          </a:p>
+        </p:txBody>
+      </p:sp>
+      <p:sp>
+        <p:nvSpPr>
+          <p:cNvPr id="4" name="日期版面配置區 3"/>
           <p:cNvSpPr>
             <a:spLocks noGrp="1"/>
           </p:cNvSpPr>
@@ -291,15 +307,11 @@
         <p:spPr/>
         <p:txBody>
           <a:bodyPr/>
-          <a:lstStyle>
-            <a:lvl1pPr>
-              <a:defRPr/>
-            </a:lvl1pPr>
-          </a:lstStyle>
+          <a:lstStyle/>
           <a:p>
             <a:fld id="{182E561B-25C0-44B8-B906-32A2ED04DD3C}" type="datetimeFigureOut">
               <a:rPr lang="zh-TW" altLang="en-US" smtClean="0"/>
-              <a:t>2017/1/15</a:t>
+              <a:t>2020/6/6</a:t>
             </a:fld>
             <a:endParaRPr lang="zh-TW" altLang="en-US"/>
           </a:p>
@@ -307,7 +319,7 @@
       </p:sp>
       <p:sp>
         <p:nvSpPr>
-          <p:cNvPr id="5" name="Footer Placeholder 4"/>
+          <p:cNvPr id="5" name="頁尾版面配置區 4"/>
           <p:cNvSpPr>
             <a:spLocks noGrp="1"/>
           </p:cNvSpPr>
@@ -318,19 +330,15 @@
         <p:spPr/>
         <p:txBody>
           <a:bodyPr/>
-          <a:lstStyle>
-            <a:lvl1pPr>
-              <a:defRPr/>
-            </a:lvl1pPr>
-          </a:lstStyle>
-          <a:p>
-            <a:endParaRPr lang="zh-TW" altLang="en-US"/>
-          </a:p>
-        </p:txBody>
-      </p:sp>
-      <p:sp>
-        <p:nvSpPr>
-          <p:cNvPr id="6" name="Slide Number Placeholder 5"/>
+          <a:lstStyle/>
+          <a:p>
+            <a:endParaRPr lang="zh-TW" altLang="en-US"/>
+          </a:p>
+        </p:txBody>
+      </p:sp>
+      <p:sp>
+        <p:nvSpPr>
+          <p:cNvPr id="6" name="投影片編號版面配置區 5"/>
           <p:cNvSpPr>
             <a:spLocks noGrp="1"/>
           </p:cNvSpPr>
@@ -341,11 +349,7 @@
         <p:spPr/>
         <p:txBody>
           <a:bodyPr/>
-          <a:lstStyle>
-            <a:lvl1pPr>
-              <a:defRPr/>
-            </a:lvl1pPr>
-          </a:lstStyle>
+          <a:lstStyle/>
           <a:p>
             <a:fld id="{5D239B8D-BE95-41DE-B62F-E2C94C74C2F2}" type="slidenum">
               <a:rPr lang="zh-TW" altLang="en-US" smtClean="0"/>
@@ -356,6 +360,11 @@
         </p:txBody>
       </p:sp>
     </p:spTree>
+    <p:extLst>
+      <p:ext uri="{BB962C8B-B14F-4D97-AF65-F5344CB8AC3E}">
+        <p14:creationId xmlns:p14="http://schemas.microsoft.com/office/powerpoint/2010/main" val="3639857969"/>
+      </p:ext>
+    </p:extLst>
   </p:cSld>
   <p:clrMapOvr>
     <a:masterClrMapping/>
@@ -382,7 +391,7 @@
       </p:grpSpPr>
       <p:sp>
         <p:nvSpPr>
-          <p:cNvPr id="2" name="Title 1"/>
+          <p:cNvPr id="2" name="標題 1"/>
           <p:cNvSpPr>
             <a:spLocks noGrp="1"/>
           </p:cNvSpPr>
@@ -396,16 +405,16 @@
           <a:lstStyle/>
           <a:p>
             <a:r>
-              <a:rPr lang="zh-TW" altLang="en-US" smtClean="0"/>
-              <a:t>按一下以編輯母片標題樣式</a:t>
-            </a:r>
-            <a:endParaRPr lang="en-US"/>
-          </a:p>
-        </p:txBody>
-      </p:sp>
-      <p:sp>
-        <p:nvSpPr>
-          <p:cNvPr id="3" name="Vertical Text Placeholder 2"/>
+              <a:rPr lang="en-US" altLang="zh-TW" smtClean="0"/>
+              <a:t>Click to edit Master title style</a:t>
+            </a:r>
+            <a:endParaRPr lang="zh-TW" altLang="en-US"/>
+          </a:p>
+        </p:txBody>
+      </p:sp>
+      <p:sp>
+        <p:nvSpPr>
+          <p:cNvPr id="3" name="直排文字版面配置區 2"/>
           <p:cNvSpPr>
             <a:spLocks noGrp="1"/>
           </p:cNvSpPr>
@@ -420,44 +429,44 @@
           <a:p>
             <a:pPr lvl="0"/>
             <a:r>
-              <a:rPr lang="zh-TW" altLang="en-US" smtClean="0"/>
-              <a:t>按一下以編輯母片文字樣式</a:t>
+              <a:rPr lang="en-US" altLang="zh-TW" smtClean="0"/>
+              <a:t>Edit Master text styles</a:t>
             </a:r>
           </a:p>
           <a:p>
             <a:pPr lvl="1"/>
             <a:r>
-              <a:rPr lang="zh-TW" altLang="en-US" smtClean="0"/>
-              <a:t>第二層</a:t>
+              <a:rPr lang="en-US" altLang="zh-TW" smtClean="0"/>
+              <a:t>Second level</a:t>
             </a:r>
           </a:p>
           <a:p>
             <a:pPr lvl="2"/>
             <a:r>
-              <a:rPr lang="zh-TW" altLang="en-US" smtClean="0"/>
-              <a:t>第三層</a:t>
+              <a:rPr lang="en-US" altLang="zh-TW" smtClean="0"/>
+              <a:t>Third level</a:t>
             </a:r>
           </a:p>
           <a:p>
             <a:pPr lvl="3"/>
             <a:r>
-              <a:rPr lang="zh-TW" altLang="en-US" smtClean="0"/>
-              <a:t>第四層</a:t>
+              <a:rPr lang="en-US" altLang="zh-TW" smtClean="0"/>
+              <a:t>Fourth level</a:t>
             </a:r>
           </a:p>
           <a:p>
             <a:pPr lvl="4"/>
             <a:r>
-              <a:rPr lang="zh-TW" altLang="en-US" smtClean="0"/>
-              <a:t>第五層</a:t>
-            </a:r>
-            <a:endParaRPr lang="en-US"/>
-          </a:p>
-        </p:txBody>
-      </p:sp>
-      <p:sp>
-        <p:nvSpPr>
-          <p:cNvPr id="4" name="Date Placeholder 3"/>
+              <a:rPr lang="en-US" altLang="zh-TW" smtClean="0"/>
+              <a:t>Fifth level</a:t>
+            </a:r>
+            <a:endParaRPr lang="zh-TW" altLang="en-US"/>
+          </a:p>
+        </p:txBody>
+      </p:sp>
+      <p:sp>
+        <p:nvSpPr>
+          <p:cNvPr id="4" name="日期版面配置區 3"/>
           <p:cNvSpPr>
             <a:spLocks noGrp="1"/>
           </p:cNvSpPr>
@@ -468,15 +477,11 @@
         <p:spPr/>
         <p:txBody>
           <a:bodyPr/>
-          <a:lstStyle>
-            <a:lvl1pPr>
-              <a:defRPr/>
-            </a:lvl1pPr>
-          </a:lstStyle>
+          <a:lstStyle/>
           <a:p>
             <a:fld id="{182E561B-25C0-44B8-B906-32A2ED04DD3C}" type="datetimeFigureOut">
               <a:rPr lang="zh-TW" altLang="en-US" smtClean="0"/>
-              <a:t>2017/1/15</a:t>
+              <a:t>2020/6/6</a:t>
             </a:fld>
             <a:endParaRPr lang="zh-TW" altLang="en-US"/>
           </a:p>
@@ -484,7 +489,7 @@
       </p:sp>
       <p:sp>
         <p:nvSpPr>
-          <p:cNvPr id="5" name="Footer Placeholder 4"/>
+          <p:cNvPr id="5" name="頁尾版面配置區 4"/>
           <p:cNvSpPr>
             <a:spLocks noGrp="1"/>
           </p:cNvSpPr>
@@ -495,19 +500,15 @@
         <p:spPr/>
         <p:txBody>
           <a:bodyPr/>
-          <a:lstStyle>
-            <a:lvl1pPr>
-              <a:defRPr/>
-            </a:lvl1pPr>
-          </a:lstStyle>
-          <a:p>
-            <a:endParaRPr lang="zh-TW" altLang="en-US"/>
-          </a:p>
-        </p:txBody>
-      </p:sp>
-      <p:sp>
-        <p:nvSpPr>
-          <p:cNvPr id="6" name="Slide Number Placeholder 5"/>
+          <a:lstStyle/>
+          <a:p>
+            <a:endParaRPr lang="zh-TW" altLang="en-US"/>
+          </a:p>
+        </p:txBody>
+      </p:sp>
+      <p:sp>
+        <p:nvSpPr>
+          <p:cNvPr id="6" name="投影片編號版面配置區 5"/>
           <p:cNvSpPr>
             <a:spLocks noGrp="1"/>
           </p:cNvSpPr>
@@ -518,11 +519,7 @@
         <p:spPr/>
         <p:txBody>
           <a:bodyPr/>
-          <a:lstStyle>
-            <a:lvl1pPr>
-              <a:defRPr/>
-            </a:lvl1pPr>
-          </a:lstStyle>
+          <a:lstStyle/>
           <a:p>
             <a:fld id="{5D239B8D-BE95-41DE-B62F-E2C94C74C2F2}" type="slidenum">
               <a:rPr lang="zh-TW" altLang="en-US" smtClean="0"/>
@@ -533,6 +530,11 @@
         </p:txBody>
       </p:sp>
     </p:spTree>
+    <p:extLst>
+      <p:ext uri="{BB962C8B-B14F-4D97-AF65-F5344CB8AC3E}">
+        <p14:creationId xmlns:p14="http://schemas.microsoft.com/office/powerpoint/2010/main" val="2896754774"/>
+      </p:ext>
+    </p:extLst>
   </p:cSld>
   <p:clrMapOvr>
     <a:masterClrMapping/>
@@ -559,7 +561,7 @@
       </p:grpSpPr>
       <p:sp>
         <p:nvSpPr>
-          <p:cNvPr id="2" name="Vertical Title 1"/>
+          <p:cNvPr id="2" name="直排標題 1"/>
           <p:cNvSpPr>
             <a:spLocks noGrp="1"/>
           </p:cNvSpPr>
@@ -569,8 +571,8 @@
         </p:nvSpPr>
         <p:spPr>
           <a:xfrm>
-            <a:off x="6629400" y="274638"/>
-            <a:ext cx="2057400" cy="5851525"/>
+            <a:off x="8839200" y="274640"/>
+            <a:ext cx="2743200" cy="5851525"/>
           </a:xfrm>
         </p:spPr>
         <p:txBody>
@@ -578,16 +580,16 @@
           <a:lstStyle/>
           <a:p>
             <a:r>
-              <a:rPr lang="zh-TW" altLang="en-US" smtClean="0"/>
-              <a:t>按一下以編輯母片標題樣式</a:t>
-            </a:r>
-            <a:endParaRPr lang="en-US"/>
-          </a:p>
-        </p:txBody>
-      </p:sp>
-      <p:sp>
-        <p:nvSpPr>
-          <p:cNvPr id="3" name="Vertical Text Placeholder 2"/>
+              <a:rPr lang="en-US" altLang="zh-TW" smtClean="0"/>
+              <a:t>Click to edit Master title style</a:t>
+            </a:r>
+            <a:endParaRPr lang="zh-TW" altLang="en-US"/>
+          </a:p>
+        </p:txBody>
+      </p:sp>
+      <p:sp>
+        <p:nvSpPr>
+          <p:cNvPr id="3" name="直排文字版面配置區 2"/>
           <p:cNvSpPr>
             <a:spLocks noGrp="1"/>
           </p:cNvSpPr>
@@ -597,8 +599,8 @@
         </p:nvSpPr>
         <p:spPr>
           <a:xfrm>
-            <a:off x="457200" y="274638"/>
-            <a:ext cx="6019800" cy="5851525"/>
+            <a:off x="609600" y="274640"/>
+            <a:ext cx="8026400" cy="5851525"/>
           </a:xfrm>
         </p:spPr>
         <p:txBody>
@@ -607,44 +609,44 @@
           <a:p>
             <a:pPr lvl="0"/>
             <a:r>
-              <a:rPr lang="zh-TW" altLang="en-US" smtClean="0"/>
-              <a:t>按一下以編輯母片文字樣式</a:t>
+              <a:rPr lang="en-US" altLang="zh-TW" smtClean="0"/>
+              <a:t>Edit Master text styles</a:t>
             </a:r>
           </a:p>
           <a:p>
             <a:pPr lvl="1"/>
             <a:r>
-              <a:rPr lang="zh-TW" altLang="en-US" smtClean="0"/>
-              <a:t>第二層</a:t>
+              <a:rPr lang="en-US" altLang="zh-TW" smtClean="0"/>
+              <a:t>Second level</a:t>
             </a:r>
           </a:p>
           <a:p>
             <a:pPr lvl="2"/>
             <a:r>
-              <a:rPr lang="zh-TW" altLang="en-US" smtClean="0"/>
-              <a:t>第三層</a:t>
+              <a:rPr lang="en-US" altLang="zh-TW" smtClean="0"/>
+              <a:t>Third level</a:t>
             </a:r>
           </a:p>
           <a:p>
             <a:pPr lvl="3"/>
             <a:r>
-              <a:rPr lang="zh-TW" altLang="en-US" smtClean="0"/>
-              <a:t>第四層</a:t>
+              <a:rPr lang="en-US" altLang="zh-TW" smtClean="0"/>
+              <a:t>Fourth level</a:t>
             </a:r>
           </a:p>
           <a:p>
             <a:pPr lvl="4"/>
             <a:r>
-              <a:rPr lang="zh-TW" altLang="en-US" smtClean="0"/>
-              <a:t>第五層</a:t>
-            </a:r>
-            <a:endParaRPr lang="en-US"/>
-          </a:p>
-        </p:txBody>
-      </p:sp>
-      <p:sp>
-        <p:nvSpPr>
-          <p:cNvPr id="4" name="Date Placeholder 3"/>
+              <a:rPr lang="en-US" altLang="zh-TW" smtClean="0"/>
+              <a:t>Fifth level</a:t>
+            </a:r>
+            <a:endParaRPr lang="zh-TW" altLang="en-US"/>
+          </a:p>
+        </p:txBody>
+      </p:sp>
+      <p:sp>
+        <p:nvSpPr>
+          <p:cNvPr id="4" name="日期版面配置區 3"/>
           <p:cNvSpPr>
             <a:spLocks noGrp="1"/>
           </p:cNvSpPr>
@@ -655,15 +657,11 @@
         <p:spPr/>
         <p:txBody>
           <a:bodyPr/>
-          <a:lstStyle>
-            <a:lvl1pPr>
-              <a:defRPr/>
-            </a:lvl1pPr>
-          </a:lstStyle>
+          <a:lstStyle/>
           <a:p>
             <a:fld id="{182E561B-25C0-44B8-B906-32A2ED04DD3C}" type="datetimeFigureOut">
               <a:rPr lang="zh-TW" altLang="en-US" smtClean="0"/>
-              <a:t>2017/1/15</a:t>
+              <a:t>2020/6/6</a:t>
             </a:fld>
             <a:endParaRPr lang="zh-TW" altLang="en-US"/>
           </a:p>
@@ -671,7 +669,7 @@
       </p:sp>
       <p:sp>
         <p:nvSpPr>
-          <p:cNvPr id="5" name="Footer Placeholder 4"/>
+          <p:cNvPr id="5" name="頁尾版面配置區 4"/>
           <p:cNvSpPr>
             <a:spLocks noGrp="1"/>
           </p:cNvSpPr>
@@ -682,19 +680,15 @@
         <p:spPr/>
         <p:txBody>
           <a:bodyPr/>
-          <a:lstStyle>
-            <a:lvl1pPr>
-              <a:defRPr/>
-            </a:lvl1pPr>
-          </a:lstStyle>
-          <a:p>
-            <a:endParaRPr lang="zh-TW" altLang="en-US"/>
-          </a:p>
-        </p:txBody>
-      </p:sp>
-      <p:sp>
-        <p:nvSpPr>
-          <p:cNvPr id="6" name="Slide Number Placeholder 5"/>
+          <a:lstStyle/>
+          <a:p>
+            <a:endParaRPr lang="zh-TW" altLang="en-US"/>
+          </a:p>
+        </p:txBody>
+      </p:sp>
+      <p:sp>
+        <p:nvSpPr>
+          <p:cNvPr id="6" name="投影片編號版面配置區 5"/>
           <p:cNvSpPr>
             <a:spLocks noGrp="1"/>
           </p:cNvSpPr>
@@ -705,11 +699,7 @@
         <p:spPr/>
         <p:txBody>
           <a:bodyPr/>
-          <a:lstStyle>
-            <a:lvl1pPr>
-              <a:defRPr/>
-            </a:lvl1pPr>
-          </a:lstStyle>
+          <a:lstStyle/>
           <a:p>
             <a:fld id="{5D239B8D-BE95-41DE-B62F-E2C94C74C2F2}" type="slidenum">
               <a:rPr lang="zh-TW" altLang="en-US" smtClean="0"/>
@@ -720,6 +710,11 @@
         </p:txBody>
       </p:sp>
     </p:spTree>
+    <p:extLst>
+      <p:ext uri="{BB962C8B-B14F-4D97-AF65-F5344CB8AC3E}">
+        <p14:creationId xmlns:p14="http://schemas.microsoft.com/office/powerpoint/2010/main" val="90421589"/>
+      </p:ext>
+    </p:extLst>
   </p:cSld>
   <p:clrMapOvr>
     <a:masterClrMapping/>
@@ -746,7 +741,7 @@
       </p:grpSpPr>
       <p:sp>
         <p:nvSpPr>
-          <p:cNvPr id="2" name="Title 1"/>
+          <p:cNvPr id="2" name="標題 1"/>
           <p:cNvSpPr>
             <a:spLocks noGrp="1"/>
           </p:cNvSpPr>
@@ -760,16 +755,16 @@
           <a:lstStyle/>
           <a:p>
             <a:r>
-              <a:rPr lang="zh-TW" altLang="en-US" smtClean="0"/>
-              <a:t>按一下以編輯母片標題樣式</a:t>
-            </a:r>
-            <a:endParaRPr lang="en-US"/>
-          </a:p>
-        </p:txBody>
-      </p:sp>
-      <p:sp>
-        <p:nvSpPr>
-          <p:cNvPr id="3" name="Content Placeholder 2"/>
+              <a:rPr lang="en-US" altLang="zh-TW" smtClean="0"/>
+              <a:t>Click to edit Master title style</a:t>
+            </a:r>
+            <a:endParaRPr lang="zh-TW" altLang="en-US"/>
+          </a:p>
+        </p:txBody>
+      </p:sp>
+      <p:sp>
+        <p:nvSpPr>
+          <p:cNvPr id="3" name="內容版面配置區 2"/>
           <p:cNvSpPr>
             <a:spLocks noGrp="1"/>
           </p:cNvSpPr>
@@ -784,44 +779,44 @@
           <a:p>
             <a:pPr lvl="0"/>
             <a:r>
-              <a:rPr lang="zh-TW" altLang="en-US" smtClean="0"/>
-              <a:t>按一下以編輯母片文字樣式</a:t>
+              <a:rPr lang="en-US" altLang="zh-TW" smtClean="0"/>
+              <a:t>Edit Master text styles</a:t>
             </a:r>
           </a:p>
           <a:p>
             <a:pPr lvl="1"/>
             <a:r>
-              <a:rPr lang="zh-TW" altLang="en-US" smtClean="0"/>
-              <a:t>第二層</a:t>
+              <a:rPr lang="en-US" altLang="zh-TW" smtClean="0"/>
+              <a:t>Second level</a:t>
             </a:r>
           </a:p>
           <a:p>
             <a:pPr lvl="2"/>
             <a:r>
-              <a:rPr lang="zh-TW" altLang="en-US" smtClean="0"/>
-              <a:t>第三層</a:t>
+              <a:rPr lang="en-US" altLang="zh-TW" smtClean="0"/>
+              <a:t>Third level</a:t>
             </a:r>
           </a:p>
           <a:p>
             <a:pPr lvl="3"/>
             <a:r>
-              <a:rPr lang="zh-TW" altLang="en-US" smtClean="0"/>
-              <a:t>第四層</a:t>
+              <a:rPr lang="en-US" altLang="zh-TW" smtClean="0"/>
+              <a:t>Fourth level</a:t>
             </a:r>
           </a:p>
           <a:p>
             <a:pPr lvl="4"/>
             <a:r>
-              <a:rPr lang="zh-TW" altLang="en-US" smtClean="0"/>
-              <a:t>第五層</a:t>
-            </a:r>
-            <a:endParaRPr lang="en-US"/>
-          </a:p>
-        </p:txBody>
-      </p:sp>
-      <p:sp>
-        <p:nvSpPr>
-          <p:cNvPr id="4" name="Date Placeholder 3"/>
+              <a:rPr lang="en-US" altLang="zh-TW" smtClean="0"/>
+              <a:t>Fifth level</a:t>
+            </a:r>
+            <a:endParaRPr lang="zh-TW" altLang="en-US"/>
+          </a:p>
+        </p:txBody>
+      </p:sp>
+      <p:sp>
+        <p:nvSpPr>
+          <p:cNvPr id="4" name="日期版面配置區 3"/>
           <p:cNvSpPr>
             <a:spLocks noGrp="1"/>
           </p:cNvSpPr>
@@ -832,15 +827,11 @@
         <p:spPr/>
         <p:txBody>
           <a:bodyPr/>
-          <a:lstStyle>
-            <a:lvl1pPr>
-              <a:defRPr/>
-            </a:lvl1pPr>
-          </a:lstStyle>
+          <a:lstStyle/>
           <a:p>
             <a:fld id="{182E561B-25C0-44B8-B906-32A2ED04DD3C}" type="datetimeFigureOut">
               <a:rPr lang="zh-TW" altLang="en-US" smtClean="0"/>
-              <a:t>2017/1/15</a:t>
+              <a:t>2020/6/6</a:t>
             </a:fld>
             <a:endParaRPr lang="zh-TW" altLang="en-US"/>
           </a:p>
@@ -848,7 +839,7 @@
       </p:sp>
       <p:sp>
         <p:nvSpPr>
-          <p:cNvPr id="5" name="Footer Placeholder 4"/>
+          <p:cNvPr id="5" name="頁尾版面配置區 4"/>
           <p:cNvSpPr>
             <a:spLocks noGrp="1"/>
           </p:cNvSpPr>
@@ -859,19 +850,15 @@
         <p:spPr/>
         <p:txBody>
           <a:bodyPr/>
-          <a:lstStyle>
-            <a:lvl1pPr>
-              <a:defRPr/>
-            </a:lvl1pPr>
-          </a:lstStyle>
-          <a:p>
-            <a:endParaRPr lang="zh-TW" altLang="en-US"/>
-          </a:p>
-        </p:txBody>
-      </p:sp>
-      <p:sp>
-        <p:nvSpPr>
-          <p:cNvPr id="6" name="Slide Number Placeholder 5"/>
+          <a:lstStyle/>
+          <a:p>
+            <a:endParaRPr lang="zh-TW" altLang="en-US"/>
+          </a:p>
+        </p:txBody>
+      </p:sp>
+      <p:sp>
+        <p:nvSpPr>
+          <p:cNvPr id="6" name="投影片編號版面配置區 5"/>
           <p:cNvSpPr>
             <a:spLocks noGrp="1"/>
           </p:cNvSpPr>
@@ -882,11 +869,7 @@
         <p:spPr/>
         <p:txBody>
           <a:bodyPr/>
-          <a:lstStyle>
-            <a:lvl1pPr>
-              <a:defRPr/>
-            </a:lvl1pPr>
-          </a:lstStyle>
+          <a:lstStyle/>
           <a:p>
             <a:fld id="{5D239B8D-BE95-41DE-B62F-E2C94C74C2F2}" type="slidenum">
               <a:rPr lang="zh-TW" altLang="en-US" smtClean="0"/>
@@ -897,6 +880,11 @@
         </p:txBody>
       </p:sp>
     </p:spTree>
+    <p:extLst>
+      <p:ext uri="{BB962C8B-B14F-4D97-AF65-F5344CB8AC3E}">
+        <p14:creationId xmlns:p14="http://schemas.microsoft.com/office/powerpoint/2010/main" val="354320721"/>
+      </p:ext>
+    </p:extLst>
   </p:cSld>
   <p:clrMapOvr>
     <a:masterClrMapping/>
@@ -923,7 +911,7 @@
       </p:grpSpPr>
       <p:sp>
         <p:nvSpPr>
-          <p:cNvPr id="2" name="Title 1"/>
+          <p:cNvPr id="2" name="標題 1"/>
           <p:cNvSpPr>
             <a:spLocks noGrp="1"/>
           </p:cNvSpPr>
@@ -933,8 +921,8 @@
         </p:nvSpPr>
         <p:spPr>
           <a:xfrm>
-            <a:off x="722313" y="4406900"/>
-            <a:ext cx="7772400" cy="1362075"/>
+            <a:off x="963084" y="4406902"/>
+            <a:ext cx="10363200" cy="1362075"/>
           </a:xfrm>
         </p:spPr>
         <p:txBody>
@@ -946,16 +934,16 @@
           </a:lstStyle>
           <a:p>
             <a:r>
-              <a:rPr lang="zh-TW" altLang="en-US" smtClean="0"/>
-              <a:t>按一下以編輯母片標題樣式</a:t>
-            </a:r>
-            <a:endParaRPr lang="en-US"/>
-          </a:p>
-        </p:txBody>
-      </p:sp>
-      <p:sp>
-        <p:nvSpPr>
-          <p:cNvPr id="3" name="Text Placeholder 2"/>
+              <a:rPr lang="en-US" altLang="zh-TW" smtClean="0"/>
+              <a:t>Click to edit Master title style</a:t>
+            </a:r>
+            <a:endParaRPr lang="zh-TW" altLang="en-US"/>
+          </a:p>
+        </p:txBody>
+      </p:sp>
+      <p:sp>
+        <p:nvSpPr>
+          <p:cNvPr id="3" name="文字版面配置區 2"/>
           <p:cNvSpPr>
             <a:spLocks noGrp="1"/>
           </p:cNvSpPr>
@@ -965,8 +953,8 @@
         </p:nvSpPr>
         <p:spPr>
           <a:xfrm>
-            <a:off x="722313" y="2906713"/>
-            <a:ext cx="7772400" cy="1500187"/>
+            <a:off x="963084" y="2906713"/>
+            <a:ext cx="10363200" cy="1500187"/>
           </a:xfrm>
         </p:spPr>
         <p:txBody>
@@ -1066,15 +1054,15 @@
           <a:p>
             <a:pPr lvl="0"/>
             <a:r>
-              <a:rPr lang="zh-TW" altLang="en-US" smtClean="0"/>
-              <a:t>按一下以編輯母片文字樣式</a:t>
-            </a:r>
-          </a:p>
-        </p:txBody>
-      </p:sp>
-      <p:sp>
-        <p:nvSpPr>
-          <p:cNvPr id="4" name="Date Placeholder 3"/>
+              <a:rPr lang="en-US" altLang="zh-TW" smtClean="0"/>
+              <a:t>Edit Master text styles</a:t>
+            </a:r>
+          </a:p>
+        </p:txBody>
+      </p:sp>
+      <p:sp>
+        <p:nvSpPr>
+          <p:cNvPr id="4" name="日期版面配置區 3"/>
           <p:cNvSpPr>
             <a:spLocks noGrp="1"/>
           </p:cNvSpPr>
@@ -1085,15 +1073,11 @@
         <p:spPr/>
         <p:txBody>
           <a:bodyPr/>
-          <a:lstStyle>
-            <a:lvl1pPr>
-              <a:defRPr/>
-            </a:lvl1pPr>
-          </a:lstStyle>
+          <a:lstStyle/>
           <a:p>
             <a:fld id="{182E561B-25C0-44B8-B906-32A2ED04DD3C}" type="datetimeFigureOut">
               <a:rPr lang="zh-TW" altLang="en-US" smtClean="0"/>
-              <a:t>2017/1/15</a:t>
+              <a:t>2020/6/6</a:t>
             </a:fld>
             <a:endParaRPr lang="zh-TW" altLang="en-US"/>
           </a:p>
@@ -1101,7 +1085,7 @@
       </p:sp>
       <p:sp>
         <p:nvSpPr>
-          <p:cNvPr id="5" name="Footer Placeholder 4"/>
+          <p:cNvPr id="5" name="頁尾版面配置區 4"/>
           <p:cNvSpPr>
             <a:spLocks noGrp="1"/>
           </p:cNvSpPr>
@@ -1112,19 +1096,15 @@
         <p:spPr/>
         <p:txBody>
           <a:bodyPr/>
-          <a:lstStyle>
-            <a:lvl1pPr>
-              <a:defRPr/>
-            </a:lvl1pPr>
-          </a:lstStyle>
-          <a:p>
-            <a:endParaRPr lang="zh-TW" altLang="en-US"/>
-          </a:p>
-        </p:txBody>
-      </p:sp>
-      <p:sp>
-        <p:nvSpPr>
-          <p:cNvPr id="6" name="Slide Number Placeholder 5"/>
+          <a:lstStyle/>
+          <a:p>
+            <a:endParaRPr lang="zh-TW" altLang="en-US"/>
+          </a:p>
+        </p:txBody>
+      </p:sp>
+      <p:sp>
+        <p:nvSpPr>
+          <p:cNvPr id="6" name="投影片編號版面配置區 5"/>
           <p:cNvSpPr>
             <a:spLocks noGrp="1"/>
           </p:cNvSpPr>
@@ -1135,11 +1115,7 @@
         <p:spPr/>
         <p:txBody>
           <a:bodyPr/>
-          <a:lstStyle>
-            <a:lvl1pPr>
-              <a:defRPr/>
-            </a:lvl1pPr>
-          </a:lstStyle>
+          <a:lstStyle/>
           <a:p>
             <a:fld id="{5D239B8D-BE95-41DE-B62F-E2C94C74C2F2}" type="slidenum">
               <a:rPr lang="zh-TW" altLang="en-US" smtClean="0"/>
@@ -1150,6 +1126,11 @@
         </p:txBody>
       </p:sp>
     </p:spTree>
+    <p:extLst>
+      <p:ext uri="{BB962C8B-B14F-4D97-AF65-F5344CB8AC3E}">
+        <p14:creationId xmlns:p14="http://schemas.microsoft.com/office/powerpoint/2010/main" val="725709620"/>
+      </p:ext>
+    </p:extLst>
   </p:cSld>
   <p:clrMapOvr>
     <a:masterClrMapping/>
@@ -1176,7 +1157,7 @@
       </p:grpSpPr>
       <p:sp>
         <p:nvSpPr>
-          <p:cNvPr id="2" name="Title 1"/>
+          <p:cNvPr id="2" name="標題 1"/>
           <p:cNvSpPr>
             <a:spLocks noGrp="1"/>
           </p:cNvSpPr>
@@ -1190,16 +1171,16 @@
           <a:lstStyle/>
           <a:p>
             <a:r>
-              <a:rPr lang="zh-TW" altLang="en-US" smtClean="0"/>
-              <a:t>按一下以編輯母片標題樣式</a:t>
-            </a:r>
-            <a:endParaRPr lang="en-US"/>
-          </a:p>
-        </p:txBody>
-      </p:sp>
-      <p:sp>
-        <p:nvSpPr>
-          <p:cNvPr id="3" name="Content Placeholder 2"/>
+              <a:rPr lang="en-US" altLang="zh-TW" smtClean="0"/>
+              <a:t>Click to edit Master title style</a:t>
+            </a:r>
+            <a:endParaRPr lang="zh-TW" altLang="en-US"/>
+          </a:p>
+        </p:txBody>
+      </p:sp>
+      <p:sp>
+        <p:nvSpPr>
+          <p:cNvPr id="3" name="內容版面配置區 2"/>
           <p:cNvSpPr>
             <a:spLocks noGrp="1"/>
           </p:cNvSpPr>
@@ -1209,8 +1190,8 @@
         </p:nvSpPr>
         <p:spPr>
           <a:xfrm>
-            <a:off x="457200" y="1600200"/>
-            <a:ext cx="4038600" cy="4525963"/>
+            <a:off x="609600" y="1600202"/>
+            <a:ext cx="5384800" cy="4525963"/>
           </a:xfrm>
         </p:spPr>
         <p:txBody>
@@ -1247,44 +1228,44 @@
           <a:p>
             <a:pPr lvl="0"/>
             <a:r>
-              <a:rPr lang="zh-TW" altLang="en-US" smtClean="0"/>
-              <a:t>按一下以編輯母片文字樣式</a:t>
+              <a:rPr lang="en-US" altLang="zh-TW" smtClean="0"/>
+              <a:t>Edit Master text styles</a:t>
             </a:r>
           </a:p>
           <a:p>
             <a:pPr lvl="1"/>
             <a:r>
-              <a:rPr lang="zh-TW" altLang="en-US" smtClean="0"/>
-              <a:t>第二層</a:t>
+              <a:rPr lang="en-US" altLang="zh-TW" smtClean="0"/>
+              <a:t>Second level</a:t>
             </a:r>
           </a:p>
           <a:p>
             <a:pPr lvl="2"/>
             <a:r>
-              <a:rPr lang="zh-TW" altLang="en-US" smtClean="0"/>
-              <a:t>第三層</a:t>
+              <a:rPr lang="en-US" altLang="zh-TW" smtClean="0"/>
+              <a:t>Third level</a:t>
             </a:r>
           </a:p>
           <a:p>
             <a:pPr lvl="3"/>
             <a:r>
-              <a:rPr lang="zh-TW" altLang="en-US" smtClean="0"/>
-              <a:t>第四層</a:t>
+              <a:rPr lang="en-US" altLang="zh-TW" smtClean="0"/>
+              <a:t>Fourth level</a:t>
             </a:r>
           </a:p>
           <a:p>
             <a:pPr lvl="4"/>
             <a:r>
-              <a:rPr lang="zh-TW" altLang="en-US" smtClean="0"/>
-              <a:t>第五層</a:t>
-            </a:r>
-            <a:endParaRPr lang="en-US"/>
-          </a:p>
-        </p:txBody>
-      </p:sp>
-      <p:sp>
-        <p:nvSpPr>
-          <p:cNvPr id="4" name="Content Placeholder 3"/>
+              <a:rPr lang="en-US" altLang="zh-TW" smtClean="0"/>
+              <a:t>Fifth level</a:t>
+            </a:r>
+            <a:endParaRPr lang="zh-TW" altLang="en-US"/>
+          </a:p>
+        </p:txBody>
+      </p:sp>
+      <p:sp>
+        <p:nvSpPr>
+          <p:cNvPr id="4" name="內容版面配置區 3"/>
           <p:cNvSpPr>
             <a:spLocks noGrp="1"/>
           </p:cNvSpPr>
@@ -1294,8 +1275,8 @@
         </p:nvSpPr>
         <p:spPr>
           <a:xfrm>
-            <a:off x="4648200" y="1600200"/>
-            <a:ext cx="4038600" cy="4525963"/>
+            <a:off x="6197600" y="1600202"/>
+            <a:ext cx="5384800" cy="4525963"/>
           </a:xfrm>
         </p:spPr>
         <p:txBody>
@@ -1332,44 +1313,44 @@
           <a:p>
             <a:pPr lvl="0"/>
             <a:r>
-              <a:rPr lang="zh-TW" altLang="en-US" smtClean="0"/>
-              <a:t>按一下以編輯母片文字樣式</a:t>
+              <a:rPr lang="en-US" altLang="zh-TW" smtClean="0"/>
+              <a:t>Edit Master text styles</a:t>
             </a:r>
           </a:p>
           <a:p>
             <a:pPr lvl="1"/>
             <a:r>
-              <a:rPr lang="zh-TW" altLang="en-US" smtClean="0"/>
-              <a:t>第二層</a:t>
+              <a:rPr lang="en-US" altLang="zh-TW" smtClean="0"/>
+              <a:t>Second level</a:t>
             </a:r>
           </a:p>
           <a:p>
             <a:pPr lvl="2"/>
             <a:r>
-              <a:rPr lang="zh-TW" altLang="en-US" smtClean="0"/>
-              <a:t>第三層</a:t>
+              <a:rPr lang="en-US" altLang="zh-TW" smtClean="0"/>
+              <a:t>Third level</a:t>
             </a:r>
           </a:p>
           <a:p>
             <a:pPr lvl="3"/>
             <a:r>
-              <a:rPr lang="zh-TW" altLang="en-US" smtClean="0"/>
-              <a:t>第四層</a:t>
+              <a:rPr lang="en-US" altLang="zh-TW" smtClean="0"/>
+              <a:t>Fourth level</a:t>
             </a:r>
           </a:p>
           <a:p>
             <a:pPr lvl="4"/>
             <a:r>
-              <a:rPr lang="zh-TW" altLang="en-US" smtClean="0"/>
-              <a:t>第五層</a:t>
-            </a:r>
-            <a:endParaRPr lang="en-US"/>
-          </a:p>
-        </p:txBody>
-      </p:sp>
-      <p:sp>
-        <p:nvSpPr>
-          <p:cNvPr id="5" name="Date Placeholder 3"/>
+              <a:rPr lang="en-US" altLang="zh-TW" smtClean="0"/>
+              <a:t>Fifth level</a:t>
+            </a:r>
+            <a:endParaRPr lang="zh-TW" altLang="en-US"/>
+          </a:p>
+        </p:txBody>
+      </p:sp>
+      <p:sp>
+        <p:nvSpPr>
+          <p:cNvPr id="5" name="日期版面配置區 4"/>
           <p:cNvSpPr>
             <a:spLocks noGrp="1"/>
           </p:cNvSpPr>
@@ -1380,15 +1361,11 @@
         <p:spPr/>
         <p:txBody>
           <a:bodyPr/>
-          <a:lstStyle>
-            <a:lvl1pPr>
-              <a:defRPr/>
-            </a:lvl1pPr>
-          </a:lstStyle>
+          <a:lstStyle/>
           <a:p>
             <a:fld id="{182E561B-25C0-44B8-B906-32A2ED04DD3C}" type="datetimeFigureOut">
               <a:rPr lang="zh-TW" altLang="en-US" smtClean="0"/>
-              <a:t>2017/1/15</a:t>
+              <a:t>2020/6/6</a:t>
             </a:fld>
             <a:endParaRPr lang="zh-TW" altLang="en-US"/>
           </a:p>
@@ -1396,7 +1373,7 @@
       </p:sp>
       <p:sp>
         <p:nvSpPr>
-          <p:cNvPr id="6" name="Footer Placeholder 4"/>
+          <p:cNvPr id="6" name="頁尾版面配置區 5"/>
           <p:cNvSpPr>
             <a:spLocks noGrp="1"/>
           </p:cNvSpPr>
@@ -1407,19 +1384,15 @@
         <p:spPr/>
         <p:txBody>
           <a:bodyPr/>
-          <a:lstStyle>
-            <a:lvl1pPr>
-              <a:defRPr/>
-            </a:lvl1pPr>
-          </a:lstStyle>
-          <a:p>
-            <a:endParaRPr lang="zh-TW" altLang="en-US"/>
-          </a:p>
-        </p:txBody>
-      </p:sp>
-      <p:sp>
-        <p:nvSpPr>
-          <p:cNvPr id="7" name="Slide Number Placeholder 5"/>
+          <a:lstStyle/>
+          <a:p>
+            <a:endParaRPr lang="zh-TW" altLang="en-US"/>
+          </a:p>
+        </p:txBody>
+      </p:sp>
+      <p:sp>
+        <p:nvSpPr>
+          <p:cNvPr id="7" name="投影片編號版面配置區 6"/>
           <p:cNvSpPr>
             <a:spLocks noGrp="1"/>
           </p:cNvSpPr>
@@ -1430,11 +1403,7 @@
         <p:spPr/>
         <p:txBody>
           <a:bodyPr/>
-          <a:lstStyle>
-            <a:lvl1pPr>
-              <a:defRPr/>
-            </a:lvl1pPr>
-          </a:lstStyle>
+          <a:lstStyle/>
           <a:p>
             <a:fld id="{5D239B8D-BE95-41DE-B62F-E2C94C74C2F2}" type="slidenum">
               <a:rPr lang="zh-TW" altLang="en-US" smtClean="0"/>
@@ -1445,6 +1414,11 @@
         </p:txBody>
       </p:sp>
     </p:spTree>
+    <p:extLst>
+      <p:ext uri="{BB962C8B-B14F-4D97-AF65-F5344CB8AC3E}">
+        <p14:creationId xmlns:p14="http://schemas.microsoft.com/office/powerpoint/2010/main" val="4004389396"/>
+      </p:ext>
+    </p:extLst>
   </p:cSld>
   <p:clrMapOvr>
     <a:masterClrMapping/>
@@ -1471,7 +1445,7 @@
       </p:grpSpPr>
       <p:sp>
         <p:nvSpPr>
-          <p:cNvPr id="2" name="Title 1"/>
+          <p:cNvPr id="2" name="標題 1"/>
           <p:cNvSpPr>
             <a:spLocks noGrp="1"/>
           </p:cNvSpPr>
@@ -1489,16 +1463,16 @@
           </a:lstStyle>
           <a:p>
             <a:r>
-              <a:rPr lang="zh-TW" altLang="en-US" smtClean="0"/>
-              <a:t>按一下以編輯母片標題樣式</a:t>
-            </a:r>
-            <a:endParaRPr lang="en-US"/>
-          </a:p>
-        </p:txBody>
-      </p:sp>
-      <p:sp>
-        <p:nvSpPr>
-          <p:cNvPr id="3" name="Text Placeholder 2"/>
+              <a:rPr lang="en-US" altLang="zh-TW" smtClean="0"/>
+              <a:t>Click to edit Master title style</a:t>
+            </a:r>
+            <a:endParaRPr lang="zh-TW" altLang="en-US"/>
+          </a:p>
+        </p:txBody>
+      </p:sp>
+      <p:sp>
+        <p:nvSpPr>
+          <p:cNvPr id="3" name="文字版面配置區 2"/>
           <p:cNvSpPr>
             <a:spLocks noGrp="1"/>
           </p:cNvSpPr>
@@ -1508,8 +1482,8 @@
         </p:nvSpPr>
         <p:spPr>
           <a:xfrm>
-            <a:off x="457200" y="1535113"/>
-            <a:ext cx="4040188" cy="639762"/>
+            <a:off x="609600" y="1535114"/>
+            <a:ext cx="5386917" cy="639763"/>
           </a:xfrm>
         </p:spPr>
         <p:txBody>
@@ -1555,15 +1529,15 @@
           <a:p>
             <a:pPr lvl="0"/>
             <a:r>
-              <a:rPr lang="zh-TW" altLang="en-US" smtClean="0"/>
-              <a:t>按一下以編輯母片文字樣式</a:t>
-            </a:r>
-          </a:p>
-        </p:txBody>
-      </p:sp>
-      <p:sp>
-        <p:nvSpPr>
-          <p:cNvPr id="4" name="Content Placeholder 3"/>
+              <a:rPr lang="en-US" altLang="zh-TW" smtClean="0"/>
+              <a:t>Edit Master text styles</a:t>
+            </a:r>
+          </a:p>
+        </p:txBody>
+      </p:sp>
+      <p:sp>
+        <p:nvSpPr>
+          <p:cNvPr id="4" name="內容版面配置區 3"/>
           <p:cNvSpPr>
             <a:spLocks noGrp="1"/>
           </p:cNvSpPr>
@@ -1573,8 +1547,8 @@
         </p:nvSpPr>
         <p:spPr>
           <a:xfrm>
-            <a:off x="457200" y="2174875"/>
-            <a:ext cx="4040188" cy="3951288"/>
+            <a:off x="609600" y="2174875"/>
+            <a:ext cx="5386917" cy="3951288"/>
           </a:xfrm>
         </p:spPr>
         <p:txBody>
@@ -1611,44 +1585,44 @@
           <a:p>
             <a:pPr lvl="0"/>
             <a:r>
-              <a:rPr lang="zh-TW" altLang="en-US" smtClean="0"/>
-              <a:t>按一下以編輯母片文字樣式</a:t>
+              <a:rPr lang="en-US" altLang="zh-TW" smtClean="0"/>
+              <a:t>Edit Master text styles</a:t>
             </a:r>
           </a:p>
           <a:p>
             <a:pPr lvl="1"/>
             <a:r>
-              <a:rPr lang="zh-TW" altLang="en-US" smtClean="0"/>
-              <a:t>第二層</a:t>
+              <a:rPr lang="en-US" altLang="zh-TW" smtClean="0"/>
+              <a:t>Second level</a:t>
             </a:r>
           </a:p>
           <a:p>
             <a:pPr lvl="2"/>
             <a:r>
-              <a:rPr lang="zh-TW" altLang="en-US" smtClean="0"/>
-              <a:t>第三層</a:t>
+              <a:rPr lang="en-US" altLang="zh-TW" smtClean="0"/>
+              <a:t>Third level</a:t>
             </a:r>
           </a:p>
           <a:p>
             <a:pPr lvl="3"/>
             <a:r>
-              <a:rPr lang="zh-TW" altLang="en-US" smtClean="0"/>
-              <a:t>第四層</a:t>
+              <a:rPr lang="en-US" altLang="zh-TW" smtClean="0"/>
+              <a:t>Fourth level</a:t>
             </a:r>
           </a:p>
           <a:p>
             <a:pPr lvl="4"/>
             <a:r>
-              <a:rPr lang="zh-TW" altLang="en-US" smtClean="0"/>
-              <a:t>第五層</a:t>
-            </a:r>
-            <a:endParaRPr lang="en-US"/>
-          </a:p>
-        </p:txBody>
-      </p:sp>
-      <p:sp>
-        <p:nvSpPr>
-          <p:cNvPr id="5" name="Text Placeholder 4"/>
+              <a:rPr lang="en-US" altLang="zh-TW" smtClean="0"/>
+              <a:t>Fifth level</a:t>
+            </a:r>
+            <a:endParaRPr lang="zh-TW" altLang="en-US"/>
+          </a:p>
+        </p:txBody>
+      </p:sp>
+      <p:sp>
+        <p:nvSpPr>
+          <p:cNvPr id="5" name="文字版面配置區 4"/>
           <p:cNvSpPr>
             <a:spLocks noGrp="1"/>
           </p:cNvSpPr>
@@ -1658,8 +1632,8 @@
         </p:nvSpPr>
         <p:spPr>
           <a:xfrm>
-            <a:off x="4645025" y="1535113"/>
-            <a:ext cx="4041775" cy="639762"/>
+            <a:off x="6193370" y="1535114"/>
+            <a:ext cx="5389033" cy="639763"/>
           </a:xfrm>
         </p:spPr>
         <p:txBody>
@@ -1705,15 +1679,15 @@
           <a:p>
             <a:pPr lvl="0"/>
             <a:r>
-              <a:rPr lang="zh-TW" altLang="en-US" smtClean="0"/>
-              <a:t>按一下以編輯母片文字樣式</a:t>
-            </a:r>
-          </a:p>
-        </p:txBody>
-      </p:sp>
-      <p:sp>
-        <p:nvSpPr>
-          <p:cNvPr id="6" name="Content Placeholder 5"/>
+              <a:rPr lang="en-US" altLang="zh-TW" smtClean="0"/>
+              <a:t>Edit Master text styles</a:t>
+            </a:r>
+          </a:p>
+        </p:txBody>
+      </p:sp>
+      <p:sp>
+        <p:nvSpPr>
+          <p:cNvPr id="6" name="內容版面配置區 5"/>
           <p:cNvSpPr>
             <a:spLocks noGrp="1"/>
           </p:cNvSpPr>
@@ -1723,8 +1697,8 @@
         </p:nvSpPr>
         <p:spPr>
           <a:xfrm>
-            <a:off x="4645025" y="2174875"/>
-            <a:ext cx="4041775" cy="3951288"/>
+            <a:off x="6193370" y="2174875"/>
+            <a:ext cx="5389033" cy="3951288"/>
           </a:xfrm>
         </p:spPr>
         <p:txBody>
@@ -1761,44 +1735,44 @@
           <a:p>
             <a:pPr lvl="0"/>
             <a:r>
-              <a:rPr lang="zh-TW" altLang="en-US" smtClean="0"/>
-              <a:t>按一下以編輯母片文字樣式</a:t>
+              <a:rPr lang="en-US" altLang="zh-TW" smtClean="0"/>
+              <a:t>Edit Master text styles</a:t>
             </a:r>
           </a:p>
           <a:p>
             <a:pPr lvl="1"/>
             <a:r>
-              <a:rPr lang="zh-TW" altLang="en-US" smtClean="0"/>
-              <a:t>第二層</a:t>
+              <a:rPr lang="en-US" altLang="zh-TW" smtClean="0"/>
+              <a:t>Second level</a:t>
             </a:r>
           </a:p>
           <a:p>
             <a:pPr lvl="2"/>
             <a:r>
-              <a:rPr lang="zh-TW" altLang="en-US" smtClean="0"/>
-              <a:t>第三層</a:t>
+              <a:rPr lang="en-US" altLang="zh-TW" smtClean="0"/>
+              <a:t>Third level</a:t>
             </a:r>
           </a:p>
           <a:p>
             <a:pPr lvl="3"/>
             <a:r>
-              <a:rPr lang="zh-TW" altLang="en-US" smtClean="0"/>
-              <a:t>第四層</a:t>
+              <a:rPr lang="en-US" altLang="zh-TW" smtClean="0"/>
+              <a:t>Fourth level</a:t>
             </a:r>
           </a:p>
           <a:p>
             <a:pPr lvl="4"/>
             <a:r>
-              <a:rPr lang="zh-TW" altLang="en-US" smtClean="0"/>
-              <a:t>第五層</a:t>
-            </a:r>
-            <a:endParaRPr lang="en-US"/>
-          </a:p>
-        </p:txBody>
-      </p:sp>
-      <p:sp>
-        <p:nvSpPr>
-          <p:cNvPr id="7" name="Date Placeholder 3"/>
+              <a:rPr lang="en-US" altLang="zh-TW" smtClean="0"/>
+              <a:t>Fifth level</a:t>
+            </a:r>
+            <a:endParaRPr lang="zh-TW" altLang="en-US"/>
+          </a:p>
+        </p:txBody>
+      </p:sp>
+      <p:sp>
+        <p:nvSpPr>
+          <p:cNvPr id="7" name="日期版面配置區 6"/>
           <p:cNvSpPr>
             <a:spLocks noGrp="1"/>
           </p:cNvSpPr>
@@ -1809,15 +1783,11 @@
         <p:spPr/>
         <p:txBody>
           <a:bodyPr/>
-          <a:lstStyle>
-            <a:lvl1pPr>
-              <a:defRPr/>
-            </a:lvl1pPr>
-          </a:lstStyle>
+          <a:lstStyle/>
           <a:p>
             <a:fld id="{182E561B-25C0-44B8-B906-32A2ED04DD3C}" type="datetimeFigureOut">
               <a:rPr lang="zh-TW" altLang="en-US" smtClean="0"/>
-              <a:t>2017/1/15</a:t>
+              <a:t>2020/6/6</a:t>
             </a:fld>
             <a:endParaRPr lang="zh-TW" altLang="en-US"/>
           </a:p>
@@ -1825,7 +1795,7 @@
       </p:sp>
       <p:sp>
         <p:nvSpPr>
-          <p:cNvPr id="8" name="Footer Placeholder 4"/>
+          <p:cNvPr id="8" name="頁尾版面配置區 7"/>
           <p:cNvSpPr>
             <a:spLocks noGrp="1"/>
           </p:cNvSpPr>
@@ -1836,19 +1806,15 @@
         <p:spPr/>
         <p:txBody>
           <a:bodyPr/>
-          <a:lstStyle>
-            <a:lvl1pPr>
-              <a:defRPr/>
-            </a:lvl1pPr>
-          </a:lstStyle>
-          <a:p>
-            <a:endParaRPr lang="zh-TW" altLang="en-US"/>
-          </a:p>
-        </p:txBody>
-      </p:sp>
-      <p:sp>
-        <p:nvSpPr>
-          <p:cNvPr id="9" name="Slide Number Placeholder 5"/>
+          <a:lstStyle/>
+          <a:p>
+            <a:endParaRPr lang="zh-TW" altLang="en-US"/>
+          </a:p>
+        </p:txBody>
+      </p:sp>
+      <p:sp>
+        <p:nvSpPr>
+          <p:cNvPr id="9" name="投影片編號版面配置區 8"/>
           <p:cNvSpPr>
             <a:spLocks noGrp="1"/>
           </p:cNvSpPr>
@@ -1859,11 +1825,7 @@
         <p:spPr/>
         <p:txBody>
           <a:bodyPr/>
-          <a:lstStyle>
-            <a:lvl1pPr>
-              <a:defRPr/>
-            </a:lvl1pPr>
-          </a:lstStyle>
+          <a:lstStyle/>
           <a:p>
             <a:fld id="{5D239B8D-BE95-41DE-B62F-E2C94C74C2F2}" type="slidenum">
               <a:rPr lang="zh-TW" altLang="en-US" smtClean="0"/>
@@ -1874,6 +1836,11 @@
         </p:txBody>
       </p:sp>
     </p:spTree>
+    <p:extLst>
+      <p:ext uri="{BB962C8B-B14F-4D97-AF65-F5344CB8AC3E}">
+        <p14:creationId xmlns:p14="http://schemas.microsoft.com/office/powerpoint/2010/main" val="461676711"/>
+      </p:ext>
+    </p:extLst>
   </p:cSld>
   <p:clrMapOvr>
     <a:masterClrMapping/>
@@ -1900,7 +1867,7 @@
       </p:grpSpPr>
       <p:sp>
         <p:nvSpPr>
-          <p:cNvPr id="2" name="Title 1"/>
+          <p:cNvPr id="2" name="標題 1"/>
           <p:cNvSpPr>
             <a:spLocks noGrp="1"/>
           </p:cNvSpPr>
@@ -1914,16 +1881,16 @@
           <a:lstStyle/>
           <a:p>
             <a:r>
-              <a:rPr lang="zh-TW" altLang="en-US" smtClean="0"/>
-              <a:t>按一下以編輯母片標題樣式</a:t>
-            </a:r>
-            <a:endParaRPr lang="en-US"/>
-          </a:p>
-        </p:txBody>
-      </p:sp>
-      <p:sp>
-        <p:nvSpPr>
-          <p:cNvPr id="3" name="Date Placeholder 3"/>
+              <a:rPr lang="en-US" altLang="zh-TW" smtClean="0"/>
+              <a:t>Click to edit Master title style</a:t>
+            </a:r>
+            <a:endParaRPr lang="zh-TW" altLang="en-US"/>
+          </a:p>
+        </p:txBody>
+      </p:sp>
+      <p:sp>
+        <p:nvSpPr>
+          <p:cNvPr id="3" name="日期版面配置區 2"/>
           <p:cNvSpPr>
             <a:spLocks noGrp="1"/>
           </p:cNvSpPr>
@@ -1934,15 +1901,11 @@
         <p:spPr/>
         <p:txBody>
           <a:bodyPr/>
-          <a:lstStyle>
-            <a:lvl1pPr>
-              <a:defRPr/>
-            </a:lvl1pPr>
-          </a:lstStyle>
+          <a:lstStyle/>
           <a:p>
             <a:fld id="{182E561B-25C0-44B8-B906-32A2ED04DD3C}" type="datetimeFigureOut">
               <a:rPr lang="zh-TW" altLang="en-US" smtClean="0"/>
-              <a:t>2017/1/15</a:t>
+              <a:t>2020/6/6</a:t>
             </a:fld>
             <a:endParaRPr lang="zh-TW" altLang="en-US"/>
           </a:p>
@@ -1950,7 +1913,7 @@
       </p:sp>
       <p:sp>
         <p:nvSpPr>
-          <p:cNvPr id="4" name="Footer Placeholder 4"/>
+          <p:cNvPr id="4" name="頁尾版面配置區 3"/>
           <p:cNvSpPr>
             <a:spLocks noGrp="1"/>
           </p:cNvSpPr>
@@ -1961,19 +1924,15 @@
         <p:spPr/>
         <p:txBody>
           <a:bodyPr/>
-          <a:lstStyle>
-            <a:lvl1pPr>
-              <a:defRPr/>
-            </a:lvl1pPr>
-          </a:lstStyle>
-          <a:p>
-            <a:endParaRPr lang="zh-TW" altLang="en-US"/>
-          </a:p>
-        </p:txBody>
-      </p:sp>
-      <p:sp>
-        <p:nvSpPr>
-          <p:cNvPr id="5" name="Slide Number Placeholder 5"/>
+          <a:lstStyle/>
+          <a:p>
+            <a:endParaRPr lang="zh-TW" altLang="en-US"/>
+          </a:p>
+        </p:txBody>
+      </p:sp>
+      <p:sp>
+        <p:nvSpPr>
+          <p:cNvPr id="5" name="投影片編號版面配置區 4"/>
           <p:cNvSpPr>
             <a:spLocks noGrp="1"/>
           </p:cNvSpPr>
@@ -1984,11 +1943,7 @@
         <p:spPr/>
         <p:txBody>
           <a:bodyPr/>
-          <a:lstStyle>
-            <a:lvl1pPr>
-              <a:defRPr/>
-            </a:lvl1pPr>
-          </a:lstStyle>
+          <a:lstStyle/>
           <a:p>
             <a:fld id="{5D239B8D-BE95-41DE-B62F-E2C94C74C2F2}" type="slidenum">
               <a:rPr lang="zh-TW" altLang="en-US" smtClean="0"/>
@@ -1999,6 +1954,11 @@
         </p:txBody>
       </p:sp>
     </p:spTree>
+    <p:extLst>
+      <p:ext uri="{BB962C8B-B14F-4D97-AF65-F5344CB8AC3E}">
+        <p14:creationId xmlns:p14="http://schemas.microsoft.com/office/powerpoint/2010/main" val="1529970335"/>
+      </p:ext>
+    </p:extLst>
   </p:cSld>
   <p:clrMapOvr>
     <a:masterClrMapping/>
@@ -2025,7 +1985,7 @@
       </p:grpSpPr>
       <p:sp>
         <p:nvSpPr>
-          <p:cNvPr id="2" name="Date Placeholder 3"/>
+          <p:cNvPr id="2" name="日期版面配置區 1"/>
           <p:cNvSpPr>
             <a:spLocks noGrp="1"/>
           </p:cNvSpPr>
@@ -2036,15 +1996,11 @@
         <p:spPr/>
         <p:txBody>
           <a:bodyPr/>
-          <a:lstStyle>
-            <a:lvl1pPr>
-              <a:defRPr/>
-            </a:lvl1pPr>
-          </a:lstStyle>
+          <a:lstStyle/>
           <a:p>
             <a:fld id="{182E561B-25C0-44B8-B906-32A2ED04DD3C}" type="datetimeFigureOut">
               <a:rPr lang="zh-TW" altLang="en-US" smtClean="0"/>
-              <a:t>2017/1/15</a:t>
+              <a:t>2020/6/6</a:t>
             </a:fld>
             <a:endParaRPr lang="zh-TW" altLang="en-US"/>
           </a:p>
@@ -2052,7 +2008,7 @@
       </p:sp>
       <p:sp>
         <p:nvSpPr>
-          <p:cNvPr id="3" name="Footer Placeholder 4"/>
+          <p:cNvPr id="3" name="頁尾版面配置區 2"/>
           <p:cNvSpPr>
             <a:spLocks noGrp="1"/>
           </p:cNvSpPr>
@@ -2063,19 +2019,15 @@
         <p:spPr/>
         <p:txBody>
           <a:bodyPr/>
-          <a:lstStyle>
-            <a:lvl1pPr>
-              <a:defRPr/>
-            </a:lvl1pPr>
-          </a:lstStyle>
-          <a:p>
-            <a:endParaRPr lang="zh-TW" altLang="en-US"/>
-          </a:p>
-        </p:txBody>
-      </p:sp>
-      <p:sp>
-        <p:nvSpPr>
-          <p:cNvPr id="4" name="Slide Number Placeholder 5"/>
+          <a:lstStyle/>
+          <a:p>
+            <a:endParaRPr lang="zh-TW" altLang="en-US"/>
+          </a:p>
+        </p:txBody>
+      </p:sp>
+      <p:sp>
+        <p:nvSpPr>
+          <p:cNvPr id="4" name="投影片編號版面配置區 3"/>
           <p:cNvSpPr>
             <a:spLocks noGrp="1"/>
           </p:cNvSpPr>
@@ -2086,11 +2038,7 @@
         <p:spPr/>
         <p:txBody>
           <a:bodyPr/>
-          <a:lstStyle>
-            <a:lvl1pPr>
-              <a:defRPr/>
-            </a:lvl1pPr>
-          </a:lstStyle>
+          <a:lstStyle/>
           <a:p>
             <a:fld id="{5D239B8D-BE95-41DE-B62F-E2C94C74C2F2}" type="slidenum">
               <a:rPr lang="zh-TW" altLang="en-US" smtClean="0"/>
@@ -2101,6 +2049,11 @@
         </p:txBody>
       </p:sp>
     </p:spTree>
+    <p:extLst>
+      <p:ext uri="{BB962C8B-B14F-4D97-AF65-F5344CB8AC3E}">
+        <p14:creationId xmlns:p14="http://schemas.microsoft.com/office/powerpoint/2010/main" val="68691834"/>
+      </p:ext>
+    </p:extLst>
   </p:cSld>
   <p:clrMapOvr>
     <a:masterClrMapping/>
@@ -2127,7 +2080,7 @@
       </p:grpSpPr>
       <p:sp>
         <p:nvSpPr>
-          <p:cNvPr id="2" name="Title 1"/>
+          <p:cNvPr id="2" name="標題 1"/>
           <p:cNvSpPr>
             <a:spLocks noGrp="1"/>
           </p:cNvSpPr>
@@ -2137,8 +2090,8 @@
         </p:nvSpPr>
         <p:spPr>
           <a:xfrm>
-            <a:off x="457200" y="273050"/>
-            <a:ext cx="3008313" cy="1162050"/>
+            <a:off x="609603" y="273050"/>
+            <a:ext cx="4011084" cy="1162051"/>
           </a:xfrm>
         </p:spPr>
         <p:txBody>
@@ -2150,16 +2103,16 @@
           </a:lstStyle>
           <a:p>
             <a:r>
-              <a:rPr lang="zh-TW" altLang="en-US" smtClean="0"/>
-              <a:t>按一下以編輯母片標題樣式</a:t>
-            </a:r>
-            <a:endParaRPr lang="en-US"/>
-          </a:p>
-        </p:txBody>
-      </p:sp>
-      <p:sp>
-        <p:nvSpPr>
-          <p:cNvPr id="3" name="Content Placeholder 2"/>
+              <a:rPr lang="en-US" altLang="zh-TW" smtClean="0"/>
+              <a:t>Click to edit Master title style</a:t>
+            </a:r>
+            <a:endParaRPr lang="zh-TW" altLang="en-US"/>
+          </a:p>
+        </p:txBody>
+      </p:sp>
+      <p:sp>
+        <p:nvSpPr>
+          <p:cNvPr id="3" name="內容版面配置區 2"/>
           <p:cNvSpPr>
             <a:spLocks noGrp="1"/>
           </p:cNvSpPr>
@@ -2169,8 +2122,8 @@
         </p:nvSpPr>
         <p:spPr>
           <a:xfrm>
-            <a:off x="3575050" y="273050"/>
-            <a:ext cx="5111750" cy="5853113"/>
+            <a:off x="4766733" y="273053"/>
+            <a:ext cx="6815667" cy="5853113"/>
           </a:xfrm>
         </p:spPr>
         <p:txBody>
@@ -2207,44 +2160,44 @@
           <a:p>
             <a:pPr lvl="0"/>
             <a:r>
-              <a:rPr lang="zh-TW" altLang="en-US" smtClean="0"/>
-              <a:t>按一下以編輯母片文字樣式</a:t>
+              <a:rPr lang="en-US" altLang="zh-TW" smtClean="0"/>
+              <a:t>Edit Master text styles</a:t>
             </a:r>
           </a:p>
           <a:p>
             <a:pPr lvl="1"/>
             <a:r>
-              <a:rPr lang="zh-TW" altLang="en-US" smtClean="0"/>
-              <a:t>第二層</a:t>
+              <a:rPr lang="en-US" altLang="zh-TW" smtClean="0"/>
+              <a:t>Second level</a:t>
             </a:r>
           </a:p>
           <a:p>
             <a:pPr lvl="2"/>
             <a:r>
-              <a:rPr lang="zh-TW" altLang="en-US" smtClean="0"/>
-              <a:t>第三層</a:t>
+              <a:rPr lang="en-US" altLang="zh-TW" smtClean="0"/>
+              <a:t>Third level</a:t>
             </a:r>
           </a:p>
           <a:p>
             <a:pPr lvl="3"/>
             <a:r>
-              <a:rPr lang="zh-TW" altLang="en-US" smtClean="0"/>
-              <a:t>第四層</a:t>
+              <a:rPr lang="en-US" altLang="zh-TW" smtClean="0"/>
+              <a:t>Fourth level</a:t>
             </a:r>
           </a:p>
           <a:p>
             <a:pPr lvl="4"/>
             <a:r>
-              <a:rPr lang="zh-TW" altLang="en-US" smtClean="0"/>
-              <a:t>第五層</a:t>
-            </a:r>
-            <a:endParaRPr lang="en-US"/>
-          </a:p>
-        </p:txBody>
-      </p:sp>
-      <p:sp>
-        <p:nvSpPr>
-          <p:cNvPr id="4" name="Text Placeholder 3"/>
+              <a:rPr lang="en-US" altLang="zh-TW" smtClean="0"/>
+              <a:t>Fifth level</a:t>
+            </a:r>
+            <a:endParaRPr lang="zh-TW" altLang="en-US"/>
+          </a:p>
+        </p:txBody>
+      </p:sp>
+      <p:sp>
+        <p:nvSpPr>
+          <p:cNvPr id="4" name="文字版面配置區 3"/>
           <p:cNvSpPr>
             <a:spLocks noGrp="1"/>
           </p:cNvSpPr>
@@ -2254,8 +2207,8 @@
         </p:nvSpPr>
         <p:spPr>
           <a:xfrm>
-            <a:off x="457200" y="1435100"/>
-            <a:ext cx="3008313" cy="4691063"/>
+            <a:off x="609603" y="1435103"/>
+            <a:ext cx="4011084" cy="4691063"/>
           </a:xfrm>
         </p:spPr>
         <p:txBody>
@@ -2301,15 +2254,15 @@
           <a:p>
             <a:pPr lvl="0"/>
             <a:r>
-              <a:rPr lang="zh-TW" altLang="en-US" smtClean="0"/>
-              <a:t>按一下以編輯母片文字樣式</a:t>
-            </a:r>
-          </a:p>
-        </p:txBody>
-      </p:sp>
-      <p:sp>
-        <p:nvSpPr>
-          <p:cNvPr id="5" name="Date Placeholder 3"/>
+              <a:rPr lang="en-US" altLang="zh-TW" smtClean="0"/>
+              <a:t>Edit Master text styles</a:t>
+            </a:r>
+          </a:p>
+        </p:txBody>
+      </p:sp>
+      <p:sp>
+        <p:nvSpPr>
+          <p:cNvPr id="5" name="日期版面配置區 4"/>
           <p:cNvSpPr>
             <a:spLocks noGrp="1"/>
           </p:cNvSpPr>
@@ -2320,15 +2273,11 @@
         <p:spPr/>
         <p:txBody>
           <a:bodyPr/>
-          <a:lstStyle>
-            <a:lvl1pPr>
-              <a:defRPr/>
-            </a:lvl1pPr>
-          </a:lstStyle>
+          <a:lstStyle/>
           <a:p>
             <a:fld id="{182E561B-25C0-44B8-B906-32A2ED04DD3C}" type="datetimeFigureOut">
               <a:rPr lang="zh-TW" altLang="en-US" smtClean="0"/>
-              <a:t>2017/1/15</a:t>
+              <a:t>2020/6/6</a:t>
             </a:fld>
             <a:endParaRPr lang="zh-TW" altLang="en-US"/>
           </a:p>
@@ -2336,7 +2285,7 @@
       </p:sp>
       <p:sp>
         <p:nvSpPr>
-          <p:cNvPr id="6" name="Footer Placeholder 4"/>
+          <p:cNvPr id="6" name="頁尾版面配置區 5"/>
           <p:cNvSpPr>
             <a:spLocks noGrp="1"/>
           </p:cNvSpPr>
@@ -2347,19 +2296,15 @@
         <p:spPr/>
         <p:txBody>
           <a:bodyPr/>
-          <a:lstStyle>
-            <a:lvl1pPr>
-              <a:defRPr/>
-            </a:lvl1pPr>
-          </a:lstStyle>
-          <a:p>
-            <a:endParaRPr lang="zh-TW" altLang="en-US"/>
-          </a:p>
-        </p:txBody>
-      </p:sp>
-      <p:sp>
-        <p:nvSpPr>
-          <p:cNvPr id="7" name="Slide Number Placeholder 5"/>
+          <a:lstStyle/>
+          <a:p>
+            <a:endParaRPr lang="zh-TW" altLang="en-US"/>
+          </a:p>
+        </p:txBody>
+      </p:sp>
+      <p:sp>
+        <p:nvSpPr>
+          <p:cNvPr id="7" name="投影片編號版面配置區 6"/>
           <p:cNvSpPr>
             <a:spLocks noGrp="1"/>
           </p:cNvSpPr>
@@ -2370,11 +2315,7 @@
         <p:spPr/>
         <p:txBody>
           <a:bodyPr/>
-          <a:lstStyle>
-            <a:lvl1pPr>
-              <a:defRPr/>
-            </a:lvl1pPr>
-          </a:lstStyle>
+          <a:lstStyle/>
           <a:p>
             <a:fld id="{5D239B8D-BE95-41DE-B62F-E2C94C74C2F2}" type="slidenum">
               <a:rPr lang="zh-TW" altLang="en-US" smtClean="0"/>
@@ -2385,6 +2326,11 @@
         </p:txBody>
       </p:sp>
     </p:spTree>
+    <p:extLst>
+      <p:ext uri="{BB962C8B-B14F-4D97-AF65-F5344CB8AC3E}">
+        <p14:creationId xmlns:p14="http://schemas.microsoft.com/office/powerpoint/2010/main" val="224099333"/>
+      </p:ext>
+    </p:extLst>
   </p:cSld>
   <p:clrMapOvr>
     <a:masterClrMapping/>
@@ -2411,7 +2357,7 @@
       </p:grpSpPr>
       <p:sp>
         <p:nvSpPr>
-          <p:cNvPr id="2" name="Title 1"/>
+          <p:cNvPr id="2" name="標題 1"/>
           <p:cNvSpPr>
             <a:spLocks noGrp="1"/>
           </p:cNvSpPr>
@@ -2421,8 +2367,8 @@
         </p:nvSpPr>
         <p:spPr>
           <a:xfrm>
-            <a:off x="1792288" y="4800600"/>
-            <a:ext cx="5486400" cy="566738"/>
+            <a:off x="2389717" y="4800601"/>
+            <a:ext cx="7315200" cy="566739"/>
           </a:xfrm>
         </p:spPr>
         <p:txBody>
@@ -2434,16 +2380,16 @@
           </a:lstStyle>
           <a:p>
             <a:r>
-              <a:rPr lang="zh-TW" altLang="en-US" smtClean="0"/>
-              <a:t>按一下以編輯母片標題樣式</a:t>
-            </a:r>
-            <a:endParaRPr lang="en-US"/>
-          </a:p>
-        </p:txBody>
-      </p:sp>
-      <p:sp>
-        <p:nvSpPr>
-          <p:cNvPr id="3" name="Picture Placeholder 2"/>
+              <a:rPr lang="en-US" altLang="zh-TW" smtClean="0"/>
+              <a:t>Click to edit Master title style</a:t>
+            </a:r>
+            <a:endParaRPr lang="zh-TW" altLang="en-US"/>
+          </a:p>
+        </p:txBody>
+      </p:sp>
+      <p:sp>
+        <p:nvSpPr>
+          <p:cNvPr id="3" name="圖片版面配置區 2"/>
           <p:cNvSpPr>
             <a:spLocks noGrp="1"/>
           </p:cNvSpPr>
@@ -2453,14 +2399,12 @@
         </p:nvSpPr>
         <p:spPr>
           <a:xfrm>
-            <a:off x="1792288" y="612775"/>
-            <a:ext cx="5486400" cy="4114800"/>
+            <a:off x="2389717" y="612775"/>
+            <a:ext cx="7315200" cy="4114800"/>
           </a:xfrm>
         </p:spPr>
         <p:txBody>
-          <a:bodyPr rtlCol="0">
-            <a:normAutofit/>
-          </a:bodyPr>
+          <a:bodyPr/>
           <a:lstStyle>
             <a:lvl1pPr marL="0" indent="0">
               <a:buNone/>
@@ -2500,18 +2444,17 @@
             </a:lvl9pPr>
           </a:lstStyle>
           <a:p>
-            <a:pPr lvl="0"/>
-            <a:r>
-              <a:rPr lang="zh-TW" altLang="en-US" noProof="0" smtClean="0"/>
-              <a:t>按一下圖示以新增圖片</a:t>
-            </a:r>
-            <a:endParaRPr lang="en-US" noProof="0"/>
-          </a:p>
-        </p:txBody>
-      </p:sp>
-      <p:sp>
-        <p:nvSpPr>
-          <p:cNvPr id="4" name="Text Placeholder 3"/>
+            <a:r>
+              <a:rPr lang="en-US" altLang="zh-TW" smtClean="0"/>
+              <a:t>Click icon to add picture</a:t>
+            </a:r>
+            <a:endParaRPr lang="zh-TW" altLang="en-US"/>
+          </a:p>
+        </p:txBody>
+      </p:sp>
+      <p:sp>
+        <p:nvSpPr>
+          <p:cNvPr id="4" name="文字版面配置區 3"/>
           <p:cNvSpPr>
             <a:spLocks noGrp="1"/>
           </p:cNvSpPr>
@@ -2521,8 +2464,8 @@
         </p:nvSpPr>
         <p:spPr>
           <a:xfrm>
-            <a:off x="1792288" y="5367338"/>
-            <a:ext cx="5486400" cy="804862"/>
+            <a:off x="2389717" y="5367339"/>
+            <a:ext cx="7315200" cy="804863"/>
           </a:xfrm>
         </p:spPr>
         <p:txBody>
@@ -2568,15 +2511,15 @@
           <a:p>
             <a:pPr lvl="0"/>
             <a:r>
-              <a:rPr lang="zh-TW" altLang="en-US" smtClean="0"/>
-              <a:t>按一下以編輯母片文字樣式</a:t>
-            </a:r>
-          </a:p>
-        </p:txBody>
-      </p:sp>
-      <p:sp>
-        <p:nvSpPr>
-          <p:cNvPr id="5" name="Date Placeholder 3"/>
+              <a:rPr lang="en-US" altLang="zh-TW" smtClean="0"/>
+              <a:t>Edit Master text styles</a:t>
+            </a:r>
+          </a:p>
+        </p:txBody>
+      </p:sp>
+      <p:sp>
+        <p:nvSpPr>
+          <p:cNvPr id="5" name="日期版面配置區 4"/>
           <p:cNvSpPr>
             <a:spLocks noGrp="1"/>
           </p:cNvSpPr>
@@ -2587,15 +2530,11 @@
         <p:spPr/>
         <p:txBody>
           <a:bodyPr/>
-          <a:lstStyle>
-            <a:lvl1pPr>
-              <a:defRPr/>
-            </a:lvl1pPr>
-          </a:lstStyle>
+          <a:lstStyle/>
           <a:p>
             <a:fld id="{182E561B-25C0-44B8-B906-32A2ED04DD3C}" type="datetimeFigureOut">
               <a:rPr lang="zh-TW" altLang="en-US" smtClean="0"/>
-              <a:t>2017/1/15</a:t>
+              <a:t>2020/6/6</a:t>
             </a:fld>
             <a:endParaRPr lang="zh-TW" altLang="en-US"/>
           </a:p>
@@ -2603,7 +2542,7 @@
       </p:sp>
       <p:sp>
         <p:nvSpPr>
-          <p:cNvPr id="6" name="Footer Placeholder 4"/>
+          <p:cNvPr id="6" name="頁尾版面配置區 5"/>
           <p:cNvSpPr>
             <a:spLocks noGrp="1"/>
           </p:cNvSpPr>
@@ -2614,19 +2553,15 @@
         <p:spPr/>
         <p:txBody>
           <a:bodyPr/>
-          <a:lstStyle>
-            <a:lvl1pPr>
-              <a:defRPr/>
-            </a:lvl1pPr>
-          </a:lstStyle>
-          <a:p>
-            <a:endParaRPr lang="zh-TW" altLang="en-US"/>
-          </a:p>
-        </p:txBody>
-      </p:sp>
-      <p:sp>
-        <p:nvSpPr>
-          <p:cNvPr id="7" name="Slide Number Placeholder 5"/>
+          <a:lstStyle/>
+          <a:p>
+            <a:endParaRPr lang="zh-TW" altLang="en-US"/>
+          </a:p>
+        </p:txBody>
+      </p:sp>
+      <p:sp>
+        <p:nvSpPr>
+          <p:cNvPr id="7" name="投影片編號版面配置區 6"/>
           <p:cNvSpPr>
             <a:spLocks noGrp="1"/>
           </p:cNvSpPr>
@@ -2637,11 +2572,7 @@
         <p:spPr/>
         <p:txBody>
           <a:bodyPr/>
-          <a:lstStyle>
-            <a:lvl1pPr>
-              <a:defRPr/>
-            </a:lvl1pPr>
-          </a:lstStyle>
+          <a:lstStyle/>
           <a:p>
             <a:fld id="{5D239B8D-BE95-41DE-B62F-E2C94C74C2F2}" type="slidenum">
               <a:rPr lang="zh-TW" altLang="en-US" smtClean="0"/>
@@ -2652,6 +2583,11 @@
         </p:txBody>
       </p:sp>
     </p:spTree>
+    <p:extLst>
+      <p:ext uri="{BB962C8B-B14F-4D97-AF65-F5344CB8AC3E}">
+        <p14:creationId xmlns:p14="http://schemas.microsoft.com/office/powerpoint/2010/main" val="4141320905"/>
+      </p:ext>
+    </p:extLst>
   </p:cSld>
   <p:clrMapOvr>
     <a:masterClrMapping/>
@@ -2665,13 +2601,9 @@
     <p:bg>
       <p:bgPr>
         <a:blipFill dpi="0" rotWithShape="1">
-          <a:blip r:embed="rId13">
-            <a:lum/>
-          </a:blip>
+          <a:blip r:embed="rId13"/>
           <a:srcRect/>
-          <a:stretch>
-            <a:fillRect l="-21000" r="-21000"/>
-          </a:stretch>
+          <a:tile tx="0" ty="0" sx="100000" sy="100000" flip="none" algn="tl"/>
         </a:blipFill>
         <a:effectLst/>
       </p:bgPr>
@@ -2692,162 +2624,135 @@
       </p:grpSpPr>
       <p:sp>
         <p:nvSpPr>
-          <p:cNvPr id="1026" name="Title Placeholder 1"/>
+          <p:cNvPr id="2" name="標題版面配置區 1"/>
           <p:cNvSpPr>
             <a:spLocks noGrp="1"/>
           </p:cNvSpPr>
           <p:nvPr>
             <p:ph type="title"/>
-          </p:nvPr>
-        </p:nvSpPr>
-        <p:spPr bwMode="auto">
-          <a:xfrm>
-            <a:off x="457200" y="274638"/>
-            <a:ext cx="8229600" cy="1143000"/>
-          </a:xfrm>
-          <a:prstGeom prst="rect">
-            <a:avLst/>
-          </a:prstGeom>
-          <a:noFill/>
-          <a:ln w="9525">
-            <a:noFill/>
-            <a:miter lim="800000"/>
-            <a:headEnd/>
-            <a:tailEnd/>
-          </a:ln>
-        </p:spPr>
-        <p:txBody>
-          <a:bodyPr vert="horz" wrap="square" lIns="91440" tIns="45720" rIns="91440" bIns="45720" numCol="1" anchor="ctr" anchorCtr="0" compatLnSpc="1">
-            <a:prstTxWarp prst="textNoShape">
-              <a:avLst/>
-            </a:prstTxWarp>
-          </a:bodyPr>
-          <a:lstStyle/>
-          <a:p>
-            <a:pPr lvl="0"/>
-            <a:r>
-              <a:rPr lang="zh-TW" altLang="en-US" smtClean="0"/>
-              <a:t>按一下以編輯母片標題樣式</a:t>
-            </a:r>
-            <a:endParaRPr lang="en-US" altLang="zh-TW" smtClean="0"/>
-          </a:p>
-        </p:txBody>
-      </p:sp>
-      <p:sp>
-        <p:nvSpPr>
-          <p:cNvPr id="1027" name="Text Placeholder 2"/>
-          <p:cNvSpPr>
-            <a:spLocks noGrp="1"/>
-          </p:cNvSpPr>
-          <p:nvPr>
-            <p:ph type="body" idx="1"/>
-          </p:nvPr>
-        </p:nvSpPr>
-        <p:spPr bwMode="auto">
-          <a:xfrm>
-            <a:off x="457200" y="1600200"/>
-            <a:ext cx="8229600" cy="4525963"/>
-          </a:xfrm>
-          <a:prstGeom prst="rect">
-            <a:avLst/>
-          </a:prstGeom>
-          <a:noFill/>
-          <a:ln w="9525">
-            <a:noFill/>
-            <a:miter lim="800000"/>
-            <a:headEnd/>
-            <a:tailEnd/>
-          </a:ln>
-        </p:spPr>
-        <p:txBody>
-          <a:bodyPr vert="horz" wrap="square" lIns="91440" tIns="45720" rIns="91440" bIns="45720" numCol="1" anchor="t" anchorCtr="0" compatLnSpc="1">
-            <a:prstTxWarp prst="textNoShape">
-              <a:avLst/>
-            </a:prstTxWarp>
-          </a:bodyPr>
-          <a:lstStyle/>
-          <a:p>
-            <a:pPr lvl="0"/>
-            <a:r>
-              <a:rPr lang="zh-TW" altLang="en-US" smtClean="0"/>
-              <a:t>按一下以編輯母片文字樣式</a:t>
-            </a:r>
-          </a:p>
-          <a:p>
-            <a:pPr lvl="1"/>
-            <a:r>
-              <a:rPr lang="zh-TW" altLang="en-US" smtClean="0"/>
-              <a:t>第二層</a:t>
-            </a:r>
-          </a:p>
-          <a:p>
-            <a:pPr lvl="2"/>
-            <a:r>
-              <a:rPr lang="zh-TW" altLang="en-US" smtClean="0"/>
-              <a:t>第三層</a:t>
-            </a:r>
-          </a:p>
-          <a:p>
-            <a:pPr lvl="3"/>
-            <a:r>
-              <a:rPr lang="zh-TW" altLang="en-US" smtClean="0"/>
-              <a:t>第四層</a:t>
-            </a:r>
-          </a:p>
-          <a:p>
-            <a:pPr lvl="4"/>
-            <a:r>
-              <a:rPr lang="zh-TW" altLang="en-US" smtClean="0"/>
-              <a:t>第五層</a:t>
-            </a:r>
-            <a:endParaRPr lang="en-US" altLang="zh-TW" smtClean="0"/>
-          </a:p>
-        </p:txBody>
-      </p:sp>
-      <p:sp>
-        <p:nvSpPr>
-          <p:cNvPr id="4" name="Date Placeholder 3"/>
-          <p:cNvSpPr>
-            <a:spLocks noGrp="1"/>
-          </p:cNvSpPr>
-          <p:nvPr>
-            <p:ph type="dt" sz="half" idx="2"/>
           </p:nvPr>
         </p:nvSpPr>
         <p:spPr>
           <a:xfrm>
-            <a:off x="457200" y="6356350"/>
-            <a:ext cx="2133600" cy="365125"/>
+            <a:off x="609600" y="274639"/>
+            <a:ext cx="10972800" cy="1143000"/>
           </a:xfrm>
           <a:prstGeom prst="rect">
             <a:avLst/>
           </a:prstGeom>
         </p:spPr>
         <p:txBody>
+          <a:bodyPr vert="horz" lIns="91440" tIns="45720" rIns="91440" bIns="45720" rtlCol="0" anchor="ctr">
+            <a:normAutofit/>
+          </a:bodyPr>
+          <a:lstStyle/>
+          <a:p>
+            <a:r>
+              <a:rPr lang="zh-TW" altLang="en-US" smtClean="0"/>
+              <a:t>按一下以編輯母片標題樣式</a:t>
+            </a:r>
+            <a:endParaRPr lang="zh-TW" altLang="en-US"/>
+          </a:p>
+        </p:txBody>
+      </p:sp>
+      <p:sp>
+        <p:nvSpPr>
+          <p:cNvPr id="3" name="文字版面配置區 2"/>
+          <p:cNvSpPr>
+            <a:spLocks noGrp="1"/>
+          </p:cNvSpPr>
+          <p:nvPr>
+            <p:ph type="body" idx="1"/>
+          </p:nvPr>
+        </p:nvSpPr>
+        <p:spPr>
+          <a:xfrm>
+            <a:off x="609600" y="1600202"/>
+            <a:ext cx="10972800" cy="4525963"/>
+          </a:xfrm>
+          <a:prstGeom prst="rect">
+            <a:avLst/>
+          </a:prstGeom>
+        </p:spPr>
+        <p:txBody>
+          <a:bodyPr vert="horz" lIns="91440" tIns="45720" rIns="91440" bIns="45720" rtlCol="0">
+            <a:normAutofit/>
+          </a:bodyPr>
+          <a:lstStyle/>
+          <a:p>
+            <a:pPr lvl="0"/>
+            <a:r>
+              <a:rPr lang="zh-TW" altLang="en-US" smtClean="0"/>
+              <a:t>按一下以編輯母片文字樣式</a:t>
+            </a:r>
+          </a:p>
+          <a:p>
+            <a:pPr lvl="1"/>
+            <a:r>
+              <a:rPr lang="zh-TW" altLang="en-US" smtClean="0"/>
+              <a:t>第二層</a:t>
+            </a:r>
+          </a:p>
+          <a:p>
+            <a:pPr lvl="2"/>
+            <a:r>
+              <a:rPr lang="zh-TW" altLang="en-US" smtClean="0"/>
+              <a:t>第三層</a:t>
+            </a:r>
+          </a:p>
+          <a:p>
+            <a:pPr lvl="3"/>
+            <a:r>
+              <a:rPr lang="zh-TW" altLang="en-US" smtClean="0"/>
+              <a:t>第四層</a:t>
+            </a:r>
+          </a:p>
+          <a:p>
+            <a:pPr lvl="4"/>
+            <a:r>
+              <a:rPr lang="zh-TW" altLang="en-US" smtClean="0"/>
+              <a:t>第五層</a:t>
+            </a:r>
+            <a:endParaRPr lang="zh-TW" altLang="en-US"/>
+          </a:p>
+        </p:txBody>
+      </p:sp>
+      <p:sp>
+        <p:nvSpPr>
+          <p:cNvPr id="4" name="日期版面配置區 3"/>
+          <p:cNvSpPr>
+            <a:spLocks noGrp="1"/>
+          </p:cNvSpPr>
+          <p:nvPr>
+            <p:ph type="dt" sz="half" idx="2"/>
+          </p:nvPr>
+        </p:nvSpPr>
+        <p:spPr>
+          <a:xfrm>
+            <a:off x="609600" y="6356352"/>
+            <a:ext cx="2844800" cy="365125"/>
+          </a:xfrm>
+          <a:prstGeom prst="rect">
+            <a:avLst/>
+          </a:prstGeom>
+        </p:spPr>
+        <p:txBody>
           <a:bodyPr vert="horz" lIns="91440" tIns="45720" rIns="91440" bIns="45720" rtlCol="0" anchor="ctr"/>
           <a:lstStyle>
-            <a:lvl1pPr algn="l" fontAlgn="auto">
-              <a:spcBef>
-                <a:spcPts val="0"/>
-              </a:spcBef>
-              <a:spcAft>
-                <a:spcPts val="0"/>
-              </a:spcAft>
-              <a:defRPr kumimoji="0" sz="1200" smtClean="0">
+            <a:lvl1pPr algn="l">
+              <a:defRPr sz="1200">
                 <a:solidFill>
                   <a:schemeClr val="tx1">
                     <a:tint val="75000"/>
                   </a:schemeClr>
                 </a:solidFill>
-                <a:latin typeface="+mn-lt"/>
-                <a:ea typeface="+mn-ea"/>
               </a:defRPr>
             </a:lvl1pPr>
           </a:lstStyle>
           <a:p>
             <a:fld id="{182E561B-25C0-44B8-B906-32A2ED04DD3C}" type="datetimeFigureOut">
               <a:rPr lang="zh-TW" altLang="en-US" smtClean="0"/>
-              <a:t>2017/1/15</a:t>
+              <a:t>2020/6/6</a:t>
             </a:fld>
             <a:endParaRPr lang="zh-TW" altLang="en-US"/>
           </a:p>
@@ -2855,7 +2760,7 @@
       </p:sp>
       <p:sp>
         <p:nvSpPr>
-          <p:cNvPr id="5" name="Footer Placeholder 4"/>
+          <p:cNvPr id="5" name="頁尾版面配置區 4"/>
           <p:cNvSpPr>
             <a:spLocks noGrp="1"/>
           </p:cNvSpPr>
@@ -2865,8 +2770,8 @@
         </p:nvSpPr>
         <p:spPr>
           <a:xfrm>
-            <a:off x="3124200" y="6356350"/>
-            <a:ext cx="2895600" cy="365125"/>
+            <a:off x="4165600" y="6356352"/>
+            <a:ext cx="3860800" cy="365125"/>
           </a:xfrm>
           <a:prstGeom prst="rect">
             <a:avLst/>
@@ -2875,21 +2780,13 @@
         <p:txBody>
           <a:bodyPr vert="horz" lIns="91440" tIns="45720" rIns="91440" bIns="45720" rtlCol="0" anchor="ctr"/>
           <a:lstStyle>
-            <a:lvl1pPr algn="ctr" fontAlgn="auto">
-              <a:spcBef>
-                <a:spcPts val="0"/>
-              </a:spcBef>
-              <a:spcAft>
-                <a:spcPts val="0"/>
-              </a:spcAft>
-              <a:defRPr kumimoji="0" sz="1200">
+            <a:lvl1pPr algn="ctr">
+              <a:defRPr sz="1200">
                 <a:solidFill>
                   <a:schemeClr val="tx1">
                     <a:tint val="75000"/>
                   </a:schemeClr>
                 </a:solidFill>
-                <a:latin typeface="+mn-lt"/>
-                <a:ea typeface="+mn-ea"/>
               </a:defRPr>
             </a:lvl1pPr>
           </a:lstStyle>
@@ -2900,7 +2797,7 @@
       </p:sp>
       <p:sp>
         <p:nvSpPr>
-          <p:cNvPr id="6" name="Slide Number Placeholder 5"/>
+          <p:cNvPr id="6" name="投影片編號版面配置區 5"/>
           <p:cNvSpPr>
             <a:spLocks noGrp="1"/>
           </p:cNvSpPr>
@@ -2910,8 +2807,8 @@
         </p:nvSpPr>
         <p:spPr>
           <a:xfrm>
-            <a:off x="6553200" y="6356350"/>
-            <a:ext cx="2133600" cy="365125"/>
+            <a:off x="8737600" y="6356352"/>
+            <a:ext cx="2844800" cy="365125"/>
           </a:xfrm>
           <a:prstGeom prst="rect">
             <a:avLst/>
@@ -2920,21 +2817,13 @@
         <p:txBody>
           <a:bodyPr vert="horz" lIns="91440" tIns="45720" rIns="91440" bIns="45720" rtlCol="0" anchor="ctr"/>
           <a:lstStyle>
-            <a:lvl1pPr algn="r" fontAlgn="auto">
-              <a:spcBef>
-                <a:spcPts val="0"/>
-              </a:spcBef>
-              <a:spcAft>
-                <a:spcPts val="0"/>
-              </a:spcAft>
-              <a:defRPr kumimoji="0" sz="1200" smtClean="0">
+            <a:lvl1pPr algn="r">
+              <a:defRPr sz="1200">
                 <a:solidFill>
                   <a:schemeClr val="tx1">
                     <a:tint val="75000"/>
                   </a:schemeClr>
                 </a:solidFill>
-                <a:latin typeface="+mn-lt"/>
-                <a:ea typeface="+mn-ea"/>
               </a:defRPr>
             </a:lvl1pPr>
           </a:lstStyle>
@@ -2948,30 +2837,33 @@
         </p:txBody>
       </p:sp>
     </p:spTree>
+    <p:extLst>
+      <p:ext uri="{BB962C8B-B14F-4D97-AF65-F5344CB8AC3E}">
+        <p14:creationId xmlns:p14="http://schemas.microsoft.com/office/powerpoint/2010/main" val="2661181967"/>
+      </p:ext>
+    </p:extLst>
   </p:cSld>
   <p:clrMap bg1="lt1" tx1="dk1" bg2="lt2" tx2="dk2" accent1="accent1" accent2="accent2" accent3="accent3" accent4="accent4" accent5="accent5" accent6="accent6" hlink="hlink" folHlink="folHlink"/>
   <p:sldLayoutIdLst>
-    <p:sldLayoutId id="2147483661" r:id="rId1"/>
-    <p:sldLayoutId id="2147483662" r:id="rId2"/>
-    <p:sldLayoutId id="2147483663" r:id="rId3"/>
-    <p:sldLayoutId id="2147483664" r:id="rId4"/>
-    <p:sldLayoutId id="2147483665" r:id="rId5"/>
-    <p:sldLayoutId id="2147483666" r:id="rId6"/>
-    <p:sldLayoutId id="2147483667" r:id="rId7"/>
-    <p:sldLayoutId id="2147483668" r:id="rId8"/>
-    <p:sldLayoutId id="2147483669" r:id="rId9"/>
-    <p:sldLayoutId id="2147483670" r:id="rId10"/>
-    <p:sldLayoutId id="2147483671" r:id="rId11"/>
+    <p:sldLayoutId id="2147483673" r:id="rId1"/>
+    <p:sldLayoutId id="2147483674" r:id="rId2"/>
+    <p:sldLayoutId id="2147483675" r:id="rId3"/>
+    <p:sldLayoutId id="2147483676" r:id="rId4"/>
+    <p:sldLayoutId id="2147483677" r:id="rId5"/>
+    <p:sldLayoutId id="2147483678" r:id="rId6"/>
+    <p:sldLayoutId id="2147483679" r:id="rId7"/>
+    <p:sldLayoutId id="2147483680" r:id="rId8"/>
+    <p:sldLayoutId id="2147483681" r:id="rId9"/>
+    <p:sldLayoutId id="2147483682" r:id="rId10"/>
+    <p:sldLayoutId id="2147483683" r:id="rId11"/>
   </p:sldLayoutIdLst>
   <p:txStyles>
     <p:titleStyle>
-      <a:lvl1pPr algn="ctr" rtl="0" eaLnBrk="1" fontAlgn="base" hangingPunct="1">
+      <a:lvl1pPr algn="ctr" defTabSz="914400" rtl="0" eaLnBrk="1" latinLnBrk="0" hangingPunct="1">
         <a:spcBef>
           <a:spcPct val="0"/>
         </a:spcBef>
-        <a:spcAft>
-          <a:spcPct val="0"/>
-        </a:spcAft>
+        <a:buNone/>
         <a:defRPr sz="4400" kern="1200">
           <a:solidFill>
             <a:schemeClr val="tx1"/>
@@ -2981,128 +2873,13 @@
           <a:cs typeface="+mj-cs"/>
         </a:defRPr>
       </a:lvl1pPr>
-      <a:lvl2pPr algn="ctr" rtl="0" eaLnBrk="1" fontAlgn="base" hangingPunct="1">
-        <a:spcBef>
-          <a:spcPct val="0"/>
-        </a:spcBef>
-        <a:spcAft>
-          <a:spcPct val="0"/>
-        </a:spcAft>
-        <a:defRPr sz="4400">
-          <a:solidFill>
-            <a:schemeClr val="tx1"/>
-          </a:solidFill>
-          <a:latin typeface="Calibri" pitchFamily="34" charset="0"/>
-        </a:defRPr>
-      </a:lvl2pPr>
-      <a:lvl3pPr algn="ctr" rtl="0" eaLnBrk="1" fontAlgn="base" hangingPunct="1">
-        <a:spcBef>
-          <a:spcPct val="0"/>
-        </a:spcBef>
-        <a:spcAft>
-          <a:spcPct val="0"/>
-        </a:spcAft>
-        <a:defRPr sz="4400">
-          <a:solidFill>
-            <a:schemeClr val="tx1"/>
-          </a:solidFill>
-          <a:latin typeface="Calibri" pitchFamily="34" charset="0"/>
-        </a:defRPr>
-      </a:lvl3pPr>
-      <a:lvl4pPr algn="ctr" rtl="0" eaLnBrk="1" fontAlgn="base" hangingPunct="1">
-        <a:spcBef>
-          <a:spcPct val="0"/>
-        </a:spcBef>
-        <a:spcAft>
-          <a:spcPct val="0"/>
-        </a:spcAft>
-        <a:defRPr sz="4400">
-          <a:solidFill>
-            <a:schemeClr val="tx1"/>
-          </a:solidFill>
-          <a:latin typeface="Calibri" pitchFamily="34" charset="0"/>
-        </a:defRPr>
-      </a:lvl4pPr>
-      <a:lvl5pPr algn="ctr" rtl="0" eaLnBrk="1" fontAlgn="base" hangingPunct="1">
-        <a:spcBef>
-          <a:spcPct val="0"/>
-        </a:spcBef>
-        <a:spcAft>
-          <a:spcPct val="0"/>
-        </a:spcAft>
-        <a:defRPr sz="4400">
-          <a:solidFill>
-            <a:schemeClr val="tx1"/>
-          </a:solidFill>
-          <a:latin typeface="Calibri" pitchFamily="34" charset="0"/>
-        </a:defRPr>
-      </a:lvl5pPr>
-      <a:lvl6pPr marL="457200" algn="ctr" rtl="0" eaLnBrk="1" fontAlgn="base" hangingPunct="1">
-        <a:spcBef>
-          <a:spcPct val="0"/>
-        </a:spcBef>
-        <a:spcAft>
-          <a:spcPct val="0"/>
-        </a:spcAft>
-        <a:defRPr sz="4400">
-          <a:solidFill>
-            <a:schemeClr val="tx1"/>
-          </a:solidFill>
-          <a:latin typeface="Calibri" pitchFamily="34" charset="0"/>
-        </a:defRPr>
-      </a:lvl6pPr>
-      <a:lvl7pPr marL="914400" algn="ctr" rtl="0" eaLnBrk="1" fontAlgn="base" hangingPunct="1">
-        <a:spcBef>
-          <a:spcPct val="0"/>
-        </a:spcBef>
-        <a:spcAft>
-          <a:spcPct val="0"/>
-        </a:spcAft>
-        <a:defRPr sz="4400">
-          <a:solidFill>
-            <a:schemeClr val="tx1"/>
-          </a:solidFill>
-          <a:latin typeface="Calibri" pitchFamily="34" charset="0"/>
-        </a:defRPr>
-      </a:lvl7pPr>
-      <a:lvl8pPr marL="1371600" algn="ctr" rtl="0" eaLnBrk="1" fontAlgn="base" hangingPunct="1">
-        <a:spcBef>
-          <a:spcPct val="0"/>
-        </a:spcBef>
-        <a:spcAft>
-          <a:spcPct val="0"/>
-        </a:spcAft>
-        <a:defRPr sz="4400">
-          <a:solidFill>
-            <a:schemeClr val="tx1"/>
-          </a:solidFill>
-          <a:latin typeface="Calibri" pitchFamily="34" charset="0"/>
-        </a:defRPr>
-      </a:lvl8pPr>
-      <a:lvl9pPr marL="1828800" algn="ctr" rtl="0" eaLnBrk="1" fontAlgn="base" hangingPunct="1">
-        <a:spcBef>
-          <a:spcPct val="0"/>
-        </a:spcBef>
-        <a:spcAft>
-          <a:spcPct val="0"/>
-        </a:spcAft>
-        <a:defRPr sz="4400">
-          <a:solidFill>
-            <a:schemeClr val="tx1"/>
-          </a:solidFill>
-          <a:latin typeface="Calibri" pitchFamily="34" charset="0"/>
-        </a:defRPr>
-      </a:lvl9pPr>
     </p:titleStyle>
     <p:bodyStyle>
-      <a:lvl1pPr marL="342900" indent="-342900" algn="l" rtl="0" eaLnBrk="1" fontAlgn="base" hangingPunct="1">
+      <a:lvl1pPr marL="342900" indent="-342900" algn="l" defTabSz="914400" rtl="0" eaLnBrk="1" latinLnBrk="0" hangingPunct="1">
         <a:spcBef>
           <a:spcPct val="20000"/>
         </a:spcBef>
-        <a:spcAft>
-          <a:spcPct val="0"/>
-        </a:spcAft>
-        <a:buFont typeface="Arial" charset="0"/>
+        <a:buFont typeface="Arial" pitchFamily="34" charset="0"/>
         <a:buChar char="•"/>
         <a:defRPr sz="3200" kern="1200">
           <a:solidFill>
@@ -3113,14 +2890,11 @@
           <a:cs typeface="+mn-cs"/>
         </a:defRPr>
       </a:lvl1pPr>
-      <a:lvl2pPr marL="742950" indent="-285750" algn="l" rtl="0" eaLnBrk="1" fontAlgn="base" hangingPunct="1">
+      <a:lvl2pPr marL="742950" indent="-285750" algn="l" defTabSz="914400" rtl="0" eaLnBrk="1" latinLnBrk="0" hangingPunct="1">
         <a:spcBef>
           <a:spcPct val="20000"/>
         </a:spcBef>
-        <a:spcAft>
-          <a:spcPct val="0"/>
-        </a:spcAft>
-        <a:buFont typeface="Arial" charset="0"/>
+        <a:buFont typeface="Arial" pitchFamily="34" charset="0"/>
         <a:buChar char="–"/>
         <a:defRPr sz="2800" kern="1200">
           <a:solidFill>
@@ -3131,14 +2905,11 @@
           <a:cs typeface="+mn-cs"/>
         </a:defRPr>
       </a:lvl2pPr>
-      <a:lvl3pPr marL="1143000" indent="-228600" algn="l" rtl="0" eaLnBrk="1" fontAlgn="base" hangingPunct="1">
+      <a:lvl3pPr marL="1143000" indent="-228600" algn="l" defTabSz="914400" rtl="0" eaLnBrk="1" latinLnBrk="0" hangingPunct="1">
         <a:spcBef>
           <a:spcPct val="20000"/>
         </a:spcBef>
-        <a:spcAft>
-          <a:spcPct val="0"/>
-        </a:spcAft>
-        <a:buFont typeface="Arial" charset="0"/>
+        <a:buFont typeface="Arial" pitchFamily="34" charset="0"/>
         <a:buChar char="•"/>
         <a:defRPr sz="2400" kern="1200">
           <a:solidFill>
@@ -3149,14 +2920,11 @@
           <a:cs typeface="+mn-cs"/>
         </a:defRPr>
       </a:lvl3pPr>
-      <a:lvl4pPr marL="1600200" indent="-228600" algn="l" rtl="0" eaLnBrk="1" fontAlgn="base" hangingPunct="1">
+      <a:lvl4pPr marL="1600200" indent="-228600" algn="l" defTabSz="914400" rtl="0" eaLnBrk="1" latinLnBrk="0" hangingPunct="1">
         <a:spcBef>
           <a:spcPct val="20000"/>
         </a:spcBef>
-        <a:spcAft>
-          <a:spcPct val="0"/>
-        </a:spcAft>
-        <a:buFont typeface="Arial" charset="0"/>
+        <a:buFont typeface="Arial" pitchFamily="34" charset="0"/>
         <a:buChar char="–"/>
         <a:defRPr sz="2000" kern="1200">
           <a:solidFill>
@@ -3167,14 +2935,11 @@
           <a:cs typeface="+mn-cs"/>
         </a:defRPr>
       </a:lvl4pPr>
-      <a:lvl5pPr marL="2057400" indent="-228600" algn="l" rtl="0" eaLnBrk="1" fontAlgn="base" hangingPunct="1">
+      <a:lvl5pPr marL="2057400" indent="-228600" algn="l" defTabSz="914400" rtl="0" eaLnBrk="1" latinLnBrk="0" hangingPunct="1">
         <a:spcBef>
           <a:spcPct val="20000"/>
         </a:spcBef>
-        <a:spcAft>
-          <a:spcPct val="0"/>
-        </a:spcAft>
-        <a:buFont typeface="Arial" charset="0"/>
+        <a:buFont typeface="Arial" pitchFamily="34" charset="0"/>
         <a:buChar char="»"/>
         <a:defRPr sz="2000" kern="1200">
           <a:solidFill>
@@ -3248,7 +3013,7 @@
     </p:bodyStyle>
     <p:otherStyle>
       <a:defPPr>
-        <a:defRPr lang="en-US"/>
+        <a:defRPr lang="zh-TW"/>
       </a:defPPr>
       <a:lvl1pPr marL="0" algn="l" defTabSz="914400" rtl="0" eaLnBrk="1" latinLnBrk="0" hangingPunct="1">
         <a:defRPr sz="1800" kern="1200">
@@ -3374,94 +3139,168 @@
         </p:nvSpPr>
         <p:spPr/>
         <p:txBody>
-          <a:bodyPr/>
-          <a:lstStyle/>
-          <a:p>
-            <a:r>
-              <a:rPr lang="zh-TW" altLang="en-US" dirty="0"/>
-              <a:t>主眼看顧</a:t>
-            </a:r>
-          </a:p>
-        </p:txBody>
-      </p:sp>
-      <p:sp>
-        <p:nvSpPr>
-          <p:cNvPr id="5" name="內容版面配置區 4"/>
-          <p:cNvSpPr>
-            <a:spLocks noGrp="1"/>
-          </p:cNvSpPr>
-          <p:nvPr>
-            <p:ph idx="1"/>
-          </p:nvPr>
-        </p:nvSpPr>
-        <p:spPr/>
-        <p:txBody>
           <a:bodyPr>
             <a:normAutofit/>
           </a:bodyPr>
           <a:lstStyle/>
           <a:p>
+            <a:r>
+              <a:rPr lang="zh-TW" altLang="en-US" sz="4800" b="1" dirty="0">
+                <a:latin typeface="Microsoft JhengHei" panose="020B0604030504040204" pitchFamily="34" charset="-120"/>
+                <a:ea typeface="Microsoft JhengHei" panose="020B0604030504040204" pitchFamily="34" charset="-120"/>
+              </a:rPr>
+              <a:t>主眼看顧</a:t>
+            </a:r>
+          </a:p>
+        </p:txBody>
+      </p:sp>
+      <p:sp>
+        <p:nvSpPr>
+          <p:cNvPr id="5" name="內容版面配置區 4"/>
+          <p:cNvSpPr>
+            <a:spLocks noGrp="1"/>
+          </p:cNvSpPr>
+          <p:nvPr>
+            <p:ph idx="1"/>
+          </p:nvPr>
+        </p:nvSpPr>
+        <p:spPr/>
+        <p:txBody>
+          <a:bodyPr>
+            <a:normAutofit/>
+          </a:bodyPr>
+          <a:lstStyle/>
+          <a:p>
             <a:pPr algn="ctr">
               <a:buNone/>
             </a:pPr>
             <a:r>
-              <a:rPr lang="zh-TW" altLang="en-US" sz="5400" dirty="0"/>
+              <a:rPr lang="zh-TW" altLang="en-US" sz="5400" b="1" dirty="0">
+                <a:latin typeface="Microsoft JhengHei" panose="020B0604030504040204" pitchFamily="34" charset="-120"/>
+                <a:ea typeface="Microsoft JhengHei" panose="020B0604030504040204" pitchFamily="34" charset="-120"/>
+              </a:rPr>
               <a:t>主所應許真是</a:t>
             </a:r>
             <a:r>
-              <a:rPr lang="zh-TW" altLang="en-US" sz="5400" dirty="0" smtClean="0"/>
+              <a:rPr lang="zh-TW" altLang="en-US" sz="5400" b="1" dirty="0">
+                <a:latin typeface="Microsoft JhengHei" panose="020B0604030504040204" pitchFamily="34" charset="-120"/>
+                <a:ea typeface="Microsoft JhengHei" panose="020B0604030504040204" pitchFamily="34" charset="-120"/>
+              </a:rPr>
               <a:t>寶貴</a:t>
             </a:r>
-            <a:endParaRPr lang="en-US" altLang="zh-TW" sz="5400" dirty="0" smtClean="0"/>
+            <a:endParaRPr lang="en-US" altLang="zh-TW" sz="5400" b="1" dirty="0">
+              <a:latin typeface="Microsoft JhengHei" panose="020B0604030504040204" pitchFamily="34" charset="-120"/>
+              <a:ea typeface="Microsoft JhengHei" panose="020B0604030504040204" pitchFamily="34" charset="-120"/>
+            </a:endParaRPr>
           </a:p>
           <a:p>
             <a:pPr algn="ctr">
               <a:buNone/>
             </a:pPr>
             <a:r>
-              <a:rPr lang="zh-TW" altLang="en-US" sz="5400" dirty="0" smtClean="0"/>
+              <a:rPr lang="zh-TW" altLang="en-US" sz="5400" b="1" dirty="0">
+                <a:latin typeface="Microsoft JhengHei" panose="020B0604030504040204" pitchFamily="34" charset="-120"/>
+                <a:ea typeface="Microsoft JhengHei" panose="020B0604030504040204" pitchFamily="34" charset="-120"/>
+              </a:rPr>
               <a:t>安慰</a:t>
             </a:r>
             <a:r>
-              <a:rPr lang="zh-TW" altLang="en-US" sz="5400" dirty="0"/>
+              <a:rPr lang="zh-TW" altLang="en-US" sz="5400" b="1" dirty="0">
+                <a:latin typeface="Microsoft JhengHei" panose="020B0604030504040204" pitchFamily="34" charset="-120"/>
+                <a:ea typeface="Microsoft JhengHei" panose="020B0604030504040204" pitchFamily="34" charset="-120"/>
+              </a:rPr>
               <a:t>門徒行天</a:t>
             </a:r>
             <a:r>
-              <a:rPr lang="zh-TW" altLang="en-US" sz="5400" dirty="0" smtClean="0"/>
+              <a:rPr lang="zh-TW" altLang="en-US" sz="5400" b="1" dirty="0">
+                <a:latin typeface="Microsoft JhengHei" panose="020B0604030504040204" pitchFamily="34" charset="-120"/>
+                <a:ea typeface="Microsoft JhengHei" panose="020B0604030504040204" pitchFamily="34" charset="-120"/>
+              </a:rPr>
               <a:t>路</a:t>
             </a:r>
-            <a:endParaRPr lang="zh-TW" altLang="en-US" sz="5400" dirty="0"/>
+            <a:endParaRPr lang="zh-TW" altLang="en-US" sz="5400" b="1" dirty="0">
+              <a:latin typeface="Microsoft JhengHei" panose="020B0604030504040204" pitchFamily="34" charset="-120"/>
+              <a:ea typeface="Microsoft JhengHei" panose="020B0604030504040204" pitchFamily="34" charset="-120"/>
+            </a:endParaRPr>
           </a:p>
           <a:p>
             <a:pPr algn="ctr">
               <a:buNone/>
             </a:pPr>
             <a:r>
-              <a:rPr lang="zh-TW" altLang="en-US" sz="5400" dirty="0" smtClean="0"/>
+              <a:rPr lang="zh-TW" altLang="en-US" sz="5400" b="1" dirty="0">
+                <a:latin typeface="Microsoft JhengHei" panose="020B0604030504040204" pitchFamily="34" charset="-120"/>
+                <a:ea typeface="Microsoft JhengHei" panose="020B0604030504040204" pitchFamily="34" charset="-120"/>
+              </a:rPr>
               <a:t>就是說道 你</a:t>
             </a:r>
             <a:r>
-              <a:rPr lang="zh-TW" altLang="en-US" sz="5400" dirty="0"/>
+              <a:rPr lang="zh-TW" altLang="en-US" sz="5400" b="1" dirty="0">
+                <a:latin typeface="Microsoft JhengHei" panose="020B0604030504040204" pitchFamily="34" charset="-120"/>
+                <a:ea typeface="Microsoft JhengHei" panose="020B0604030504040204" pitchFamily="34" charset="-120"/>
+              </a:rPr>
               <a:t>的</a:t>
             </a:r>
             <a:r>
-              <a:rPr lang="zh-TW" altLang="en-US" sz="5400" dirty="0" smtClean="0"/>
+              <a:rPr lang="zh-TW" altLang="en-US" sz="5400" b="1" dirty="0">
+                <a:latin typeface="Microsoft JhengHei" panose="020B0604030504040204" pitchFamily="34" charset="-120"/>
+                <a:ea typeface="Microsoft JhengHei" panose="020B0604030504040204" pitchFamily="34" charset="-120"/>
+              </a:rPr>
               <a:t>道路</a:t>
             </a:r>
-            <a:endParaRPr lang="en-US" altLang="zh-TW" sz="5400" dirty="0" smtClean="0"/>
+            <a:endParaRPr lang="en-US" altLang="zh-TW" sz="5400" b="1" dirty="0">
+              <a:latin typeface="Microsoft JhengHei" panose="020B0604030504040204" pitchFamily="34" charset="-120"/>
+              <a:ea typeface="Microsoft JhengHei" panose="020B0604030504040204" pitchFamily="34" charset="-120"/>
+            </a:endParaRPr>
           </a:p>
           <a:p>
             <a:pPr algn="ctr">
               <a:buNone/>
             </a:pPr>
             <a:r>
-              <a:rPr lang="zh-TW" altLang="en-US" sz="5400" dirty="0" smtClean="0"/>
+              <a:rPr lang="zh-TW" altLang="en-US" sz="5400" b="1" dirty="0">
+                <a:latin typeface="Microsoft JhengHei" panose="020B0604030504040204" pitchFamily="34" charset="-120"/>
+                <a:ea typeface="Microsoft JhengHei" panose="020B0604030504040204" pitchFamily="34" charset="-120"/>
+              </a:rPr>
               <a:t>我</a:t>
             </a:r>
             <a:r>
-              <a:rPr lang="zh-TW" altLang="en-US" sz="5400" dirty="0"/>
+              <a:rPr lang="zh-TW" altLang="en-US" sz="5400" b="1" dirty="0">
+                <a:latin typeface="Microsoft JhengHei" panose="020B0604030504040204" pitchFamily="34" charset="-120"/>
+                <a:ea typeface="Microsoft JhengHei" panose="020B0604030504040204" pitchFamily="34" charset="-120"/>
+              </a:rPr>
               <a:t>的眼睛常看顧</a:t>
             </a:r>
+          </a:p>
+        </p:txBody>
+      </p:sp>
+      <p:sp>
+        <p:nvSpPr>
+          <p:cNvPr id="2" name="TextBox 1"/>
+          <p:cNvSpPr txBox="1"/>
+          <p:nvPr/>
+        </p:nvSpPr>
+        <p:spPr>
+          <a:xfrm>
+            <a:off x="1343472" y="1624645"/>
+            <a:ext cx="864096" cy="923330"/>
+          </a:xfrm>
+          <a:prstGeom prst="rect">
+            <a:avLst/>
+          </a:prstGeom>
+          <a:noFill/>
+        </p:spPr>
+        <p:txBody>
+          <a:bodyPr wrap="square" rtlCol="0">
+            <a:spAutoFit/>
+          </a:bodyPr>
+          <a:lstStyle/>
+          <a:p>
+            <a:r>
+              <a:rPr lang="en-US" sz="5400" b="1" dirty="0" smtClean="0"/>
+              <a:t>1.</a:t>
+            </a:r>
+            <a:endParaRPr lang="vi-VN" sz="5400" b="1" dirty="0"/>
           </a:p>
         </p:txBody>
       </p:sp>
@@ -3502,101 +3341,91 @@
         </p:nvSpPr>
         <p:spPr/>
         <p:txBody>
-          <a:bodyPr/>
-          <a:lstStyle/>
-          <a:p>
-            <a:r>
-              <a:rPr lang="zh-TW" altLang="en-US" dirty="0"/>
-              <a:t>主眼看顧</a:t>
-            </a:r>
-          </a:p>
-        </p:txBody>
-      </p:sp>
-      <p:sp>
-        <p:nvSpPr>
-          <p:cNvPr id="5" name="內容版面配置區 4"/>
-          <p:cNvSpPr>
-            <a:spLocks noGrp="1"/>
-          </p:cNvSpPr>
-          <p:nvPr>
-            <p:ph idx="1"/>
-          </p:nvPr>
-        </p:nvSpPr>
-        <p:spPr/>
-        <p:txBody>
           <a:bodyPr>
             <a:normAutofit/>
           </a:bodyPr>
           <a:lstStyle/>
           <a:p>
+            <a:r>
+              <a:rPr lang="zh-TW" altLang="en-US" sz="4800" b="1" dirty="0">
+                <a:latin typeface="Microsoft JhengHei" panose="020B0604030504040204" pitchFamily="34" charset="-120"/>
+                <a:ea typeface="Microsoft JhengHei" panose="020B0604030504040204" pitchFamily="34" charset="-120"/>
+              </a:rPr>
+              <a:t>主眼看顧</a:t>
+            </a:r>
+          </a:p>
+        </p:txBody>
+      </p:sp>
+      <p:sp>
+        <p:nvSpPr>
+          <p:cNvPr id="5" name="內容版面配置區 4"/>
+          <p:cNvSpPr>
+            <a:spLocks noGrp="1"/>
+          </p:cNvSpPr>
+          <p:nvPr>
+            <p:ph idx="1"/>
+          </p:nvPr>
+        </p:nvSpPr>
+        <p:spPr/>
+        <p:txBody>
+          <a:bodyPr>
+            <a:normAutofit/>
+          </a:bodyPr>
+          <a:lstStyle/>
+          <a:p>
             <a:pPr algn="ctr">
               <a:buNone/>
             </a:pPr>
             <a:r>
-              <a:rPr lang="zh-TW" altLang="en-US" sz="5400" dirty="0"/>
-              <a:t>我必領</a:t>
-            </a:r>
-            <a:r>
-              <a:rPr lang="zh-TW" altLang="en-US" sz="5400" dirty="0" smtClean="0"/>
-              <a:t>你 我</a:t>
-            </a:r>
-            <a:r>
-              <a:rPr lang="zh-TW" altLang="en-US" sz="5400" dirty="0"/>
-              <a:t>必領</a:t>
-            </a:r>
-            <a:r>
-              <a:rPr lang="zh-TW" altLang="en-US" sz="5400" dirty="0" smtClean="0"/>
-              <a:t>你</a:t>
-            </a:r>
-            <a:endParaRPr lang="en-US" altLang="zh-TW" sz="5400" dirty="0" smtClean="0"/>
+              <a:rPr lang="zh-TW" altLang="en-US" sz="5400" b="1" dirty="0">
+                <a:latin typeface="Microsoft JhengHei" panose="020B0604030504040204" pitchFamily="34" charset="-120"/>
+                <a:ea typeface="Microsoft JhengHei" panose="020B0604030504040204" pitchFamily="34" charset="-120"/>
+              </a:rPr>
+              <a:t>我必領你 我必領你</a:t>
+            </a:r>
+            <a:endParaRPr lang="en-US" altLang="zh-TW" sz="5400" b="1" dirty="0">
+              <a:latin typeface="Microsoft JhengHei" panose="020B0604030504040204" pitchFamily="34" charset="-120"/>
+              <a:ea typeface="Microsoft JhengHei" panose="020B0604030504040204" pitchFamily="34" charset="-120"/>
+            </a:endParaRPr>
           </a:p>
           <a:p>
             <a:pPr algn="ctr">
               <a:buNone/>
             </a:pPr>
             <a:r>
-              <a:rPr lang="zh-TW" altLang="en-US" sz="5400" dirty="0" smtClean="0"/>
-              <a:t>我</a:t>
-            </a:r>
-            <a:r>
-              <a:rPr lang="zh-TW" altLang="en-US" sz="5400" dirty="0"/>
-              <a:t>的眼睛常</a:t>
-            </a:r>
-            <a:r>
-              <a:rPr lang="zh-TW" altLang="en-US" sz="5400" dirty="0" smtClean="0"/>
-              <a:t>看顧</a:t>
-            </a:r>
-            <a:endParaRPr lang="zh-TW" altLang="en-US" sz="5400" dirty="0"/>
+              <a:rPr lang="zh-TW" altLang="en-US" sz="5400" b="1" dirty="0">
+                <a:latin typeface="Microsoft JhengHei" panose="020B0604030504040204" pitchFamily="34" charset="-120"/>
+                <a:ea typeface="Microsoft JhengHei" panose="020B0604030504040204" pitchFamily="34" charset="-120"/>
+              </a:rPr>
+              <a:t>我的眼睛常看顧</a:t>
+            </a:r>
           </a:p>
           <a:p>
             <a:pPr algn="ctr">
               <a:buNone/>
             </a:pPr>
             <a:r>
-              <a:rPr lang="zh-TW" altLang="en-US" sz="5400" dirty="0" smtClean="0"/>
-              <a:t>一直</a:t>
-            </a:r>
-            <a:r>
-              <a:rPr lang="zh-TW" altLang="en-US" sz="5400" dirty="0"/>
-              <a:t>走到迦南樂</a:t>
-            </a:r>
-            <a:r>
-              <a:rPr lang="zh-TW" altLang="en-US" sz="5400" dirty="0" smtClean="0"/>
-              <a:t>地</a:t>
-            </a:r>
-            <a:endParaRPr lang="en-US" altLang="zh-TW" sz="5400" dirty="0" smtClean="0"/>
+              <a:rPr lang="zh-TW" altLang="en-US" sz="5400" b="1" dirty="0">
+                <a:latin typeface="Microsoft JhengHei" panose="020B0604030504040204" pitchFamily="34" charset="-120"/>
+                <a:ea typeface="Microsoft JhengHei" panose="020B0604030504040204" pitchFamily="34" charset="-120"/>
+              </a:rPr>
+              <a:t>一直走到迦南樂地</a:t>
+            </a:r>
+            <a:endParaRPr lang="en-US" altLang="zh-TW" sz="5400" b="1" dirty="0">
+              <a:latin typeface="Microsoft JhengHei" panose="020B0604030504040204" pitchFamily="34" charset="-120"/>
+              <a:ea typeface="Microsoft JhengHei" panose="020B0604030504040204" pitchFamily="34" charset="-120"/>
+            </a:endParaRPr>
           </a:p>
           <a:p>
             <a:pPr algn="ctr">
               <a:buNone/>
             </a:pPr>
             <a:r>
-              <a:rPr lang="zh-TW" altLang="en-US" sz="5400" dirty="0" smtClean="0"/>
-              <a:t>我</a:t>
-            </a:r>
-            <a:r>
-              <a:rPr lang="zh-TW" altLang="en-US" sz="5400" dirty="0"/>
-              <a:t>的眼睛常看顧</a:t>
+              <a:rPr lang="zh-TW" altLang="en-US" sz="5400" b="1" dirty="0">
+                <a:latin typeface="Microsoft JhengHei" panose="020B0604030504040204" pitchFamily="34" charset="-120"/>
+                <a:ea typeface="Microsoft JhengHei" panose="020B0604030504040204" pitchFamily="34" charset="-120"/>
+              </a:rPr>
+              <a:t>我的眼睛常看顧</a:t>
             </a:r>
           </a:p>
         </p:txBody>
@@ -3638,94 +3467,126 @@
         </p:nvSpPr>
         <p:spPr/>
         <p:txBody>
-          <a:bodyPr/>
-          <a:lstStyle/>
-          <a:p>
-            <a:r>
-              <a:rPr lang="zh-TW" altLang="en-US" dirty="0"/>
-              <a:t>主眼看顧</a:t>
-            </a:r>
-          </a:p>
-        </p:txBody>
-      </p:sp>
-      <p:sp>
-        <p:nvSpPr>
-          <p:cNvPr id="5" name="內容版面配置區 4"/>
-          <p:cNvSpPr>
-            <a:spLocks noGrp="1"/>
-          </p:cNvSpPr>
-          <p:nvPr>
-            <p:ph idx="1"/>
-          </p:nvPr>
-        </p:nvSpPr>
-        <p:spPr/>
-        <p:txBody>
           <a:bodyPr>
             <a:normAutofit/>
           </a:bodyPr>
           <a:lstStyle/>
           <a:p>
+            <a:r>
+              <a:rPr lang="zh-TW" altLang="en-US" sz="4800" b="1" dirty="0">
+                <a:latin typeface="Microsoft JhengHei" panose="020B0604030504040204" pitchFamily="34" charset="-120"/>
+                <a:ea typeface="Microsoft JhengHei" panose="020B0604030504040204" pitchFamily="34" charset="-120"/>
+              </a:rPr>
+              <a:t>主眼看顧</a:t>
+            </a:r>
+          </a:p>
+        </p:txBody>
+      </p:sp>
+      <p:sp>
+        <p:nvSpPr>
+          <p:cNvPr id="5" name="內容版面配置區 4"/>
+          <p:cNvSpPr>
+            <a:spLocks noGrp="1"/>
+          </p:cNvSpPr>
+          <p:nvPr>
+            <p:ph idx="1"/>
+          </p:nvPr>
+        </p:nvSpPr>
+        <p:spPr/>
+        <p:txBody>
+          <a:bodyPr>
+            <a:normAutofit/>
+          </a:bodyPr>
+          <a:lstStyle/>
+          <a:p>
             <a:pPr algn="ctr">
               <a:buNone/>
             </a:pPr>
             <a:r>
-              <a:rPr lang="zh-TW" altLang="en-US" sz="5400" dirty="0"/>
-              <a:t>你若遇著諸般試</a:t>
-            </a:r>
-            <a:r>
-              <a:rPr lang="zh-TW" altLang="en-US" sz="5400" dirty="0" smtClean="0"/>
-              <a:t>煉</a:t>
-            </a:r>
-            <a:endParaRPr lang="en-US" altLang="zh-TW" sz="5400" dirty="0" smtClean="0"/>
+              <a:rPr lang="zh-TW" altLang="en-US" sz="5400" b="1" dirty="0">
+                <a:latin typeface="Microsoft JhengHei" panose="020B0604030504040204" pitchFamily="34" charset="-120"/>
+                <a:ea typeface="Microsoft JhengHei" panose="020B0604030504040204" pitchFamily="34" charset="-120"/>
+              </a:rPr>
+              <a:t>你若遇著諸般試煉</a:t>
+            </a:r>
+            <a:endParaRPr lang="en-US" altLang="zh-TW" sz="5400" b="1" dirty="0">
+              <a:latin typeface="Microsoft JhengHei" panose="020B0604030504040204" pitchFamily="34" charset="-120"/>
+              <a:ea typeface="Microsoft JhengHei" panose="020B0604030504040204" pitchFamily="34" charset="-120"/>
+            </a:endParaRPr>
           </a:p>
           <a:p>
             <a:pPr algn="ctr">
               <a:buNone/>
             </a:pPr>
             <a:r>
-              <a:rPr lang="zh-TW" altLang="en-US" sz="5400" dirty="0" smtClean="0"/>
-              <a:t>惟恐</a:t>
-            </a:r>
-            <a:r>
-              <a:rPr lang="zh-TW" altLang="en-US" sz="5400" dirty="0"/>
-              <a:t>跌倒無人</a:t>
-            </a:r>
-            <a:r>
-              <a:rPr lang="zh-TW" altLang="en-US" sz="5400" dirty="0" smtClean="0"/>
-              <a:t>助</a:t>
-            </a:r>
-            <a:endParaRPr lang="zh-TW" altLang="en-US" sz="5400" dirty="0"/>
+              <a:rPr lang="zh-TW" altLang="en-US" sz="5400" b="1" dirty="0">
+                <a:latin typeface="Microsoft JhengHei" panose="020B0604030504040204" pitchFamily="34" charset="-120"/>
+                <a:ea typeface="Microsoft JhengHei" panose="020B0604030504040204" pitchFamily="34" charset="-120"/>
+              </a:rPr>
+              <a:t>惟恐跌倒無人助</a:t>
+            </a:r>
           </a:p>
           <a:p>
             <a:pPr algn="ctr">
               <a:buNone/>
             </a:pPr>
             <a:r>
-              <a:rPr lang="zh-TW" altLang="en-US" sz="5400" dirty="0" smtClean="0"/>
-              <a:t>要</a:t>
-            </a:r>
-            <a:r>
-              <a:rPr lang="zh-TW" altLang="en-US" sz="5400" dirty="0"/>
-              <a:t>想主言必定</a:t>
-            </a:r>
-            <a:r>
-              <a:rPr lang="zh-TW" altLang="en-US" sz="5400" dirty="0" smtClean="0"/>
-              <a:t>應驗</a:t>
-            </a:r>
-            <a:endParaRPr lang="en-US" altLang="zh-TW" sz="5400" dirty="0" smtClean="0"/>
+              <a:rPr lang="zh-TW" altLang="en-US" sz="5400" b="1" dirty="0">
+                <a:latin typeface="Microsoft JhengHei" panose="020B0604030504040204" pitchFamily="34" charset="-120"/>
+                <a:ea typeface="Microsoft JhengHei" panose="020B0604030504040204" pitchFamily="34" charset="-120"/>
+              </a:rPr>
+              <a:t>要想主言必定應驗</a:t>
+            </a:r>
+            <a:endParaRPr lang="en-US" altLang="zh-TW" sz="5400" b="1" dirty="0">
+              <a:latin typeface="Microsoft JhengHei" panose="020B0604030504040204" pitchFamily="34" charset="-120"/>
+              <a:ea typeface="Microsoft JhengHei" panose="020B0604030504040204" pitchFamily="34" charset="-120"/>
+            </a:endParaRPr>
           </a:p>
           <a:p>
             <a:pPr algn="ctr">
               <a:buNone/>
             </a:pPr>
             <a:r>
-              <a:rPr lang="zh-TW" altLang="en-US" sz="5400" dirty="0" smtClean="0"/>
-              <a:t>我</a:t>
-            </a:r>
-            <a:r>
-              <a:rPr lang="zh-TW" altLang="en-US" sz="5400" dirty="0"/>
-              <a:t>的眼睛常看顧</a:t>
-            </a:r>
+              <a:rPr lang="zh-TW" altLang="en-US" sz="5400" b="1" dirty="0">
+                <a:latin typeface="Microsoft JhengHei" panose="020B0604030504040204" pitchFamily="34" charset="-120"/>
+                <a:ea typeface="Microsoft JhengHei" panose="020B0604030504040204" pitchFamily="34" charset="-120"/>
+              </a:rPr>
+              <a:t>我的眼睛常看顧</a:t>
+            </a:r>
+          </a:p>
+        </p:txBody>
+      </p:sp>
+      <p:sp>
+        <p:nvSpPr>
+          <p:cNvPr id="6" name="TextBox 5"/>
+          <p:cNvSpPr txBox="1"/>
+          <p:nvPr/>
+        </p:nvSpPr>
+        <p:spPr>
+          <a:xfrm>
+            <a:off x="1343472" y="1624645"/>
+            <a:ext cx="864096" cy="923330"/>
+          </a:xfrm>
+          <a:prstGeom prst="rect">
+            <a:avLst/>
+          </a:prstGeom>
+          <a:noFill/>
+        </p:spPr>
+        <p:txBody>
+          <a:bodyPr wrap="square" rtlCol="0">
+            <a:spAutoFit/>
+          </a:bodyPr>
+          <a:lstStyle/>
+          <a:p>
+            <a:r>
+              <a:rPr lang="en-US" sz="5400" b="1" dirty="0"/>
+              <a:t>2</a:t>
+            </a:r>
+            <a:r>
+              <a:rPr lang="en-US" sz="5400" b="1" dirty="0" smtClean="0"/>
+              <a:t>.</a:t>
+            </a:r>
+            <a:endParaRPr lang="vi-VN" sz="5400" b="1" dirty="0"/>
           </a:p>
         </p:txBody>
       </p:sp>
@@ -3766,101 +3627,91 @@
         </p:nvSpPr>
         <p:spPr/>
         <p:txBody>
-          <a:bodyPr/>
-          <a:lstStyle/>
-          <a:p>
-            <a:r>
-              <a:rPr lang="zh-TW" altLang="en-US" dirty="0"/>
-              <a:t>主眼看顧</a:t>
-            </a:r>
-          </a:p>
-        </p:txBody>
-      </p:sp>
-      <p:sp>
-        <p:nvSpPr>
-          <p:cNvPr id="5" name="內容版面配置區 4"/>
-          <p:cNvSpPr>
-            <a:spLocks noGrp="1"/>
-          </p:cNvSpPr>
-          <p:nvPr>
-            <p:ph idx="1"/>
-          </p:nvPr>
-        </p:nvSpPr>
-        <p:spPr/>
-        <p:txBody>
           <a:bodyPr>
             <a:normAutofit/>
           </a:bodyPr>
           <a:lstStyle/>
           <a:p>
+            <a:r>
+              <a:rPr lang="zh-TW" altLang="en-US" sz="4800" b="1" dirty="0">
+                <a:latin typeface="Microsoft JhengHei" panose="020B0604030504040204" pitchFamily="34" charset="-120"/>
+                <a:ea typeface="Microsoft JhengHei" panose="020B0604030504040204" pitchFamily="34" charset="-120"/>
+              </a:rPr>
+              <a:t>主眼看顧</a:t>
+            </a:r>
+          </a:p>
+        </p:txBody>
+      </p:sp>
+      <p:sp>
+        <p:nvSpPr>
+          <p:cNvPr id="5" name="內容版面配置區 4"/>
+          <p:cNvSpPr>
+            <a:spLocks noGrp="1"/>
+          </p:cNvSpPr>
+          <p:nvPr>
+            <p:ph idx="1"/>
+          </p:nvPr>
+        </p:nvSpPr>
+        <p:spPr/>
+        <p:txBody>
+          <a:bodyPr>
+            <a:normAutofit/>
+          </a:bodyPr>
+          <a:lstStyle/>
+          <a:p>
             <a:pPr algn="ctr">
               <a:buNone/>
             </a:pPr>
             <a:r>
-              <a:rPr lang="zh-TW" altLang="en-US" sz="5400" dirty="0"/>
-              <a:t>我必領</a:t>
-            </a:r>
-            <a:r>
-              <a:rPr lang="zh-TW" altLang="en-US" sz="5400" dirty="0" smtClean="0"/>
-              <a:t>你 我</a:t>
-            </a:r>
-            <a:r>
-              <a:rPr lang="zh-TW" altLang="en-US" sz="5400" dirty="0"/>
-              <a:t>必領</a:t>
-            </a:r>
-            <a:r>
-              <a:rPr lang="zh-TW" altLang="en-US" sz="5400" dirty="0" smtClean="0"/>
-              <a:t>你</a:t>
-            </a:r>
-            <a:endParaRPr lang="en-US" altLang="zh-TW" sz="5400" dirty="0" smtClean="0"/>
+              <a:rPr lang="zh-TW" altLang="en-US" sz="5400" b="1" dirty="0">
+                <a:latin typeface="Microsoft JhengHei" panose="020B0604030504040204" pitchFamily="34" charset="-120"/>
+                <a:ea typeface="Microsoft JhengHei" panose="020B0604030504040204" pitchFamily="34" charset="-120"/>
+              </a:rPr>
+              <a:t>我必領你 我必領你</a:t>
+            </a:r>
+            <a:endParaRPr lang="en-US" altLang="zh-TW" sz="5400" b="1" dirty="0">
+              <a:latin typeface="Microsoft JhengHei" panose="020B0604030504040204" pitchFamily="34" charset="-120"/>
+              <a:ea typeface="Microsoft JhengHei" panose="020B0604030504040204" pitchFamily="34" charset="-120"/>
+            </a:endParaRPr>
           </a:p>
           <a:p>
             <a:pPr algn="ctr">
               <a:buNone/>
             </a:pPr>
             <a:r>
-              <a:rPr lang="zh-TW" altLang="en-US" sz="5400" dirty="0" smtClean="0"/>
-              <a:t>我</a:t>
-            </a:r>
-            <a:r>
-              <a:rPr lang="zh-TW" altLang="en-US" sz="5400" dirty="0"/>
-              <a:t>的眼睛常</a:t>
-            </a:r>
-            <a:r>
-              <a:rPr lang="zh-TW" altLang="en-US" sz="5400" dirty="0" smtClean="0"/>
-              <a:t>看顧</a:t>
-            </a:r>
-            <a:endParaRPr lang="zh-TW" altLang="en-US" sz="5400" dirty="0"/>
+              <a:rPr lang="zh-TW" altLang="en-US" sz="5400" b="1" dirty="0">
+                <a:latin typeface="Microsoft JhengHei" panose="020B0604030504040204" pitchFamily="34" charset="-120"/>
+                <a:ea typeface="Microsoft JhengHei" panose="020B0604030504040204" pitchFamily="34" charset="-120"/>
+              </a:rPr>
+              <a:t>我的眼睛常看顧</a:t>
+            </a:r>
           </a:p>
           <a:p>
             <a:pPr algn="ctr">
               <a:buNone/>
             </a:pPr>
             <a:r>
-              <a:rPr lang="zh-TW" altLang="en-US" sz="5400" dirty="0" smtClean="0"/>
-              <a:t>一直</a:t>
-            </a:r>
-            <a:r>
-              <a:rPr lang="zh-TW" altLang="en-US" sz="5400" dirty="0"/>
-              <a:t>走到迦南樂</a:t>
-            </a:r>
-            <a:r>
-              <a:rPr lang="zh-TW" altLang="en-US" sz="5400" dirty="0" smtClean="0"/>
-              <a:t>地</a:t>
-            </a:r>
-            <a:endParaRPr lang="en-US" altLang="zh-TW" sz="5400" dirty="0" smtClean="0"/>
+              <a:rPr lang="zh-TW" altLang="en-US" sz="5400" b="1" dirty="0">
+                <a:latin typeface="Microsoft JhengHei" panose="020B0604030504040204" pitchFamily="34" charset="-120"/>
+                <a:ea typeface="Microsoft JhengHei" panose="020B0604030504040204" pitchFamily="34" charset="-120"/>
+              </a:rPr>
+              <a:t>一直走到迦南樂地</a:t>
+            </a:r>
+            <a:endParaRPr lang="en-US" altLang="zh-TW" sz="5400" b="1" dirty="0">
+              <a:latin typeface="Microsoft JhengHei" panose="020B0604030504040204" pitchFamily="34" charset="-120"/>
+              <a:ea typeface="Microsoft JhengHei" panose="020B0604030504040204" pitchFamily="34" charset="-120"/>
+            </a:endParaRPr>
           </a:p>
           <a:p>
             <a:pPr algn="ctr">
               <a:buNone/>
             </a:pPr>
             <a:r>
-              <a:rPr lang="zh-TW" altLang="en-US" sz="5400" dirty="0" smtClean="0"/>
-              <a:t>我</a:t>
-            </a:r>
-            <a:r>
-              <a:rPr lang="zh-TW" altLang="en-US" sz="5400" dirty="0"/>
-              <a:t>的眼睛常看顧</a:t>
+              <a:rPr lang="zh-TW" altLang="en-US" sz="5400" b="1" dirty="0">
+                <a:latin typeface="Microsoft JhengHei" panose="020B0604030504040204" pitchFamily="34" charset="-120"/>
+                <a:ea typeface="Microsoft JhengHei" panose="020B0604030504040204" pitchFamily="34" charset="-120"/>
+              </a:rPr>
+              <a:t>我的眼睛常看顧</a:t>
             </a:r>
           </a:p>
         </p:txBody>
@@ -3902,94 +3753,126 @@
         </p:nvSpPr>
         <p:spPr/>
         <p:txBody>
-          <a:bodyPr/>
-          <a:lstStyle/>
-          <a:p>
-            <a:r>
-              <a:rPr lang="zh-TW" altLang="en-US" dirty="0"/>
-              <a:t>主眼看顧</a:t>
-            </a:r>
-          </a:p>
-        </p:txBody>
-      </p:sp>
-      <p:sp>
-        <p:nvSpPr>
-          <p:cNvPr id="5" name="內容版面配置區 4"/>
-          <p:cNvSpPr>
-            <a:spLocks noGrp="1"/>
-          </p:cNvSpPr>
-          <p:nvPr>
-            <p:ph idx="1"/>
-          </p:nvPr>
-        </p:nvSpPr>
-        <p:spPr/>
-        <p:txBody>
           <a:bodyPr>
             <a:normAutofit/>
           </a:bodyPr>
           <a:lstStyle/>
           <a:p>
+            <a:r>
+              <a:rPr lang="zh-TW" altLang="en-US" sz="4800" b="1" dirty="0">
+                <a:latin typeface="Microsoft JhengHei" panose="020B0604030504040204" pitchFamily="34" charset="-120"/>
+                <a:ea typeface="Microsoft JhengHei" panose="020B0604030504040204" pitchFamily="34" charset="-120"/>
+              </a:rPr>
+              <a:t>主眼看顧</a:t>
+            </a:r>
+          </a:p>
+        </p:txBody>
+      </p:sp>
+      <p:sp>
+        <p:nvSpPr>
+          <p:cNvPr id="5" name="內容版面配置區 4"/>
+          <p:cNvSpPr>
+            <a:spLocks noGrp="1"/>
+          </p:cNvSpPr>
+          <p:nvPr>
+            <p:ph idx="1"/>
+          </p:nvPr>
+        </p:nvSpPr>
+        <p:spPr/>
+        <p:txBody>
+          <a:bodyPr>
+            <a:normAutofit/>
+          </a:bodyPr>
+          <a:lstStyle/>
+          <a:p>
             <a:pPr algn="ctr">
               <a:buNone/>
             </a:pPr>
             <a:r>
-              <a:rPr lang="zh-TW" altLang="en-US" sz="5400" dirty="0"/>
-              <a:t>你所盼望或不成</a:t>
-            </a:r>
-            <a:r>
-              <a:rPr lang="zh-TW" altLang="en-US" sz="5400" dirty="0" smtClean="0"/>
-              <a:t>全</a:t>
-            </a:r>
-            <a:endParaRPr lang="en-US" altLang="zh-TW" sz="5400" dirty="0" smtClean="0"/>
+              <a:rPr lang="zh-TW" altLang="en-US" sz="5400" b="1" dirty="0">
+                <a:latin typeface="Microsoft JhengHei" panose="020B0604030504040204" pitchFamily="34" charset="-120"/>
+                <a:ea typeface="Microsoft JhengHei" panose="020B0604030504040204" pitchFamily="34" charset="-120"/>
+              </a:rPr>
+              <a:t>你所盼望或不成全</a:t>
+            </a:r>
+            <a:endParaRPr lang="en-US" altLang="zh-TW" sz="5400" b="1" dirty="0">
+              <a:latin typeface="Microsoft JhengHei" panose="020B0604030504040204" pitchFamily="34" charset="-120"/>
+              <a:ea typeface="Microsoft JhengHei" panose="020B0604030504040204" pitchFamily="34" charset="-120"/>
+            </a:endParaRPr>
           </a:p>
           <a:p>
             <a:pPr algn="ctr">
               <a:buNone/>
             </a:pPr>
             <a:r>
-              <a:rPr lang="zh-TW" altLang="en-US" sz="5400" dirty="0" smtClean="0"/>
-              <a:t>或</a:t>
-            </a:r>
-            <a:r>
-              <a:rPr lang="zh-TW" altLang="en-US" sz="5400" dirty="0"/>
-              <a:t>想前進不知</a:t>
-            </a:r>
-            <a:r>
-              <a:rPr lang="zh-TW" altLang="en-US" sz="5400" dirty="0" smtClean="0"/>
-              <a:t>路</a:t>
-            </a:r>
-            <a:endParaRPr lang="zh-TW" altLang="en-US" sz="5400" dirty="0"/>
+              <a:rPr lang="zh-TW" altLang="en-US" sz="5400" b="1" dirty="0">
+                <a:latin typeface="Microsoft JhengHei" panose="020B0604030504040204" pitchFamily="34" charset="-120"/>
+                <a:ea typeface="Microsoft JhengHei" panose="020B0604030504040204" pitchFamily="34" charset="-120"/>
+              </a:rPr>
+              <a:t>或想前進不知路</a:t>
+            </a:r>
           </a:p>
           <a:p>
             <a:pPr algn="ctr">
               <a:buNone/>
             </a:pPr>
             <a:r>
-              <a:rPr lang="zh-TW" altLang="en-US" sz="5400" dirty="0" smtClean="0"/>
-              <a:t>總</a:t>
-            </a:r>
-            <a:r>
-              <a:rPr lang="zh-TW" altLang="en-US" sz="5400" dirty="0"/>
-              <a:t>要記得主的恩</a:t>
-            </a:r>
-            <a:r>
-              <a:rPr lang="zh-TW" altLang="en-US" sz="5400" dirty="0" smtClean="0"/>
-              <a:t>言</a:t>
-            </a:r>
-            <a:endParaRPr lang="en-US" altLang="zh-TW" sz="5400" dirty="0" smtClean="0"/>
+              <a:rPr lang="zh-TW" altLang="en-US" sz="5400" b="1" dirty="0">
+                <a:latin typeface="Microsoft JhengHei" panose="020B0604030504040204" pitchFamily="34" charset="-120"/>
+                <a:ea typeface="Microsoft JhengHei" panose="020B0604030504040204" pitchFamily="34" charset="-120"/>
+              </a:rPr>
+              <a:t>總要記得主的恩言</a:t>
+            </a:r>
+            <a:endParaRPr lang="en-US" altLang="zh-TW" sz="5400" b="1" dirty="0">
+              <a:latin typeface="Microsoft JhengHei" panose="020B0604030504040204" pitchFamily="34" charset="-120"/>
+              <a:ea typeface="Microsoft JhengHei" panose="020B0604030504040204" pitchFamily="34" charset="-120"/>
+            </a:endParaRPr>
           </a:p>
           <a:p>
             <a:pPr algn="ctr">
               <a:buNone/>
             </a:pPr>
             <a:r>
-              <a:rPr lang="zh-TW" altLang="en-US" sz="5400" dirty="0" smtClean="0"/>
-              <a:t>我</a:t>
-            </a:r>
-            <a:r>
-              <a:rPr lang="zh-TW" altLang="en-US" sz="5400" dirty="0"/>
-              <a:t>的眼睛常看顧</a:t>
-            </a:r>
+              <a:rPr lang="zh-TW" altLang="en-US" sz="5400" b="1" dirty="0">
+                <a:latin typeface="Microsoft JhengHei" panose="020B0604030504040204" pitchFamily="34" charset="-120"/>
+                <a:ea typeface="Microsoft JhengHei" panose="020B0604030504040204" pitchFamily="34" charset="-120"/>
+              </a:rPr>
+              <a:t>我的眼睛常看顧</a:t>
+            </a:r>
+          </a:p>
+        </p:txBody>
+      </p:sp>
+      <p:sp>
+        <p:nvSpPr>
+          <p:cNvPr id="6" name="TextBox 5"/>
+          <p:cNvSpPr txBox="1"/>
+          <p:nvPr/>
+        </p:nvSpPr>
+        <p:spPr>
+          <a:xfrm>
+            <a:off x="1343472" y="1624645"/>
+            <a:ext cx="864096" cy="923330"/>
+          </a:xfrm>
+          <a:prstGeom prst="rect">
+            <a:avLst/>
+          </a:prstGeom>
+          <a:noFill/>
+        </p:spPr>
+        <p:txBody>
+          <a:bodyPr wrap="square" rtlCol="0">
+            <a:spAutoFit/>
+          </a:bodyPr>
+          <a:lstStyle/>
+          <a:p>
+            <a:r>
+              <a:rPr lang="en-US" sz="5400" b="1" dirty="0"/>
+              <a:t>3</a:t>
+            </a:r>
+            <a:r>
+              <a:rPr lang="en-US" sz="5400" b="1" dirty="0" smtClean="0"/>
+              <a:t>.</a:t>
+            </a:r>
+            <a:endParaRPr lang="vi-VN" sz="5400" b="1" dirty="0"/>
           </a:p>
         </p:txBody>
       </p:sp>
@@ -4030,101 +3913,91 @@
         </p:nvSpPr>
         <p:spPr/>
         <p:txBody>
-          <a:bodyPr/>
-          <a:lstStyle/>
-          <a:p>
-            <a:r>
-              <a:rPr lang="zh-TW" altLang="en-US" dirty="0"/>
-              <a:t>主眼看顧</a:t>
-            </a:r>
-          </a:p>
-        </p:txBody>
-      </p:sp>
-      <p:sp>
-        <p:nvSpPr>
-          <p:cNvPr id="5" name="內容版面配置區 4"/>
-          <p:cNvSpPr>
-            <a:spLocks noGrp="1"/>
-          </p:cNvSpPr>
-          <p:nvPr>
-            <p:ph idx="1"/>
-          </p:nvPr>
-        </p:nvSpPr>
-        <p:spPr/>
-        <p:txBody>
           <a:bodyPr>
             <a:normAutofit/>
           </a:bodyPr>
           <a:lstStyle/>
           <a:p>
+            <a:r>
+              <a:rPr lang="zh-TW" altLang="en-US" sz="4800" b="1" dirty="0">
+                <a:latin typeface="Microsoft JhengHei" panose="020B0604030504040204" pitchFamily="34" charset="-120"/>
+                <a:ea typeface="Microsoft JhengHei" panose="020B0604030504040204" pitchFamily="34" charset="-120"/>
+              </a:rPr>
+              <a:t>主眼看顧</a:t>
+            </a:r>
+          </a:p>
+        </p:txBody>
+      </p:sp>
+      <p:sp>
+        <p:nvSpPr>
+          <p:cNvPr id="5" name="內容版面配置區 4"/>
+          <p:cNvSpPr>
+            <a:spLocks noGrp="1"/>
+          </p:cNvSpPr>
+          <p:nvPr>
+            <p:ph idx="1"/>
+          </p:nvPr>
+        </p:nvSpPr>
+        <p:spPr/>
+        <p:txBody>
+          <a:bodyPr>
+            <a:normAutofit/>
+          </a:bodyPr>
+          <a:lstStyle/>
+          <a:p>
             <a:pPr algn="ctr">
               <a:buNone/>
             </a:pPr>
             <a:r>
-              <a:rPr lang="zh-TW" altLang="en-US" sz="5400" dirty="0"/>
-              <a:t>我必領</a:t>
-            </a:r>
-            <a:r>
-              <a:rPr lang="zh-TW" altLang="en-US" sz="5400" dirty="0" smtClean="0"/>
-              <a:t>你 我</a:t>
-            </a:r>
-            <a:r>
-              <a:rPr lang="zh-TW" altLang="en-US" sz="5400" dirty="0"/>
-              <a:t>必領</a:t>
-            </a:r>
-            <a:r>
-              <a:rPr lang="zh-TW" altLang="en-US" sz="5400" dirty="0" smtClean="0"/>
-              <a:t>你</a:t>
-            </a:r>
-            <a:endParaRPr lang="en-US" altLang="zh-TW" sz="5400" dirty="0" smtClean="0"/>
+              <a:rPr lang="zh-TW" altLang="en-US" sz="5400" b="1" dirty="0">
+                <a:latin typeface="Microsoft JhengHei" panose="020B0604030504040204" pitchFamily="34" charset="-120"/>
+                <a:ea typeface="Microsoft JhengHei" panose="020B0604030504040204" pitchFamily="34" charset="-120"/>
+              </a:rPr>
+              <a:t>我必領你 我必領你</a:t>
+            </a:r>
+            <a:endParaRPr lang="en-US" altLang="zh-TW" sz="5400" b="1" dirty="0">
+              <a:latin typeface="Microsoft JhengHei" panose="020B0604030504040204" pitchFamily="34" charset="-120"/>
+              <a:ea typeface="Microsoft JhengHei" panose="020B0604030504040204" pitchFamily="34" charset="-120"/>
+            </a:endParaRPr>
           </a:p>
           <a:p>
             <a:pPr algn="ctr">
               <a:buNone/>
             </a:pPr>
             <a:r>
-              <a:rPr lang="zh-TW" altLang="en-US" sz="5400" dirty="0" smtClean="0"/>
-              <a:t>我</a:t>
-            </a:r>
-            <a:r>
-              <a:rPr lang="zh-TW" altLang="en-US" sz="5400" dirty="0"/>
-              <a:t>的眼睛常</a:t>
-            </a:r>
-            <a:r>
-              <a:rPr lang="zh-TW" altLang="en-US" sz="5400" dirty="0" smtClean="0"/>
-              <a:t>看顧</a:t>
-            </a:r>
-            <a:endParaRPr lang="zh-TW" altLang="en-US" sz="5400" dirty="0"/>
+              <a:rPr lang="zh-TW" altLang="en-US" sz="5400" b="1" dirty="0">
+                <a:latin typeface="Microsoft JhengHei" panose="020B0604030504040204" pitchFamily="34" charset="-120"/>
+                <a:ea typeface="Microsoft JhengHei" panose="020B0604030504040204" pitchFamily="34" charset="-120"/>
+              </a:rPr>
+              <a:t>我的眼睛常看顧</a:t>
+            </a:r>
           </a:p>
           <a:p>
             <a:pPr algn="ctr">
               <a:buNone/>
             </a:pPr>
             <a:r>
-              <a:rPr lang="zh-TW" altLang="en-US" sz="5400" dirty="0" smtClean="0"/>
-              <a:t>一直</a:t>
-            </a:r>
-            <a:r>
-              <a:rPr lang="zh-TW" altLang="en-US" sz="5400" dirty="0"/>
-              <a:t>走到迦南樂</a:t>
-            </a:r>
-            <a:r>
-              <a:rPr lang="zh-TW" altLang="en-US" sz="5400" dirty="0" smtClean="0"/>
-              <a:t>地</a:t>
-            </a:r>
-            <a:endParaRPr lang="en-US" altLang="zh-TW" sz="5400" dirty="0" smtClean="0"/>
+              <a:rPr lang="zh-TW" altLang="en-US" sz="5400" b="1" dirty="0">
+                <a:latin typeface="Microsoft JhengHei" panose="020B0604030504040204" pitchFamily="34" charset="-120"/>
+                <a:ea typeface="Microsoft JhengHei" panose="020B0604030504040204" pitchFamily="34" charset="-120"/>
+              </a:rPr>
+              <a:t>一直走到迦南樂地</a:t>
+            </a:r>
+            <a:endParaRPr lang="en-US" altLang="zh-TW" sz="5400" b="1" dirty="0">
+              <a:latin typeface="Microsoft JhengHei" panose="020B0604030504040204" pitchFamily="34" charset="-120"/>
+              <a:ea typeface="Microsoft JhengHei" panose="020B0604030504040204" pitchFamily="34" charset="-120"/>
+            </a:endParaRPr>
           </a:p>
           <a:p>
             <a:pPr algn="ctr">
               <a:buNone/>
             </a:pPr>
             <a:r>
-              <a:rPr lang="zh-TW" altLang="en-US" sz="5400" dirty="0" smtClean="0"/>
-              <a:t>我</a:t>
-            </a:r>
-            <a:r>
-              <a:rPr lang="zh-TW" altLang="en-US" sz="5400" dirty="0"/>
-              <a:t>的眼睛常看顧</a:t>
+              <a:rPr lang="zh-TW" altLang="en-US" sz="5400" b="1" dirty="0">
+                <a:latin typeface="Microsoft JhengHei" panose="020B0604030504040204" pitchFamily="34" charset="-120"/>
+                <a:ea typeface="Microsoft JhengHei" panose="020B0604030504040204" pitchFamily="34" charset="-120"/>
+              </a:rPr>
+              <a:t>我的眼睛常看顧</a:t>
             </a:r>
           </a:p>
         </p:txBody>
@@ -4166,94 +4039,126 @@
         </p:nvSpPr>
         <p:spPr/>
         <p:txBody>
-          <a:bodyPr/>
-          <a:lstStyle/>
-          <a:p>
-            <a:r>
-              <a:rPr lang="zh-TW" altLang="en-US" dirty="0"/>
-              <a:t>主眼看顧</a:t>
-            </a:r>
-          </a:p>
-        </p:txBody>
-      </p:sp>
-      <p:sp>
-        <p:nvSpPr>
-          <p:cNvPr id="5" name="內容版面配置區 4"/>
-          <p:cNvSpPr>
-            <a:spLocks noGrp="1"/>
-          </p:cNvSpPr>
-          <p:nvPr>
-            <p:ph idx="1"/>
-          </p:nvPr>
-        </p:nvSpPr>
-        <p:spPr/>
-        <p:txBody>
           <a:bodyPr>
             <a:normAutofit/>
           </a:bodyPr>
           <a:lstStyle/>
           <a:p>
+            <a:r>
+              <a:rPr lang="zh-TW" altLang="en-US" sz="4800" b="1" dirty="0">
+                <a:latin typeface="Microsoft JhengHei" panose="020B0604030504040204" pitchFamily="34" charset="-120"/>
+                <a:ea typeface="Microsoft JhengHei" panose="020B0604030504040204" pitchFamily="34" charset="-120"/>
+              </a:rPr>
+              <a:t>主眼看顧</a:t>
+            </a:r>
+          </a:p>
+        </p:txBody>
+      </p:sp>
+      <p:sp>
+        <p:nvSpPr>
+          <p:cNvPr id="5" name="內容版面配置區 4"/>
+          <p:cNvSpPr>
+            <a:spLocks noGrp="1"/>
+          </p:cNvSpPr>
+          <p:nvPr>
+            <p:ph idx="1"/>
+          </p:nvPr>
+        </p:nvSpPr>
+        <p:spPr/>
+        <p:txBody>
+          <a:bodyPr>
+            <a:normAutofit/>
+          </a:bodyPr>
+          <a:lstStyle/>
+          <a:p>
             <a:pPr algn="ctr">
               <a:buNone/>
             </a:pPr>
             <a:r>
-              <a:rPr lang="zh-TW" altLang="en-US" sz="5400" dirty="0"/>
-              <a:t>人生道路走到</a:t>
-            </a:r>
-            <a:r>
-              <a:rPr lang="zh-TW" altLang="en-US" sz="5400" dirty="0" smtClean="0"/>
-              <a:t>盡頭</a:t>
-            </a:r>
-            <a:endParaRPr lang="en-US" altLang="zh-TW" sz="5400" dirty="0" smtClean="0"/>
+              <a:rPr lang="zh-TW" altLang="en-US" sz="5400" b="1" dirty="0">
+                <a:latin typeface="Microsoft JhengHei" panose="020B0604030504040204" pitchFamily="34" charset="-120"/>
+                <a:ea typeface="Microsoft JhengHei" panose="020B0604030504040204" pitchFamily="34" charset="-120"/>
+              </a:rPr>
+              <a:t>人生道路走到盡頭</a:t>
+            </a:r>
+            <a:endParaRPr lang="en-US" altLang="zh-TW" sz="5400" b="1" dirty="0">
+              <a:latin typeface="Microsoft JhengHei" panose="020B0604030504040204" pitchFamily="34" charset="-120"/>
+              <a:ea typeface="Microsoft JhengHei" panose="020B0604030504040204" pitchFamily="34" charset="-120"/>
+            </a:endParaRPr>
           </a:p>
           <a:p>
             <a:pPr algn="ctr">
               <a:buNone/>
             </a:pPr>
             <a:r>
-              <a:rPr lang="zh-TW" altLang="en-US" sz="5400" dirty="0" smtClean="0"/>
-              <a:t>死亡</a:t>
-            </a:r>
-            <a:r>
-              <a:rPr lang="zh-TW" altLang="en-US" sz="5400" dirty="0"/>
-              <a:t>大限在</a:t>
-            </a:r>
-            <a:r>
-              <a:rPr lang="zh-TW" altLang="en-US" sz="5400" dirty="0" smtClean="0"/>
-              <a:t>眼前</a:t>
-            </a:r>
-            <a:endParaRPr lang="zh-TW" altLang="en-US" sz="5400" dirty="0"/>
+              <a:rPr lang="zh-TW" altLang="en-US" sz="5400" b="1" dirty="0">
+                <a:latin typeface="Microsoft JhengHei" panose="020B0604030504040204" pitchFamily="34" charset="-120"/>
+                <a:ea typeface="Microsoft JhengHei" panose="020B0604030504040204" pitchFamily="34" charset="-120"/>
+              </a:rPr>
+              <a:t>死亡大限在眼前</a:t>
+            </a:r>
           </a:p>
           <a:p>
             <a:pPr algn="ctr">
               <a:buNone/>
             </a:pPr>
             <a:r>
-              <a:rPr lang="zh-TW" altLang="en-US" sz="5400" dirty="0" smtClean="0"/>
-              <a:t>請</a:t>
-            </a:r>
-            <a:r>
-              <a:rPr lang="zh-TW" altLang="en-US" sz="5400" dirty="0"/>
-              <a:t>聽恩主微聲</a:t>
-            </a:r>
-            <a:r>
-              <a:rPr lang="zh-TW" altLang="en-US" sz="5400" dirty="0" smtClean="0"/>
-              <a:t>說道</a:t>
-            </a:r>
-            <a:endParaRPr lang="en-US" altLang="zh-TW" sz="5400" dirty="0" smtClean="0"/>
+              <a:rPr lang="zh-TW" altLang="en-US" sz="5400" b="1" dirty="0">
+                <a:latin typeface="Microsoft JhengHei" panose="020B0604030504040204" pitchFamily="34" charset="-120"/>
+                <a:ea typeface="Microsoft JhengHei" panose="020B0604030504040204" pitchFamily="34" charset="-120"/>
+              </a:rPr>
+              <a:t>請聽恩主微聲說道</a:t>
+            </a:r>
+            <a:endParaRPr lang="en-US" altLang="zh-TW" sz="5400" b="1" dirty="0">
+              <a:latin typeface="Microsoft JhengHei" panose="020B0604030504040204" pitchFamily="34" charset="-120"/>
+              <a:ea typeface="Microsoft JhengHei" panose="020B0604030504040204" pitchFamily="34" charset="-120"/>
+            </a:endParaRPr>
           </a:p>
           <a:p>
             <a:pPr algn="ctr">
               <a:buNone/>
             </a:pPr>
             <a:r>
-              <a:rPr lang="zh-TW" altLang="en-US" sz="5400" dirty="0" smtClean="0"/>
-              <a:t>我</a:t>
-            </a:r>
-            <a:r>
-              <a:rPr lang="zh-TW" altLang="en-US" sz="5400" dirty="0"/>
-              <a:t>的眼睛常看顧</a:t>
-            </a:r>
+              <a:rPr lang="zh-TW" altLang="en-US" sz="5400" b="1" dirty="0">
+                <a:latin typeface="Microsoft JhengHei" panose="020B0604030504040204" pitchFamily="34" charset="-120"/>
+                <a:ea typeface="Microsoft JhengHei" panose="020B0604030504040204" pitchFamily="34" charset="-120"/>
+              </a:rPr>
+              <a:t>我的眼睛常看顧</a:t>
+            </a:r>
+          </a:p>
+        </p:txBody>
+      </p:sp>
+      <p:sp>
+        <p:nvSpPr>
+          <p:cNvPr id="6" name="TextBox 5"/>
+          <p:cNvSpPr txBox="1"/>
+          <p:nvPr/>
+        </p:nvSpPr>
+        <p:spPr>
+          <a:xfrm>
+            <a:off x="1343472" y="1624645"/>
+            <a:ext cx="864096" cy="923330"/>
+          </a:xfrm>
+          <a:prstGeom prst="rect">
+            <a:avLst/>
+          </a:prstGeom>
+          <a:noFill/>
+        </p:spPr>
+        <p:txBody>
+          <a:bodyPr wrap="square" rtlCol="0">
+            <a:spAutoFit/>
+          </a:bodyPr>
+          <a:lstStyle/>
+          <a:p>
+            <a:r>
+              <a:rPr lang="en-US" sz="5400" b="1" dirty="0"/>
+              <a:t>4</a:t>
+            </a:r>
+            <a:r>
+              <a:rPr lang="en-US" sz="5400" b="1" dirty="0" smtClean="0"/>
+              <a:t>.</a:t>
+            </a:r>
+            <a:endParaRPr lang="vi-VN" sz="5400" b="1" dirty="0"/>
           </a:p>
         </p:txBody>
       </p:sp>
@@ -4294,101 +4199,91 @@
         </p:nvSpPr>
         <p:spPr/>
         <p:txBody>
-          <a:bodyPr/>
-          <a:lstStyle/>
-          <a:p>
-            <a:r>
-              <a:rPr lang="zh-TW" altLang="en-US" dirty="0"/>
-              <a:t>主眼看顧</a:t>
-            </a:r>
-          </a:p>
-        </p:txBody>
-      </p:sp>
-      <p:sp>
-        <p:nvSpPr>
-          <p:cNvPr id="5" name="內容版面配置區 4"/>
-          <p:cNvSpPr>
-            <a:spLocks noGrp="1"/>
-          </p:cNvSpPr>
-          <p:nvPr>
-            <p:ph idx="1"/>
-          </p:nvPr>
-        </p:nvSpPr>
-        <p:spPr/>
-        <p:txBody>
           <a:bodyPr>
             <a:normAutofit/>
           </a:bodyPr>
           <a:lstStyle/>
           <a:p>
+            <a:r>
+              <a:rPr lang="zh-TW" altLang="en-US" sz="4800" b="1" dirty="0">
+                <a:latin typeface="Microsoft JhengHei" panose="020B0604030504040204" pitchFamily="34" charset="-120"/>
+                <a:ea typeface="Microsoft JhengHei" panose="020B0604030504040204" pitchFamily="34" charset="-120"/>
+              </a:rPr>
+              <a:t>主眼看顧</a:t>
+            </a:r>
+          </a:p>
+        </p:txBody>
+      </p:sp>
+      <p:sp>
+        <p:nvSpPr>
+          <p:cNvPr id="5" name="內容版面配置區 4"/>
+          <p:cNvSpPr>
+            <a:spLocks noGrp="1"/>
+          </p:cNvSpPr>
+          <p:nvPr>
+            <p:ph idx="1"/>
+          </p:nvPr>
+        </p:nvSpPr>
+        <p:spPr/>
+        <p:txBody>
+          <a:bodyPr>
+            <a:normAutofit/>
+          </a:bodyPr>
+          <a:lstStyle/>
+          <a:p>
             <a:pPr algn="ctr">
               <a:buNone/>
             </a:pPr>
             <a:r>
-              <a:rPr lang="zh-TW" altLang="en-US" sz="5400" dirty="0"/>
-              <a:t>我必領</a:t>
-            </a:r>
-            <a:r>
-              <a:rPr lang="zh-TW" altLang="en-US" sz="5400" dirty="0" smtClean="0"/>
-              <a:t>你 我</a:t>
-            </a:r>
-            <a:r>
-              <a:rPr lang="zh-TW" altLang="en-US" sz="5400" dirty="0"/>
-              <a:t>必領</a:t>
-            </a:r>
-            <a:r>
-              <a:rPr lang="zh-TW" altLang="en-US" sz="5400" dirty="0" smtClean="0"/>
-              <a:t>你</a:t>
-            </a:r>
-            <a:endParaRPr lang="en-US" altLang="zh-TW" sz="5400" dirty="0" smtClean="0"/>
+              <a:rPr lang="zh-TW" altLang="en-US" sz="5400" b="1" dirty="0">
+                <a:latin typeface="Microsoft JhengHei" panose="020B0604030504040204" pitchFamily="34" charset="-120"/>
+                <a:ea typeface="Microsoft JhengHei" panose="020B0604030504040204" pitchFamily="34" charset="-120"/>
+              </a:rPr>
+              <a:t>我必領你 我必領你</a:t>
+            </a:r>
+            <a:endParaRPr lang="en-US" altLang="zh-TW" sz="5400" b="1" dirty="0">
+              <a:latin typeface="Microsoft JhengHei" panose="020B0604030504040204" pitchFamily="34" charset="-120"/>
+              <a:ea typeface="Microsoft JhengHei" panose="020B0604030504040204" pitchFamily="34" charset="-120"/>
+            </a:endParaRPr>
           </a:p>
           <a:p>
             <a:pPr algn="ctr">
               <a:buNone/>
             </a:pPr>
             <a:r>
-              <a:rPr lang="zh-TW" altLang="en-US" sz="5400" dirty="0" smtClean="0"/>
-              <a:t>我</a:t>
-            </a:r>
-            <a:r>
-              <a:rPr lang="zh-TW" altLang="en-US" sz="5400" dirty="0"/>
-              <a:t>的眼睛常</a:t>
-            </a:r>
-            <a:r>
-              <a:rPr lang="zh-TW" altLang="en-US" sz="5400" dirty="0" smtClean="0"/>
-              <a:t>看顧</a:t>
-            </a:r>
-            <a:endParaRPr lang="zh-TW" altLang="en-US" sz="5400" dirty="0"/>
+              <a:rPr lang="zh-TW" altLang="en-US" sz="5400" b="1" dirty="0">
+                <a:latin typeface="Microsoft JhengHei" panose="020B0604030504040204" pitchFamily="34" charset="-120"/>
+                <a:ea typeface="Microsoft JhengHei" panose="020B0604030504040204" pitchFamily="34" charset="-120"/>
+              </a:rPr>
+              <a:t>我的眼睛常看顧</a:t>
+            </a:r>
           </a:p>
           <a:p>
             <a:pPr algn="ctr">
               <a:buNone/>
             </a:pPr>
             <a:r>
-              <a:rPr lang="zh-TW" altLang="en-US" sz="5400" dirty="0" smtClean="0"/>
-              <a:t>一直</a:t>
-            </a:r>
-            <a:r>
-              <a:rPr lang="zh-TW" altLang="en-US" sz="5400" dirty="0"/>
-              <a:t>走到迦南樂</a:t>
-            </a:r>
-            <a:r>
-              <a:rPr lang="zh-TW" altLang="en-US" sz="5400" dirty="0" smtClean="0"/>
-              <a:t>地</a:t>
-            </a:r>
-            <a:endParaRPr lang="en-US" altLang="zh-TW" sz="5400" dirty="0" smtClean="0"/>
+              <a:rPr lang="zh-TW" altLang="en-US" sz="5400" b="1" dirty="0">
+                <a:latin typeface="Microsoft JhengHei" panose="020B0604030504040204" pitchFamily="34" charset="-120"/>
+                <a:ea typeface="Microsoft JhengHei" panose="020B0604030504040204" pitchFamily="34" charset="-120"/>
+              </a:rPr>
+              <a:t>一直走到迦南樂地</a:t>
+            </a:r>
+            <a:endParaRPr lang="en-US" altLang="zh-TW" sz="5400" b="1" dirty="0">
+              <a:latin typeface="Microsoft JhengHei" panose="020B0604030504040204" pitchFamily="34" charset="-120"/>
+              <a:ea typeface="Microsoft JhengHei" panose="020B0604030504040204" pitchFamily="34" charset="-120"/>
+            </a:endParaRPr>
           </a:p>
           <a:p>
             <a:pPr algn="ctr">
               <a:buNone/>
             </a:pPr>
             <a:r>
-              <a:rPr lang="zh-TW" altLang="en-US" sz="5400" dirty="0" smtClean="0"/>
-              <a:t>我</a:t>
-            </a:r>
-            <a:r>
-              <a:rPr lang="zh-TW" altLang="en-US" sz="5400" dirty="0"/>
-              <a:t>的眼睛常看顧</a:t>
+              <a:rPr lang="zh-TW" altLang="en-US" sz="5400" b="1" dirty="0">
+                <a:latin typeface="Microsoft JhengHei" panose="020B0604030504040204" pitchFamily="34" charset="-120"/>
+                <a:ea typeface="Microsoft JhengHei" panose="020B0604030504040204" pitchFamily="34" charset="-120"/>
+              </a:rPr>
+              <a:t>我的眼睛常看顧</a:t>
             </a:r>
           </a:p>
         </p:txBody>
@@ -4402,7 +4297,7 @@
 </file>
 
 <file path=ppt/theme/theme1.xml><?xml version="1.0" encoding="utf-8"?>
-<a:theme xmlns:a="http://schemas.openxmlformats.org/drawingml/2006/main" name="佈景主題7">
+<a:theme xmlns:a="http://schemas.openxmlformats.org/drawingml/2006/main" name="Theme1">
   <a:themeElements>
     <a:clrScheme name="Office">
       <a:dk1>
@@ -4681,5 +4576,10 @@
   </a:themeElements>
   <a:objectDefaults/>
   <a:extraClrSchemeLst/>
+  <a:extLst>
+    <a:ext uri="{05A4C25C-085E-4340-85A3-A5531E510DB2}">
+      <thm15:themeFamily xmlns:thm15="http://schemas.microsoft.com/office/thememl/2012/main" name="Theme1" id="{AFC7C034-021A-479F-A5B0-F4AE2AC2A6F8}" vid="{E4B01A5C-7C0B-4AB8-8973-047186F18E30}"/>
+    </a:ext>
+  </a:extLst>
 </a:theme>
 </file>
--- a/宣道詩/(宣道詩68)主眼看顧.pptx
+++ b/宣道詩/(宣道詩68)主眼看顧.pptx
@@ -11,8 +11,6 @@
     <p:sldId id="259" r:id="rId5"/>
     <p:sldId id="260" r:id="rId6"/>
     <p:sldId id="261" r:id="rId7"/>
-    <p:sldId id="262" r:id="rId8"/>
-    <p:sldId id="263" r:id="rId9"/>
   </p:sldIdLst>
   <p:sldSz cx="12192000" cy="6858000"/>
   <p:notesSz cx="6858000" cy="9144000"/>
@@ -311,7 +309,7 @@
           <a:p>
             <a:fld id="{182E561B-25C0-44B8-B906-32A2ED04DD3C}" type="datetimeFigureOut">
               <a:rPr lang="zh-TW" altLang="en-US" smtClean="0"/>
-              <a:t>2020/6/6</a:t>
+              <a:t>2020/9/4</a:t>
             </a:fld>
             <a:endParaRPr lang="zh-TW" altLang="en-US"/>
           </a:p>
@@ -481,7 +479,7 @@
           <a:p>
             <a:fld id="{182E561B-25C0-44B8-B906-32A2ED04DD3C}" type="datetimeFigureOut">
               <a:rPr lang="zh-TW" altLang="en-US" smtClean="0"/>
-              <a:t>2020/6/6</a:t>
+              <a:t>2020/9/4</a:t>
             </a:fld>
             <a:endParaRPr lang="zh-TW" altLang="en-US"/>
           </a:p>
@@ -661,7 +659,7 @@
           <a:p>
             <a:fld id="{182E561B-25C0-44B8-B906-32A2ED04DD3C}" type="datetimeFigureOut">
               <a:rPr lang="zh-TW" altLang="en-US" smtClean="0"/>
-              <a:t>2020/6/6</a:t>
+              <a:t>2020/9/4</a:t>
             </a:fld>
             <a:endParaRPr lang="zh-TW" altLang="en-US"/>
           </a:p>
@@ -831,7 +829,7 @@
           <a:p>
             <a:fld id="{182E561B-25C0-44B8-B906-32A2ED04DD3C}" type="datetimeFigureOut">
               <a:rPr lang="zh-TW" altLang="en-US" smtClean="0"/>
-              <a:t>2020/6/6</a:t>
+              <a:t>2020/9/4</a:t>
             </a:fld>
             <a:endParaRPr lang="zh-TW" altLang="en-US"/>
           </a:p>
@@ -1077,7 +1075,7 @@
           <a:p>
             <a:fld id="{182E561B-25C0-44B8-B906-32A2ED04DD3C}" type="datetimeFigureOut">
               <a:rPr lang="zh-TW" altLang="en-US" smtClean="0"/>
-              <a:t>2020/6/6</a:t>
+              <a:t>2020/9/4</a:t>
             </a:fld>
             <a:endParaRPr lang="zh-TW" altLang="en-US"/>
           </a:p>
@@ -1365,7 +1363,7 @@
           <a:p>
             <a:fld id="{182E561B-25C0-44B8-B906-32A2ED04DD3C}" type="datetimeFigureOut">
               <a:rPr lang="zh-TW" altLang="en-US" smtClean="0"/>
-              <a:t>2020/6/6</a:t>
+              <a:t>2020/9/4</a:t>
             </a:fld>
             <a:endParaRPr lang="zh-TW" altLang="en-US"/>
           </a:p>
@@ -1787,7 +1785,7 @@
           <a:p>
             <a:fld id="{182E561B-25C0-44B8-B906-32A2ED04DD3C}" type="datetimeFigureOut">
               <a:rPr lang="zh-TW" altLang="en-US" smtClean="0"/>
-              <a:t>2020/6/6</a:t>
+              <a:t>2020/9/4</a:t>
             </a:fld>
             <a:endParaRPr lang="zh-TW" altLang="en-US"/>
           </a:p>
@@ -1905,7 +1903,7 @@
           <a:p>
             <a:fld id="{182E561B-25C0-44B8-B906-32A2ED04DD3C}" type="datetimeFigureOut">
               <a:rPr lang="zh-TW" altLang="en-US" smtClean="0"/>
-              <a:t>2020/6/6</a:t>
+              <a:t>2020/9/4</a:t>
             </a:fld>
             <a:endParaRPr lang="zh-TW" altLang="en-US"/>
           </a:p>
@@ -2000,7 +1998,7 @@
           <a:p>
             <a:fld id="{182E561B-25C0-44B8-B906-32A2ED04DD3C}" type="datetimeFigureOut">
               <a:rPr lang="zh-TW" altLang="en-US" smtClean="0"/>
-              <a:t>2020/6/6</a:t>
+              <a:t>2020/9/4</a:t>
             </a:fld>
             <a:endParaRPr lang="zh-TW" altLang="en-US"/>
           </a:p>
@@ -2277,7 +2275,7 @@
           <a:p>
             <a:fld id="{182E561B-25C0-44B8-B906-32A2ED04DD3C}" type="datetimeFigureOut">
               <a:rPr lang="zh-TW" altLang="en-US" smtClean="0"/>
-              <a:t>2020/6/6</a:t>
+              <a:t>2020/9/4</a:t>
             </a:fld>
             <a:endParaRPr lang="zh-TW" altLang="en-US"/>
           </a:p>
@@ -2534,7 +2532,7 @@
           <a:p>
             <a:fld id="{182E561B-25C0-44B8-B906-32A2ED04DD3C}" type="datetimeFigureOut">
               <a:rPr lang="zh-TW" altLang="en-US" smtClean="0"/>
-              <a:t>2020/6/6</a:t>
+              <a:t>2020/9/4</a:t>
             </a:fld>
             <a:endParaRPr lang="zh-TW" altLang="en-US"/>
           </a:p>
@@ -2752,7 +2750,7 @@
           <a:p>
             <a:fld id="{182E561B-25C0-44B8-B906-32A2ED04DD3C}" type="datetimeFigureOut">
               <a:rPr lang="zh-TW" altLang="en-US" smtClean="0"/>
-              <a:t>2020/6/6</a:t>
+              <a:t>2020/9/4</a:t>
             </a:fld>
             <a:endParaRPr lang="zh-TW" altLang="en-US"/>
           </a:p>
@@ -3146,6 +3144,9 @@
           <a:p>
             <a:r>
               <a:rPr lang="zh-TW" altLang="en-US" sz="4800" b="1" dirty="0">
+                <a:solidFill>
+                  <a:srgbClr val="002060"/>
+                </a:solidFill>
                 <a:latin typeface="Microsoft JhengHei" panose="020B0604030504040204" pitchFamily="34" charset="-120"/>
                 <a:ea typeface="Microsoft JhengHei" panose="020B0604030504040204" pitchFamily="34" charset="-120"/>
               </a:rPr>
@@ -3176,19 +3177,55 @@
             </a:pPr>
             <a:r>
               <a:rPr lang="zh-TW" altLang="en-US" sz="5400" b="1" dirty="0">
+                <a:solidFill>
+                  <a:srgbClr val="002060"/>
+                </a:solidFill>
                 <a:latin typeface="Microsoft JhengHei" panose="020B0604030504040204" pitchFamily="34" charset="-120"/>
                 <a:ea typeface="Microsoft JhengHei" panose="020B0604030504040204" pitchFamily="34" charset="-120"/>
               </a:rPr>
-              <a:t>主所應許真是</a:t>
-            </a:r>
+              <a:t>主所應許真是寶貴</a:t>
+            </a:r>
+            <a:endParaRPr lang="en-US" altLang="zh-TW" sz="5400" b="1" dirty="0">
+              <a:solidFill>
+                <a:srgbClr val="002060"/>
+              </a:solidFill>
+              <a:latin typeface="Microsoft JhengHei" panose="020B0604030504040204" pitchFamily="34" charset="-120"/>
+              <a:ea typeface="Microsoft JhengHei" panose="020B0604030504040204" pitchFamily="34" charset="-120"/>
+            </a:endParaRPr>
+          </a:p>
+          <a:p>
+            <a:pPr algn="ctr">
+              <a:buNone/>
+            </a:pPr>
             <a:r>
               <a:rPr lang="zh-TW" altLang="en-US" sz="5400" b="1" dirty="0">
+                <a:solidFill>
+                  <a:srgbClr val="002060"/>
+                </a:solidFill>
                 <a:latin typeface="Microsoft JhengHei" panose="020B0604030504040204" pitchFamily="34" charset="-120"/>
                 <a:ea typeface="Microsoft JhengHei" panose="020B0604030504040204" pitchFamily="34" charset="-120"/>
               </a:rPr>
-              <a:t>寶貴</a:t>
+              <a:t>安慰門徒行天路</a:t>
+            </a:r>
+          </a:p>
+          <a:p>
+            <a:pPr algn="ctr">
+              <a:buNone/>
+            </a:pPr>
+            <a:r>
+              <a:rPr lang="zh-TW" altLang="en-US" sz="5400" b="1" dirty="0">
+                <a:solidFill>
+                  <a:srgbClr val="002060"/>
+                </a:solidFill>
+                <a:latin typeface="Microsoft JhengHei" panose="020B0604030504040204" pitchFamily="34" charset="-120"/>
+                <a:ea typeface="Microsoft JhengHei" panose="020B0604030504040204" pitchFamily="34" charset="-120"/>
+              </a:rPr>
+              <a:t>就是說道 你的道路</a:t>
             </a:r>
             <a:endParaRPr lang="en-US" altLang="zh-TW" sz="5400" b="1" dirty="0">
+              <a:solidFill>
+                <a:srgbClr val="002060"/>
+              </a:solidFill>
               <a:latin typeface="Microsoft JhengHei" panose="020B0604030504040204" pitchFamily="34" charset="-120"/>
               <a:ea typeface="Microsoft JhengHei" panose="020B0604030504040204" pitchFamily="34" charset="-120"/>
             </a:endParaRPr>
@@ -3199,77 +3236,13 @@
             </a:pPr>
             <a:r>
               <a:rPr lang="zh-TW" altLang="en-US" sz="5400" b="1" dirty="0">
+                <a:solidFill>
+                  <a:srgbClr val="002060"/>
+                </a:solidFill>
                 <a:latin typeface="Microsoft JhengHei" panose="020B0604030504040204" pitchFamily="34" charset="-120"/>
                 <a:ea typeface="Microsoft JhengHei" panose="020B0604030504040204" pitchFamily="34" charset="-120"/>
               </a:rPr>
-              <a:t>安慰</a:t>
-            </a:r>
-            <a:r>
-              <a:rPr lang="zh-TW" altLang="en-US" sz="5400" b="1" dirty="0">
-                <a:latin typeface="Microsoft JhengHei" panose="020B0604030504040204" pitchFamily="34" charset="-120"/>
-                <a:ea typeface="Microsoft JhengHei" panose="020B0604030504040204" pitchFamily="34" charset="-120"/>
-              </a:rPr>
-              <a:t>門徒行天</a:t>
-            </a:r>
-            <a:r>
-              <a:rPr lang="zh-TW" altLang="en-US" sz="5400" b="1" dirty="0">
-                <a:latin typeface="Microsoft JhengHei" panose="020B0604030504040204" pitchFamily="34" charset="-120"/>
-                <a:ea typeface="Microsoft JhengHei" panose="020B0604030504040204" pitchFamily="34" charset="-120"/>
-              </a:rPr>
-              <a:t>路</a:t>
-            </a:r>
-            <a:endParaRPr lang="zh-TW" altLang="en-US" sz="5400" b="1" dirty="0">
-              <a:latin typeface="Microsoft JhengHei" panose="020B0604030504040204" pitchFamily="34" charset="-120"/>
-              <a:ea typeface="Microsoft JhengHei" panose="020B0604030504040204" pitchFamily="34" charset="-120"/>
-            </a:endParaRPr>
-          </a:p>
-          <a:p>
-            <a:pPr algn="ctr">
-              <a:buNone/>
-            </a:pPr>
-            <a:r>
-              <a:rPr lang="zh-TW" altLang="en-US" sz="5400" b="1" dirty="0">
-                <a:latin typeface="Microsoft JhengHei" panose="020B0604030504040204" pitchFamily="34" charset="-120"/>
-                <a:ea typeface="Microsoft JhengHei" panose="020B0604030504040204" pitchFamily="34" charset="-120"/>
-              </a:rPr>
-              <a:t>就是說道 你</a:t>
-            </a:r>
-            <a:r>
-              <a:rPr lang="zh-TW" altLang="en-US" sz="5400" b="1" dirty="0">
-                <a:latin typeface="Microsoft JhengHei" panose="020B0604030504040204" pitchFamily="34" charset="-120"/>
-                <a:ea typeface="Microsoft JhengHei" panose="020B0604030504040204" pitchFamily="34" charset="-120"/>
-              </a:rPr>
-              <a:t>的</a:t>
-            </a:r>
-            <a:r>
-              <a:rPr lang="zh-TW" altLang="en-US" sz="5400" b="1" dirty="0">
-                <a:latin typeface="Microsoft JhengHei" panose="020B0604030504040204" pitchFamily="34" charset="-120"/>
-                <a:ea typeface="Microsoft JhengHei" panose="020B0604030504040204" pitchFamily="34" charset="-120"/>
-              </a:rPr>
-              <a:t>道路</a:t>
-            </a:r>
-            <a:endParaRPr lang="en-US" altLang="zh-TW" sz="5400" b="1" dirty="0">
-              <a:latin typeface="Microsoft JhengHei" panose="020B0604030504040204" pitchFamily="34" charset="-120"/>
-              <a:ea typeface="Microsoft JhengHei" panose="020B0604030504040204" pitchFamily="34" charset="-120"/>
-            </a:endParaRPr>
-          </a:p>
-          <a:p>
-            <a:pPr algn="ctr">
-              <a:buNone/>
-            </a:pPr>
-            <a:r>
-              <a:rPr lang="zh-TW" altLang="en-US" sz="5400" b="1" dirty="0">
-                <a:latin typeface="Microsoft JhengHei" panose="020B0604030504040204" pitchFamily="34" charset="-120"/>
-                <a:ea typeface="Microsoft JhengHei" panose="020B0604030504040204" pitchFamily="34" charset="-120"/>
-              </a:rPr>
-              <a:t>我</a:t>
-            </a:r>
-            <a:r>
-              <a:rPr lang="zh-TW" altLang="en-US" sz="5400" b="1" dirty="0">
-                <a:latin typeface="Microsoft JhengHei" panose="020B0604030504040204" pitchFamily="34" charset="-120"/>
-                <a:ea typeface="Microsoft JhengHei" panose="020B0604030504040204" pitchFamily="34" charset="-120"/>
-              </a:rPr>
-              <a:t>的眼睛常看顧</a:t>
+              <a:t>我的眼睛常看顧</a:t>
             </a:r>
           </a:p>
         </p:txBody>
@@ -3297,10 +3270,18 @@
           <a:lstStyle/>
           <a:p>
             <a:r>
-              <a:rPr lang="en-US" sz="5400" b="1" dirty="0" smtClean="0"/>
+              <a:rPr lang="en-US" sz="5400" b="1" dirty="0" smtClean="0">
+                <a:solidFill>
+                  <a:srgbClr val="002060"/>
+                </a:solidFill>
+              </a:rPr>
               <a:t>1.</a:t>
             </a:r>
-            <a:endParaRPr lang="vi-VN" sz="5400" b="1" dirty="0"/>
+            <a:endParaRPr lang="vi-VN" sz="5400" b="1" dirty="0">
+              <a:solidFill>
+                <a:srgbClr val="002060"/>
+              </a:solidFill>
+            </a:endParaRPr>
           </a:p>
         </p:txBody>
       </p:sp>
@@ -3348,6 +3329,9 @@
           <a:p>
             <a:r>
               <a:rPr lang="zh-TW" altLang="en-US" sz="4800" b="1" dirty="0">
+                <a:solidFill>
+                  <a:srgbClr val="002060"/>
+                </a:solidFill>
                 <a:latin typeface="Microsoft JhengHei" panose="020B0604030504040204" pitchFamily="34" charset="-120"/>
                 <a:ea typeface="Microsoft JhengHei" panose="020B0604030504040204" pitchFamily="34" charset="-120"/>
               </a:rPr>
@@ -3378,12 +3362,18 @@
             </a:pPr>
             <a:r>
               <a:rPr lang="zh-TW" altLang="en-US" sz="5400" b="1" dirty="0">
+                <a:solidFill>
+                  <a:srgbClr val="002060"/>
+                </a:solidFill>
                 <a:latin typeface="Microsoft JhengHei" panose="020B0604030504040204" pitchFamily="34" charset="-120"/>
                 <a:ea typeface="Microsoft JhengHei" panose="020B0604030504040204" pitchFamily="34" charset="-120"/>
               </a:rPr>
               <a:t>我必領你 我必領你</a:t>
             </a:r>
             <a:endParaRPr lang="en-US" altLang="zh-TW" sz="5400" b="1" dirty="0">
+              <a:solidFill>
+                <a:srgbClr val="002060"/>
+              </a:solidFill>
               <a:latin typeface="Microsoft JhengHei" panose="020B0604030504040204" pitchFamily="34" charset="-120"/>
               <a:ea typeface="Microsoft JhengHei" panose="020B0604030504040204" pitchFamily="34" charset="-120"/>
             </a:endParaRPr>
@@ -3394,6 +3384,9 @@
             </a:pPr>
             <a:r>
               <a:rPr lang="zh-TW" altLang="en-US" sz="5400" b="1" dirty="0">
+                <a:solidFill>
+                  <a:srgbClr val="002060"/>
+                </a:solidFill>
                 <a:latin typeface="Microsoft JhengHei" panose="020B0604030504040204" pitchFamily="34" charset="-120"/>
                 <a:ea typeface="Microsoft JhengHei" panose="020B0604030504040204" pitchFamily="34" charset="-120"/>
               </a:rPr>
@@ -3406,12 +3399,18 @@
             </a:pPr>
             <a:r>
               <a:rPr lang="zh-TW" altLang="en-US" sz="5400" b="1" dirty="0">
+                <a:solidFill>
+                  <a:srgbClr val="002060"/>
+                </a:solidFill>
                 <a:latin typeface="Microsoft JhengHei" panose="020B0604030504040204" pitchFamily="34" charset="-120"/>
                 <a:ea typeface="Microsoft JhengHei" panose="020B0604030504040204" pitchFamily="34" charset="-120"/>
               </a:rPr>
               <a:t>一直走到迦南樂地</a:t>
             </a:r>
             <a:endParaRPr lang="en-US" altLang="zh-TW" sz="5400" b="1" dirty="0">
+              <a:solidFill>
+                <a:srgbClr val="002060"/>
+              </a:solidFill>
               <a:latin typeface="Microsoft JhengHei" panose="020B0604030504040204" pitchFamily="34" charset="-120"/>
               <a:ea typeface="Microsoft JhengHei" panose="020B0604030504040204" pitchFamily="34" charset="-120"/>
             </a:endParaRPr>
@@ -3422,6 +3421,9 @@
             </a:pPr>
             <a:r>
               <a:rPr lang="zh-TW" altLang="en-US" sz="5400" b="1" dirty="0">
+                <a:solidFill>
+                  <a:srgbClr val="002060"/>
+                </a:solidFill>
                 <a:latin typeface="Microsoft JhengHei" panose="020B0604030504040204" pitchFamily="34" charset="-120"/>
                 <a:ea typeface="Microsoft JhengHei" panose="020B0604030504040204" pitchFamily="34" charset="-120"/>
               </a:rPr>
@@ -3474,6 +3476,9 @@
           <a:p>
             <a:r>
               <a:rPr lang="zh-TW" altLang="en-US" sz="4800" b="1" dirty="0">
+                <a:solidFill>
+                  <a:srgbClr val="002060"/>
+                </a:solidFill>
                 <a:latin typeface="Microsoft JhengHei" panose="020B0604030504040204" pitchFamily="34" charset="-120"/>
                 <a:ea typeface="Microsoft JhengHei" panose="020B0604030504040204" pitchFamily="34" charset="-120"/>
               </a:rPr>
@@ -3504,12 +3509,38 @@
             </a:pPr>
             <a:r>
               <a:rPr lang="zh-TW" altLang="en-US" sz="5400" b="1" dirty="0">
+                <a:solidFill>
+                  <a:srgbClr val="002060"/>
+                </a:solidFill>
                 <a:latin typeface="Microsoft JhengHei" panose="020B0604030504040204" pitchFamily="34" charset="-120"/>
                 <a:ea typeface="Microsoft JhengHei" panose="020B0604030504040204" pitchFamily="34" charset="-120"/>
               </a:rPr>
-              <a:t>你若遇著諸般試煉</a:t>
+              <a:t>你若遇著諸</a:t>
+            </a:r>
+            <a:r>
+              <a:rPr lang="zh-TW" altLang="en-US" sz="5400" b="1" dirty="0" smtClean="0">
+                <a:solidFill>
+                  <a:srgbClr val="002060"/>
+                </a:solidFill>
+                <a:latin typeface="Microsoft JhengHei" panose="020B0604030504040204" pitchFamily="34" charset="-120"/>
+                <a:ea typeface="Microsoft JhengHei" panose="020B0604030504040204" pitchFamily="34" charset="-120"/>
+              </a:rPr>
+              <a:t>般</a:t>
+            </a:r>
+            <a:r>
+              <a:rPr lang="zh-CN" altLang="en-US" sz="5400" b="1" dirty="0">
+                <a:solidFill>
+                  <a:srgbClr val="002060"/>
+                </a:solidFill>
+                <a:latin typeface="Microsoft JhengHei" panose="020B0604030504040204" pitchFamily="34" charset="-120"/>
+                <a:ea typeface="Microsoft JhengHei" panose="020B0604030504040204" pitchFamily="34" charset="-120"/>
+              </a:rPr>
+              <a:t>危險</a:t>
             </a:r>
             <a:endParaRPr lang="en-US" altLang="zh-TW" sz="5400" b="1" dirty="0">
+              <a:solidFill>
+                <a:srgbClr val="002060"/>
+              </a:solidFill>
               <a:latin typeface="Microsoft JhengHei" panose="020B0604030504040204" pitchFamily="34" charset="-120"/>
               <a:ea typeface="Microsoft JhengHei" panose="020B0604030504040204" pitchFamily="34" charset="-120"/>
             </a:endParaRPr>
@@ -3520,6 +3551,9 @@
             </a:pPr>
             <a:r>
               <a:rPr lang="zh-TW" altLang="en-US" sz="5400" b="1" dirty="0">
+                <a:solidFill>
+                  <a:srgbClr val="002060"/>
+                </a:solidFill>
                 <a:latin typeface="Microsoft JhengHei" panose="020B0604030504040204" pitchFamily="34" charset="-120"/>
                 <a:ea typeface="Microsoft JhengHei" panose="020B0604030504040204" pitchFamily="34" charset="-120"/>
               </a:rPr>
@@ -3532,12 +3566,18 @@
             </a:pPr>
             <a:r>
               <a:rPr lang="zh-TW" altLang="en-US" sz="5400" b="1" dirty="0">
+                <a:solidFill>
+                  <a:srgbClr val="002060"/>
+                </a:solidFill>
                 <a:latin typeface="Microsoft JhengHei" panose="020B0604030504040204" pitchFamily="34" charset="-120"/>
                 <a:ea typeface="Microsoft JhengHei" panose="020B0604030504040204" pitchFamily="34" charset="-120"/>
               </a:rPr>
               <a:t>要想主言必定應驗</a:t>
             </a:r>
             <a:endParaRPr lang="en-US" altLang="zh-TW" sz="5400" b="1" dirty="0">
+              <a:solidFill>
+                <a:srgbClr val="002060"/>
+              </a:solidFill>
               <a:latin typeface="Microsoft JhengHei" panose="020B0604030504040204" pitchFamily="34" charset="-120"/>
               <a:ea typeface="Microsoft JhengHei" panose="020B0604030504040204" pitchFamily="34" charset="-120"/>
             </a:endParaRPr>
@@ -3548,6 +3588,9 @@
             </a:pPr>
             <a:r>
               <a:rPr lang="zh-TW" altLang="en-US" sz="5400" b="1" dirty="0">
+                <a:solidFill>
+                  <a:srgbClr val="002060"/>
+                </a:solidFill>
                 <a:latin typeface="Microsoft JhengHei" panose="020B0604030504040204" pitchFamily="34" charset="-120"/>
                 <a:ea typeface="Microsoft JhengHei" panose="020B0604030504040204" pitchFamily="34" charset="-120"/>
               </a:rPr>
@@ -3579,14 +3622,26 @@
           <a:lstStyle/>
           <a:p>
             <a:r>
-              <a:rPr lang="en-US" sz="5400" b="1" dirty="0"/>
+              <a:rPr lang="en-US" sz="5400" b="1" dirty="0">
+                <a:solidFill>
+                  <a:srgbClr val="002060"/>
+                </a:solidFill>
+              </a:rPr>
               <a:t>2</a:t>
             </a:r>
             <a:r>
-              <a:rPr lang="en-US" sz="5400" b="1" dirty="0" smtClean="0"/>
+              <a:rPr lang="en-US" sz="5400" b="1" dirty="0" smtClean="0">
+                <a:solidFill>
+                  <a:srgbClr val="002060"/>
+                </a:solidFill>
+              </a:rPr>
               <a:t>.</a:t>
             </a:r>
-            <a:endParaRPr lang="vi-VN" sz="5400" b="1" dirty="0"/>
+            <a:endParaRPr lang="vi-VN" sz="5400" b="1" dirty="0">
+              <a:solidFill>
+                <a:srgbClr val="002060"/>
+              </a:solidFill>
+            </a:endParaRPr>
           </a:p>
         </p:txBody>
       </p:sp>
@@ -3634,6 +3689,9 @@
           <a:p>
             <a:r>
               <a:rPr lang="zh-TW" altLang="en-US" sz="4800" b="1" dirty="0">
+                <a:solidFill>
+                  <a:srgbClr val="002060"/>
+                </a:solidFill>
                 <a:latin typeface="Microsoft JhengHei" panose="020B0604030504040204" pitchFamily="34" charset="-120"/>
                 <a:ea typeface="Microsoft JhengHei" panose="020B0604030504040204" pitchFamily="34" charset="-120"/>
               </a:rPr>
@@ -3664,12 +3722,18 @@
             </a:pPr>
             <a:r>
               <a:rPr lang="zh-TW" altLang="en-US" sz="5400" b="1" dirty="0">
+                <a:solidFill>
+                  <a:srgbClr val="002060"/>
+                </a:solidFill>
                 <a:latin typeface="Microsoft JhengHei" panose="020B0604030504040204" pitchFamily="34" charset="-120"/>
                 <a:ea typeface="Microsoft JhengHei" panose="020B0604030504040204" pitchFamily="34" charset="-120"/>
               </a:rPr>
               <a:t>我必領你 我必領你</a:t>
             </a:r>
             <a:endParaRPr lang="en-US" altLang="zh-TW" sz="5400" b="1" dirty="0">
+              <a:solidFill>
+                <a:srgbClr val="002060"/>
+              </a:solidFill>
               <a:latin typeface="Microsoft JhengHei" panose="020B0604030504040204" pitchFamily="34" charset="-120"/>
               <a:ea typeface="Microsoft JhengHei" panose="020B0604030504040204" pitchFamily="34" charset="-120"/>
             </a:endParaRPr>
@@ -3680,6 +3744,9 @@
             </a:pPr>
             <a:r>
               <a:rPr lang="zh-TW" altLang="en-US" sz="5400" b="1" dirty="0">
+                <a:solidFill>
+                  <a:srgbClr val="002060"/>
+                </a:solidFill>
                 <a:latin typeface="Microsoft JhengHei" panose="020B0604030504040204" pitchFamily="34" charset="-120"/>
                 <a:ea typeface="Microsoft JhengHei" panose="020B0604030504040204" pitchFamily="34" charset="-120"/>
               </a:rPr>
@@ -3692,12 +3759,18 @@
             </a:pPr>
             <a:r>
               <a:rPr lang="zh-TW" altLang="en-US" sz="5400" b="1" dirty="0">
+                <a:solidFill>
+                  <a:srgbClr val="002060"/>
+                </a:solidFill>
                 <a:latin typeface="Microsoft JhengHei" panose="020B0604030504040204" pitchFamily="34" charset="-120"/>
                 <a:ea typeface="Microsoft JhengHei" panose="020B0604030504040204" pitchFamily="34" charset="-120"/>
               </a:rPr>
               <a:t>一直走到迦南樂地</a:t>
             </a:r>
             <a:endParaRPr lang="en-US" altLang="zh-TW" sz="5400" b="1" dirty="0">
+              <a:solidFill>
+                <a:srgbClr val="002060"/>
+              </a:solidFill>
               <a:latin typeface="Microsoft JhengHei" panose="020B0604030504040204" pitchFamily="34" charset="-120"/>
               <a:ea typeface="Microsoft JhengHei" panose="020B0604030504040204" pitchFamily="34" charset="-120"/>
             </a:endParaRPr>
@@ -3708,6 +3781,9 @@
             </a:pPr>
             <a:r>
               <a:rPr lang="zh-TW" altLang="en-US" sz="5400" b="1" dirty="0">
+                <a:solidFill>
+                  <a:srgbClr val="002060"/>
+                </a:solidFill>
                 <a:latin typeface="Microsoft JhengHei" panose="020B0604030504040204" pitchFamily="34" charset="-120"/>
                 <a:ea typeface="Microsoft JhengHei" panose="020B0604030504040204" pitchFamily="34" charset="-120"/>
               </a:rPr>
@@ -3760,6 +3836,9 @@
           <a:p>
             <a:r>
               <a:rPr lang="zh-TW" altLang="en-US" sz="4800" b="1" dirty="0">
+                <a:solidFill>
+                  <a:srgbClr val="002060"/>
+                </a:solidFill>
                 <a:latin typeface="Microsoft JhengHei" panose="020B0604030504040204" pitchFamily="34" charset="-120"/>
                 <a:ea typeface="Microsoft JhengHei" panose="020B0604030504040204" pitchFamily="34" charset="-120"/>
               </a:rPr>
@@ -3790,12 +3869,18 @@
             </a:pPr>
             <a:r>
               <a:rPr lang="zh-TW" altLang="en-US" sz="5400" b="1" dirty="0">
+                <a:solidFill>
+                  <a:srgbClr val="002060"/>
+                </a:solidFill>
                 <a:latin typeface="Microsoft JhengHei" panose="020B0604030504040204" pitchFamily="34" charset="-120"/>
                 <a:ea typeface="Microsoft JhengHei" panose="020B0604030504040204" pitchFamily="34" charset="-120"/>
               </a:rPr>
               <a:t>你所盼望或不成全</a:t>
             </a:r>
             <a:endParaRPr lang="en-US" altLang="zh-TW" sz="5400" b="1" dirty="0">
+              <a:solidFill>
+                <a:srgbClr val="002060"/>
+              </a:solidFill>
               <a:latin typeface="Microsoft JhengHei" panose="020B0604030504040204" pitchFamily="34" charset="-120"/>
               <a:ea typeface="Microsoft JhengHei" panose="020B0604030504040204" pitchFamily="34" charset="-120"/>
             </a:endParaRPr>
@@ -3806,6 +3891,9 @@
             </a:pPr>
             <a:r>
               <a:rPr lang="zh-TW" altLang="en-US" sz="5400" b="1" dirty="0">
+                <a:solidFill>
+                  <a:srgbClr val="002060"/>
+                </a:solidFill>
                 <a:latin typeface="Microsoft JhengHei" panose="020B0604030504040204" pitchFamily="34" charset="-120"/>
                 <a:ea typeface="Microsoft JhengHei" panose="020B0604030504040204" pitchFamily="34" charset="-120"/>
               </a:rPr>
@@ -3818,12 +3906,18 @@
             </a:pPr>
             <a:r>
               <a:rPr lang="zh-TW" altLang="en-US" sz="5400" b="1" dirty="0">
+                <a:solidFill>
+                  <a:srgbClr val="002060"/>
+                </a:solidFill>
                 <a:latin typeface="Microsoft JhengHei" panose="020B0604030504040204" pitchFamily="34" charset="-120"/>
                 <a:ea typeface="Microsoft JhengHei" panose="020B0604030504040204" pitchFamily="34" charset="-120"/>
               </a:rPr>
               <a:t>總要記得主的恩言</a:t>
             </a:r>
             <a:endParaRPr lang="en-US" altLang="zh-TW" sz="5400" b="1" dirty="0">
+              <a:solidFill>
+                <a:srgbClr val="002060"/>
+              </a:solidFill>
               <a:latin typeface="Microsoft JhengHei" panose="020B0604030504040204" pitchFamily="34" charset="-120"/>
               <a:ea typeface="Microsoft JhengHei" panose="020B0604030504040204" pitchFamily="34" charset="-120"/>
             </a:endParaRPr>
@@ -3834,6 +3928,9 @@
             </a:pPr>
             <a:r>
               <a:rPr lang="zh-TW" altLang="en-US" sz="5400" b="1" dirty="0">
+                <a:solidFill>
+                  <a:srgbClr val="002060"/>
+                </a:solidFill>
                 <a:latin typeface="Microsoft JhengHei" panose="020B0604030504040204" pitchFamily="34" charset="-120"/>
                 <a:ea typeface="Microsoft JhengHei" panose="020B0604030504040204" pitchFamily="34" charset="-120"/>
               </a:rPr>
@@ -3865,14 +3962,26 @@
           <a:lstStyle/>
           <a:p>
             <a:r>
-              <a:rPr lang="en-US" sz="5400" b="1" dirty="0"/>
+              <a:rPr lang="en-US" sz="5400" b="1" dirty="0">
+                <a:solidFill>
+                  <a:srgbClr val="002060"/>
+                </a:solidFill>
+              </a:rPr>
               <a:t>3</a:t>
             </a:r>
             <a:r>
-              <a:rPr lang="en-US" sz="5400" b="1" dirty="0" smtClean="0"/>
+              <a:rPr lang="en-US" sz="5400" b="1" dirty="0" smtClean="0">
+                <a:solidFill>
+                  <a:srgbClr val="002060"/>
+                </a:solidFill>
+              </a:rPr>
               <a:t>.</a:t>
             </a:r>
-            <a:endParaRPr lang="vi-VN" sz="5400" b="1" dirty="0"/>
+            <a:endParaRPr lang="vi-VN" sz="5400" b="1" dirty="0">
+              <a:solidFill>
+                <a:srgbClr val="002060"/>
+              </a:solidFill>
+            </a:endParaRPr>
           </a:p>
         </p:txBody>
       </p:sp>
@@ -3920,6 +4029,9 @@
           <a:p>
             <a:r>
               <a:rPr lang="zh-TW" altLang="en-US" sz="4800" b="1" dirty="0">
+                <a:solidFill>
+                  <a:srgbClr val="002060"/>
+                </a:solidFill>
                 <a:latin typeface="Microsoft JhengHei" panose="020B0604030504040204" pitchFamily="34" charset="-120"/>
                 <a:ea typeface="Microsoft JhengHei" panose="020B0604030504040204" pitchFamily="34" charset="-120"/>
               </a:rPr>
@@ -3950,12 +4062,18 @@
             </a:pPr>
             <a:r>
               <a:rPr lang="zh-TW" altLang="en-US" sz="5400" b="1" dirty="0">
+                <a:solidFill>
+                  <a:srgbClr val="002060"/>
+                </a:solidFill>
                 <a:latin typeface="Microsoft JhengHei" panose="020B0604030504040204" pitchFamily="34" charset="-120"/>
                 <a:ea typeface="Microsoft JhengHei" panose="020B0604030504040204" pitchFamily="34" charset="-120"/>
               </a:rPr>
               <a:t>我必領你 我必領你</a:t>
             </a:r>
             <a:endParaRPr lang="en-US" altLang="zh-TW" sz="5400" b="1" dirty="0">
+              <a:solidFill>
+                <a:srgbClr val="002060"/>
+              </a:solidFill>
               <a:latin typeface="Microsoft JhengHei" panose="020B0604030504040204" pitchFamily="34" charset="-120"/>
               <a:ea typeface="Microsoft JhengHei" panose="020B0604030504040204" pitchFamily="34" charset="-120"/>
             </a:endParaRPr>
@@ -3966,6 +4084,9 @@
             </a:pPr>
             <a:r>
               <a:rPr lang="zh-TW" altLang="en-US" sz="5400" b="1" dirty="0">
+                <a:solidFill>
+                  <a:srgbClr val="002060"/>
+                </a:solidFill>
                 <a:latin typeface="Microsoft JhengHei" panose="020B0604030504040204" pitchFamily="34" charset="-120"/>
                 <a:ea typeface="Microsoft JhengHei" panose="020B0604030504040204" pitchFamily="34" charset="-120"/>
               </a:rPr>
@@ -3978,12 +4099,18 @@
             </a:pPr>
             <a:r>
               <a:rPr lang="zh-TW" altLang="en-US" sz="5400" b="1" dirty="0">
+                <a:solidFill>
+                  <a:srgbClr val="002060"/>
+                </a:solidFill>
                 <a:latin typeface="Microsoft JhengHei" panose="020B0604030504040204" pitchFamily="34" charset="-120"/>
                 <a:ea typeface="Microsoft JhengHei" panose="020B0604030504040204" pitchFamily="34" charset="-120"/>
               </a:rPr>
               <a:t>一直走到迦南樂地</a:t>
             </a:r>
             <a:endParaRPr lang="en-US" altLang="zh-TW" sz="5400" b="1" dirty="0">
+              <a:solidFill>
+                <a:srgbClr val="002060"/>
+              </a:solidFill>
               <a:latin typeface="Microsoft JhengHei" panose="020B0604030504040204" pitchFamily="34" charset="-120"/>
               <a:ea typeface="Microsoft JhengHei" panose="020B0604030504040204" pitchFamily="34" charset="-120"/>
             </a:endParaRPr>
@@ -3994,292 +4121,9 @@
             </a:pPr>
             <a:r>
               <a:rPr lang="zh-TW" altLang="en-US" sz="5400" b="1" dirty="0">
-                <a:latin typeface="Microsoft JhengHei" panose="020B0604030504040204" pitchFamily="34" charset="-120"/>
-                <a:ea typeface="Microsoft JhengHei" panose="020B0604030504040204" pitchFamily="34" charset="-120"/>
-              </a:rPr>
-              <a:t>我的眼睛常看顧</a:t>
-            </a:r>
-          </a:p>
-        </p:txBody>
-      </p:sp>
-    </p:spTree>
-  </p:cSld>
-  <p:clrMapOvr>
-    <a:masterClrMapping/>
-  </p:clrMapOvr>
-</p:sld>
-</file>
-
-<file path=ppt/slides/slide7.xml><?xml version="1.0" encoding="utf-8"?>
-<p:sld xmlns:a="http://schemas.openxmlformats.org/drawingml/2006/main" xmlns:r="http://schemas.openxmlformats.org/officeDocument/2006/relationships" xmlns:p="http://schemas.openxmlformats.org/presentationml/2006/main">
-  <p:cSld>
-    <p:spTree>
-      <p:nvGrpSpPr>
-        <p:cNvPr id="1" name=""/>
-        <p:cNvGrpSpPr/>
-        <p:nvPr/>
-      </p:nvGrpSpPr>
-      <p:grpSpPr>
-        <a:xfrm>
-          <a:off x="0" y="0"/>
-          <a:ext cx="0" cy="0"/>
-          <a:chOff x="0" y="0"/>
-          <a:chExt cx="0" cy="0"/>
-        </a:xfrm>
-      </p:grpSpPr>
-      <p:sp>
-        <p:nvSpPr>
-          <p:cNvPr id="4" name="標題 3"/>
-          <p:cNvSpPr>
-            <a:spLocks noGrp="1"/>
-          </p:cNvSpPr>
-          <p:nvPr>
-            <p:ph type="title"/>
-          </p:nvPr>
-        </p:nvSpPr>
-        <p:spPr/>
-        <p:txBody>
-          <a:bodyPr>
-            <a:normAutofit/>
-          </a:bodyPr>
-          <a:lstStyle/>
-          <a:p>
-            <a:r>
-              <a:rPr lang="zh-TW" altLang="en-US" sz="4800" b="1" dirty="0">
-                <a:latin typeface="Microsoft JhengHei" panose="020B0604030504040204" pitchFamily="34" charset="-120"/>
-                <a:ea typeface="Microsoft JhengHei" panose="020B0604030504040204" pitchFamily="34" charset="-120"/>
-              </a:rPr>
-              <a:t>主眼看顧</a:t>
-            </a:r>
-          </a:p>
-        </p:txBody>
-      </p:sp>
-      <p:sp>
-        <p:nvSpPr>
-          <p:cNvPr id="5" name="內容版面配置區 4"/>
-          <p:cNvSpPr>
-            <a:spLocks noGrp="1"/>
-          </p:cNvSpPr>
-          <p:nvPr>
-            <p:ph idx="1"/>
-          </p:nvPr>
-        </p:nvSpPr>
-        <p:spPr/>
-        <p:txBody>
-          <a:bodyPr>
-            <a:normAutofit/>
-          </a:bodyPr>
-          <a:lstStyle/>
-          <a:p>
-            <a:pPr algn="ctr">
-              <a:buNone/>
-            </a:pPr>
-            <a:r>
-              <a:rPr lang="zh-TW" altLang="en-US" sz="5400" b="1" dirty="0">
-                <a:latin typeface="Microsoft JhengHei" panose="020B0604030504040204" pitchFamily="34" charset="-120"/>
-                <a:ea typeface="Microsoft JhengHei" panose="020B0604030504040204" pitchFamily="34" charset="-120"/>
-              </a:rPr>
-              <a:t>人生道路走到盡頭</a:t>
-            </a:r>
-            <a:endParaRPr lang="en-US" altLang="zh-TW" sz="5400" b="1" dirty="0">
-              <a:latin typeface="Microsoft JhengHei" panose="020B0604030504040204" pitchFamily="34" charset="-120"/>
-              <a:ea typeface="Microsoft JhengHei" panose="020B0604030504040204" pitchFamily="34" charset="-120"/>
-            </a:endParaRPr>
-          </a:p>
-          <a:p>
-            <a:pPr algn="ctr">
-              <a:buNone/>
-            </a:pPr>
-            <a:r>
-              <a:rPr lang="zh-TW" altLang="en-US" sz="5400" b="1" dirty="0">
-                <a:latin typeface="Microsoft JhengHei" panose="020B0604030504040204" pitchFamily="34" charset="-120"/>
-                <a:ea typeface="Microsoft JhengHei" panose="020B0604030504040204" pitchFamily="34" charset="-120"/>
-              </a:rPr>
-              <a:t>死亡大限在眼前</a:t>
-            </a:r>
-          </a:p>
-          <a:p>
-            <a:pPr algn="ctr">
-              <a:buNone/>
-            </a:pPr>
-            <a:r>
-              <a:rPr lang="zh-TW" altLang="en-US" sz="5400" b="1" dirty="0">
-                <a:latin typeface="Microsoft JhengHei" panose="020B0604030504040204" pitchFamily="34" charset="-120"/>
-                <a:ea typeface="Microsoft JhengHei" panose="020B0604030504040204" pitchFamily="34" charset="-120"/>
-              </a:rPr>
-              <a:t>請聽恩主微聲說道</a:t>
-            </a:r>
-            <a:endParaRPr lang="en-US" altLang="zh-TW" sz="5400" b="1" dirty="0">
-              <a:latin typeface="Microsoft JhengHei" panose="020B0604030504040204" pitchFamily="34" charset="-120"/>
-              <a:ea typeface="Microsoft JhengHei" panose="020B0604030504040204" pitchFamily="34" charset="-120"/>
-            </a:endParaRPr>
-          </a:p>
-          <a:p>
-            <a:pPr algn="ctr">
-              <a:buNone/>
-            </a:pPr>
-            <a:r>
-              <a:rPr lang="zh-TW" altLang="en-US" sz="5400" b="1" dirty="0">
-                <a:latin typeface="Microsoft JhengHei" panose="020B0604030504040204" pitchFamily="34" charset="-120"/>
-                <a:ea typeface="Microsoft JhengHei" panose="020B0604030504040204" pitchFamily="34" charset="-120"/>
-              </a:rPr>
-              <a:t>我的眼睛常看顧</a:t>
-            </a:r>
-          </a:p>
-        </p:txBody>
-      </p:sp>
-      <p:sp>
-        <p:nvSpPr>
-          <p:cNvPr id="6" name="TextBox 5"/>
-          <p:cNvSpPr txBox="1"/>
-          <p:nvPr/>
-        </p:nvSpPr>
-        <p:spPr>
-          <a:xfrm>
-            <a:off x="1343472" y="1624645"/>
-            <a:ext cx="864096" cy="923330"/>
-          </a:xfrm>
-          <a:prstGeom prst="rect">
-            <a:avLst/>
-          </a:prstGeom>
-          <a:noFill/>
-        </p:spPr>
-        <p:txBody>
-          <a:bodyPr wrap="square" rtlCol="0">
-            <a:spAutoFit/>
-          </a:bodyPr>
-          <a:lstStyle/>
-          <a:p>
-            <a:r>
-              <a:rPr lang="en-US" sz="5400" b="1" dirty="0"/>
-              <a:t>4</a:t>
-            </a:r>
-            <a:r>
-              <a:rPr lang="en-US" sz="5400" b="1" dirty="0" smtClean="0"/>
-              <a:t>.</a:t>
-            </a:r>
-            <a:endParaRPr lang="vi-VN" sz="5400" b="1" dirty="0"/>
-          </a:p>
-        </p:txBody>
-      </p:sp>
-    </p:spTree>
-  </p:cSld>
-  <p:clrMapOvr>
-    <a:masterClrMapping/>
-  </p:clrMapOvr>
-</p:sld>
-</file>
-
-<file path=ppt/slides/slide8.xml><?xml version="1.0" encoding="utf-8"?>
-<p:sld xmlns:a="http://schemas.openxmlformats.org/drawingml/2006/main" xmlns:r="http://schemas.openxmlformats.org/officeDocument/2006/relationships" xmlns:p="http://schemas.openxmlformats.org/presentationml/2006/main">
-  <p:cSld>
-    <p:spTree>
-      <p:nvGrpSpPr>
-        <p:cNvPr id="1" name=""/>
-        <p:cNvGrpSpPr/>
-        <p:nvPr/>
-      </p:nvGrpSpPr>
-      <p:grpSpPr>
-        <a:xfrm>
-          <a:off x="0" y="0"/>
-          <a:ext cx="0" cy="0"/>
-          <a:chOff x="0" y="0"/>
-          <a:chExt cx="0" cy="0"/>
-        </a:xfrm>
-      </p:grpSpPr>
-      <p:sp>
-        <p:nvSpPr>
-          <p:cNvPr id="4" name="標題 3"/>
-          <p:cNvSpPr>
-            <a:spLocks noGrp="1"/>
-          </p:cNvSpPr>
-          <p:nvPr>
-            <p:ph type="title"/>
-          </p:nvPr>
-        </p:nvSpPr>
-        <p:spPr/>
-        <p:txBody>
-          <a:bodyPr>
-            <a:normAutofit/>
-          </a:bodyPr>
-          <a:lstStyle/>
-          <a:p>
-            <a:r>
-              <a:rPr lang="zh-TW" altLang="en-US" sz="4800" b="1" dirty="0">
-                <a:latin typeface="Microsoft JhengHei" panose="020B0604030504040204" pitchFamily="34" charset="-120"/>
-                <a:ea typeface="Microsoft JhengHei" panose="020B0604030504040204" pitchFamily="34" charset="-120"/>
-              </a:rPr>
-              <a:t>主眼看顧</a:t>
-            </a:r>
-          </a:p>
-        </p:txBody>
-      </p:sp>
-      <p:sp>
-        <p:nvSpPr>
-          <p:cNvPr id="5" name="內容版面配置區 4"/>
-          <p:cNvSpPr>
-            <a:spLocks noGrp="1"/>
-          </p:cNvSpPr>
-          <p:nvPr>
-            <p:ph idx="1"/>
-          </p:nvPr>
-        </p:nvSpPr>
-        <p:spPr/>
-        <p:txBody>
-          <a:bodyPr>
-            <a:normAutofit/>
-          </a:bodyPr>
-          <a:lstStyle/>
-          <a:p>
-            <a:pPr algn="ctr">
-              <a:buNone/>
-            </a:pPr>
-            <a:r>
-              <a:rPr lang="zh-TW" altLang="en-US" sz="5400" b="1" dirty="0">
-                <a:latin typeface="Microsoft JhengHei" panose="020B0604030504040204" pitchFamily="34" charset="-120"/>
-                <a:ea typeface="Microsoft JhengHei" panose="020B0604030504040204" pitchFamily="34" charset="-120"/>
-              </a:rPr>
-              <a:t>我必領你 我必領你</a:t>
-            </a:r>
-            <a:endParaRPr lang="en-US" altLang="zh-TW" sz="5400" b="1" dirty="0">
-              <a:latin typeface="Microsoft JhengHei" panose="020B0604030504040204" pitchFamily="34" charset="-120"/>
-              <a:ea typeface="Microsoft JhengHei" panose="020B0604030504040204" pitchFamily="34" charset="-120"/>
-            </a:endParaRPr>
-          </a:p>
-          <a:p>
-            <a:pPr algn="ctr">
-              <a:buNone/>
-            </a:pPr>
-            <a:r>
-              <a:rPr lang="zh-TW" altLang="en-US" sz="5400" b="1" dirty="0">
-                <a:latin typeface="Microsoft JhengHei" panose="020B0604030504040204" pitchFamily="34" charset="-120"/>
-                <a:ea typeface="Microsoft JhengHei" panose="020B0604030504040204" pitchFamily="34" charset="-120"/>
-              </a:rPr>
-              <a:t>我的眼睛常看顧</a:t>
-            </a:r>
-          </a:p>
-          <a:p>
-            <a:pPr algn="ctr">
-              <a:buNone/>
-            </a:pPr>
-            <a:r>
-              <a:rPr lang="zh-TW" altLang="en-US" sz="5400" b="1" dirty="0">
-                <a:latin typeface="Microsoft JhengHei" panose="020B0604030504040204" pitchFamily="34" charset="-120"/>
-                <a:ea typeface="Microsoft JhengHei" panose="020B0604030504040204" pitchFamily="34" charset="-120"/>
-              </a:rPr>
-              <a:t>一直走到迦南樂地</a:t>
-            </a:r>
-            <a:endParaRPr lang="en-US" altLang="zh-TW" sz="5400" b="1" dirty="0">
-              <a:latin typeface="Microsoft JhengHei" panose="020B0604030504040204" pitchFamily="34" charset="-120"/>
-              <a:ea typeface="Microsoft JhengHei" panose="020B0604030504040204" pitchFamily="34" charset="-120"/>
-            </a:endParaRPr>
-          </a:p>
-          <a:p>
-            <a:pPr algn="ctr">
-              <a:buNone/>
-            </a:pPr>
-            <a:r>
-              <a:rPr lang="zh-TW" altLang="en-US" sz="5400" b="1" dirty="0">
+                <a:solidFill>
+                  <a:srgbClr val="002060"/>
+                </a:solidFill>
                 <a:latin typeface="Microsoft JhengHei" panose="020B0604030504040204" pitchFamily="34" charset="-120"/>
                 <a:ea typeface="Microsoft JhengHei" panose="020B0604030504040204" pitchFamily="34" charset="-120"/>
               </a:rPr>

--- a/宣道詩/(宣道詩68)主眼看顧.pptx
+++ b/宣道詩/(宣道詩68)主眼看顧.pptx
@@ -5,12 +5,19 @@
     <p:sldMasterId id="2147483672" r:id="rId1"/>
   </p:sldMasterIdLst>
   <p:sldIdLst>
-    <p:sldId id="256" r:id="rId2"/>
-    <p:sldId id="257" r:id="rId3"/>
-    <p:sldId id="258" r:id="rId4"/>
-    <p:sldId id="259" r:id="rId5"/>
-    <p:sldId id="260" r:id="rId6"/>
-    <p:sldId id="261" r:id="rId7"/>
+    <p:sldId id="262" r:id="rId2"/>
+    <p:sldId id="263" r:id="rId3"/>
+    <p:sldId id="264" r:id="rId4"/>
+    <p:sldId id="265" r:id="rId5"/>
+    <p:sldId id="266" r:id="rId6"/>
+    <p:sldId id="267" r:id="rId7"/>
+    <p:sldId id="268" r:id="rId8"/>
+    <p:sldId id="269" r:id="rId9"/>
+    <p:sldId id="270" r:id="rId10"/>
+    <p:sldId id="271" r:id="rId11"/>
+    <p:sldId id="272" r:id="rId12"/>
+    <p:sldId id="273" r:id="rId13"/>
+    <p:sldId id="274" r:id="rId14"/>
   </p:sldIdLst>
   <p:sldSz cx="12192000" cy="6858000"/>
   <p:notesSz cx="6858000" cy="9144000"/>
@@ -309,7 +316,7 @@
           <a:p>
             <a:fld id="{182E561B-25C0-44B8-B906-32A2ED04DD3C}" type="datetimeFigureOut">
               <a:rPr lang="zh-TW" altLang="en-US" smtClean="0"/>
-              <a:t>2020/9/4</a:t>
+              <a:t>2021/6/22</a:t>
             </a:fld>
             <a:endParaRPr lang="zh-TW" altLang="en-US"/>
           </a:p>
@@ -479,7 +486,7 @@
           <a:p>
             <a:fld id="{182E561B-25C0-44B8-B906-32A2ED04DD3C}" type="datetimeFigureOut">
               <a:rPr lang="zh-TW" altLang="en-US" smtClean="0"/>
-              <a:t>2020/9/4</a:t>
+              <a:t>2021/6/22</a:t>
             </a:fld>
             <a:endParaRPr lang="zh-TW" altLang="en-US"/>
           </a:p>
@@ -659,7 +666,7 @@
           <a:p>
             <a:fld id="{182E561B-25C0-44B8-B906-32A2ED04DD3C}" type="datetimeFigureOut">
               <a:rPr lang="zh-TW" altLang="en-US" smtClean="0"/>
-              <a:t>2020/9/4</a:t>
+              <a:t>2021/6/22</a:t>
             </a:fld>
             <a:endParaRPr lang="zh-TW" altLang="en-US"/>
           </a:p>
@@ -829,7 +836,7 @@
           <a:p>
             <a:fld id="{182E561B-25C0-44B8-B906-32A2ED04DD3C}" type="datetimeFigureOut">
               <a:rPr lang="zh-TW" altLang="en-US" smtClean="0"/>
-              <a:t>2020/9/4</a:t>
+              <a:t>2021/6/22</a:t>
             </a:fld>
             <a:endParaRPr lang="zh-TW" altLang="en-US"/>
           </a:p>
@@ -1075,7 +1082,7 @@
           <a:p>
             <a:fld id="{182E561B-25C0-44B8-B906-32A2ED04DD3C}" type="datetimeFigureOut">
               <a:rPr lang="zh-TW" altLang="en-US" smtClean="0"/>
-              <a:t>2020/9/4</a:t>
+              <a:t>2021/6/22</a:t>
             </a:fld>
             <a:endParaRPr lang="zh-TW" altLang="en-US"/>
           </a:p>
@@ -1363,7 +1370,7 @@
           <a:p>
             <a:fld id="{182E561B-25C0-44B8-B906-32A2ED04DD3C}" type="datetimeFigureOut">
               <a:rPr lang="zh-TW" altLang="en-US" smtClean="0"/>
-              <a:t>2020/9/4</a:t>
+              <a:t>2021/6/22</a:t>
             </a:fld>
             <a:endParaRPr lang="zh-TW" altLang="en-US"/>
           </a:p>
@@ -1785,7 +1792,7 @@
           <a:p>
             <a:fld id="{182E561B-25C0-44B8-B906-32A2ED04DD3C}" type="datetimeFigureOut">
               <a:rPr lang="zh-TW" altLang="en-US" smtClean="0"/>
-              <a:t>2020/9/4</a:t>
+              <a:t>2021/6/22</a:t>
             </a:fld>
             <a:endParaRPr lang="zh-TW" altLang="en-US"/>
           </a:p>
@@ -1903,7 +1910,7 @@
           <a:p>
             <a:fld id="{182E561B-25C0-44B8-B906-32A2ED04DD3C}" type="datetimeFigureOut">
               <a:rPr lang="zh-TW" altLang="en-US" smtClean="0"/>
-              <a:t>2020/9/4</a:t>
+              <a:t>2021/6/22</a:t>
             </a:fld>
             <a:endParaRPr lang="zh-TW" altLang="en-US"/>
           </a:p>
@@ -1998,7 +2005,7 @@
           <a:p>
             <a:fld id="{182E561B-25C0-44B8-B906-32A2ED04DD3C}" type="datetimeFigureOut">
               <a:rPr lang="zh-TW" altLang="en-US" smtClean="0"/>
-              <a:t>2020/9/4</a:t>
+              <a:t>2021/6/22</a:t>
             </a:fld>
             <a:endParaRPr lang="zh-TW" altLang="en-US"/>
           </a:p>
@@ -2275,7 +2282,7 @@
           <a:p>
             <a:fld id="{182E561B-25C0-44B8-B906-32A2ED04DD3C}" type="datetimeFigureOut">
               <a:rPr lang="zh-TW" altLang="en-US" smtClean="0"/>
-              <a:t>2020/9/4</a:t>
+              <a:t>2021/6/22</a:t>
             </a:fld>
             <a:endParaRPr lang="zh-TW" altLang="en-US"/>
           </a:p>
@@ -2532,7 +2539,7 @@
           <a:p>
             <a:fld id="{182E561B-25C0-44B8-B906-32A2ED04DD3C}" type="datetimeFigureOut">
               <a:rPr lang="zh-TW" altLang="en-US" smtClean="0"/>
-              <a:t>2020/9/4</a:t>
+              <a:t>2021/6/22</a:t>
             </a:fld>
             <a:endParaRPr lang="zh-TW" altLang="en-US"/>
           </a:p>
@@ -2750,7 +2757,7 @@
           <a:p>
             <a:fld id="{182E561B-25C0-44B8-B906-32A2ED04DD3C}" type="datetimeFigureOut">
               <a:rPr lang="zh-TW" altLang="en-US" smtClean="0"/>
-              <a:t>2020/9/4</a:t>
+              <a:t>2021/6/22</a:t>
             </a:fld>
             <a:endParaRPr lang="zh-TW" altLang="en-US"/>
           </a:p>
@@ -3135,62 +3142,200 @@
             <p:ph type="title"/>
           </p:nvPr>
         </p:nvSpPr>
-        <p:spPr/>
+        <p:spPr>
+          <a:xfrm>
+            <a:off x="0" y="2564904"/>
+            <a:ext cx="12192000" cy="1143000"/>
+          </a:xfrm>
+        </p:spPr>
         <p:txBody>
           <a:bodyPr>
+            <a:noAutofit/>
+          </a:bodyPr>
+          <a:lstStyle/>
+          <a:p>
+            <a:r>
+              <a:rPr lang="zh-CN" altLang="en-US" sz="5333" b="1" u="sng" dirty="0">
+                <a:solidFill>
+                  <a:srgbClr val="000066"/>
+                </a:solidFill>
+                <a:effectLst>
+                  <a:outerShdw blurRad="38100" dist="38100" dir="2700000" algn="tl">
+                    <a:srgbClr val="000000">
+                      <a:alpha val="43137"/>
+                    </a:srgbClr>
+                  </a:outerShdw>
+                </a:effectLst>
+                <a:latin typeface="微軟正黑體" pitchFamily="34" charset="-120"/>
+                <a:ea typeface="微軟正黑體" pitchFamily="34" charset="-120"/>
+              </a:rPr>
+              <a:t>宣道詩 </a:t>
+            </a:r>
+            <a:r>
+              <a:rPr lang="en-US" altLang="zh-CN" sz="5333" b="1" u="sng" dirty="0" smtClean="0">
+                <a:solidFill>
+                  <a:srgbClr val="000066"/>
+                </a:solidFill>
+                <a:effectLst>
+                  <a:outerShdw blurRad="38100" dist="38100" dir="2700000" algn="tl">
+                    <a:srgbClr val="000000">
+                      <a:alpha val="43137"/>
+                    </a:srgbClr>
+                  </a:outerShdw>
+                </a:effectLst>
+                <a:latin typeface="微軟正黑體" pitchFamily="34" charset="-120"/>
+                <a:ea typeface="微軟正黑體" pitchFamily="34" charset="-120"/>
+              </a:rPr>
+              <a:t>68</a:t>
+            </a:r>
+            <a:r>
+              <a:rPr lang="en-US" altLang="zh-CN" sz="7200" b="1" i="1" dirty="0">
+                <a:solidFill>
+                  <a:srgbClr val="660033"/>
+                </a:solidFill>
+                <a:effectLst>
+                  <a:outerShdw blurRad="38100" dist="38100" dir="2700000" algn="tl">
+                    <a:srgbClr val="000000">
+                      <a:alpha val="43137"/>
+                    </a:srgbClr>
+                  </a:outerShdw>
+                </a:effectLst>
+                <a:latin typeface="微軟正黑體" pitchFamily="34" charset="-120"/>
+                <a:ea typeface="微軟正黑體" pitchFamily="34" charset="-120"/>
+              </a:rPr>
+              <a:t/>
+            </a:r>
+            <a:br>
+              <a:rPr lang="en-US" altLang="zh-CN" sz="7200" b="1" i="1" dirty="0">
+                <a:solidFill>
+                  <a:srgbClr val="660033"/>
+                </a:solidFill>
+                <a:effectLst>
+                  <a:outerShdw blurRad="38100" dist="38100" dir="2700000" algn="tl">
+                    <a:srgbClr val="000000">
+                      <a:alpha val="43137"/>
+                    </a:srgbClr>
+                  </a:outerShdw>
+                </a:effectLst>
+                <a:latin typeface="微軟正黑體" pitchFamily="34" charset="-120"/>
+                <a:ea typeface="微軟正黑體" pitchFamily="34" charset="-120"/>
+              </a:rPr>
+            </a:br>
+            <a:r>
+              <a:rPr lang="zh-TW" altLang="en-US" sz="8000" b="1" dirty="0" smtClean="0">
+                <a:solidFill>
+                  <a:srgbClr val="660033"/>
+                </a:solidFill>
+                <a:effectLst>
+                  <a:outerShdw blurRad="38100" dist="38100" dir="2700000" algn="tl">
+                    <a:srgbClr val="000000">
+                      <a:alpha val="43137"/>
+                    </a:srgbClr>
+                  </a:outerShdw>
+                </a:effectLst>
+                <a:latin typeface="微軟正黑體" pitchFamily="34" charset="-120"/>
+                <a:ea typeface="微軟正黑體" pitchFamily="34" charset="-120"/>
+              </a:rPr>
+              <a:t>主</a:t>
+            </a:r>
+            <a:r>
+              <a:rPr lang="zh-TW" altLang="en-US" sz="8000" b="1" dirty="0">
+                <a:solidFill>
+                  <a:srgbClr val="660033"/>
+                </a:solidFill>
+                <a:effectLst>
+                  <a:outerShdw blurRad="38100" dist="38100" dir="2700000" algn="tl">
+                    <a:srgbClr val="000000">
+                      <a:alpha val="43137"/>
+                    </a:srgbClr>
+                  </a:outerShdw>
+                </a:effectLst>
+                <a:latin typeface="微軟正黑體" pitchFamily="34" charset="-120"/>
+                <a:ea typeface="微軟正黑體" pitchFamily="34" charset="-120"/>
+              </a:rPr>
+              <a:t>眼看顧</a:t>
+            </a:r>
+          </a:p>
+        </p:txBody>
+      </p:sp>
+    </p:spTree>
+    <p:extLst>
+      <p:ext uri="{BB962C8B-B14F-4D97-AF65-F5344CB8AC3E}">
+        <p14:creationId xmlns:p14="http://schemas.microsoft.com/office/powerpoint/2010/main" val="3728204905"/>
+      </p:ext>
+    </p:extLst>
+  </p:cSld>
+  <p:clrMapOvr>
+    <a:masterClrMapping/>
+  </p:clrMapOvr>
+  <p:timing>
+    <p:tnLst>
+      <p:par>
+        <p:cTn id="1" dur="indefinite" restart="never" nodeType="tmRoot"/>
+      </p:par>
+    </p:tnLst>
+  </p:timing>
+</p:sld>
+</file>
+
+<file path=ppt/slides/slide10.xml><?xml version="1.0" encoding="utf-8"?>
+<p:sld xmlns:a="http://schemas.openxmlformats.org/drawingml/2006/main" xmlns:r="http://schemas.openxmlformats.org/officeDocument/2006/relationships" xmlns:p="http://schemas.openxmlformats.org/presentationml/2006/main">
+  <p:cSld>
+    <p:spTree>
+      <p:nvGrpSpPr>
+        <p:cNvPr id="1" name=""/>
+        <p:cNvGrpSpPr/>
+        <p:nvPr/>
+      </p:nvGrpSpPr>
+      <p:grpSpPr>
+        <a:xfrm>
+          <a:off x="0" y="0"/>
+          <a:ext cx="0" cy="0"/>
+          <a:chOff x="0" y="0"/>
+          <a:chExt cx="0" cy="0"/>
+        </a:xfrm>
+      </p:grpSpPr>
+      <p:sp>
+        <p:nvSpPr>
+          <p:cNvPr id="5" name="內容版面配置區 4"/>
+          <p:cNvSpPr>
+            <a:spLocks noGrp="1"/>
+          </p:cNvSpPr>
+          <p:nvPr>
+            <p:ph idx="1"/>
+          </p:nvPr>
+        </p:nvSpPr>
+        <p:spPr>
+          <a:xfrm>
+            <a:off x="0" y="2084851"/>
+            <a:ext cx="12192000" cy="2404863"/>
+          </a:xfrm>
+        </p:spPr>
+        <p:txBody>
+          <a:bodyPr anchor="ctr">
             <a:normAutofit/>
           </a:bodyPr>
           <a:lstStyle/>
           <a:p>
-            <a:r>
-              <a:rPr lang="zh-TW" altLang="en-US" sz="4800" b="1" dirty="0">
-                <a:solidFill>
-                  <a:srgbClr val="002060"/>
-                </a:solidFill>
-                <a:latin typeface="Microsoft JhengHei" panose="020B0604030504040204" pitchFamily="34" charset="-120"/>
-                <a:ea typeface="Microsoft JhengHei" panose="020B0604030504040204" pitchFamily="34" charset="-120"/>
-              </a:rPr>
-              <a:t>主眼看顧</a:t>
-            </a:r>
-          </a:p>
-        </p:txBody>
-      </p:sp>
-      <p:sp>
-        <p:nvSpPr>
-          <p:cNvPr id="5" name="內容版面配置區 4"/>
-          <p:cNvSpPr>
-            <a:spLocks noGrp="1"/>
-          </p:cNvSpPr>
-          <p:nvPr>
-            <p:ph idx="1"/>
-          </p:nvPr>
-        </p:nvSpPr>
-        <p:spPr/>
-        <p:txBody>
-          <a:bodyPr>
-            <a:normAutofit/>
-          </a:bodyPr>
-          <a:lstStyle/>
-          <a:p>
             <a:pPr algn="ctr">
               <a:buNone/>
             </a:pPr>
             <a:r>
-              <a:rPr lang="zh-TW" altLang="en-US" sz="5400" b="1" dirty="0">
-                <a:solidFill>
-                  <a:srgbClr val="002060"/>
-                </a:solidFill>
-                <a:latin typeface="Microsoft JhengHei" panose="020B0604030504040204" pitchFamily="34" charset="-120"/>
-                <a:ea typeface="Microsoft JhengHei" panose="020B0604030504040204" pitchFamily="34" charset="-120"/>
-              </a:rPr>
-              <a:t>主所應許真是寶貴</a:t>
-            </a:r>
-            <a:endParaRPr lang="en-US" altLang="zh-TW" sz="5400" b="1" dirty="0">
+              <a:rPr lang="zh-TW" altLang="en-US" sz="6400" b="1" dirty="0">
+                <a:solidFill>
+                  <a:srgbClr val="660033"/>
+                </a:solidFill>
+                <a:latin typeface="Microsoft JhengHei" pitchFamily="34" charset="-120"/>
+                <a:ea typeface="Microsoft JhengHei" pitchFamily="34" charset="-120"/>
+              </a:rPr>
+              <a:t>你所盼望或不成全</a:t>
+            </a:r>
+            <a:endParaRPr lang="en-US" altLang="zh-TW" sz="6400" b="1" dirty="0">
               <a:solidFill>
-                <a:srgbClr val="002060"/>
+                <a:srgbClr val="660033"/>
               </a:solidFill>
-              <a:latin typeface="Microsoft JhengHei" panose="020B0604030504040204" pitchFamily="34" charset="-120"/>
-              <a:ea typeface="Microsoft JhengHei" panose="020B0604030504040204" pitchFamily="34" charset="-120"/>
+              <a:latin typeface="Microsoft JhengHei" pitchFamily="34" charset="-120"/>
+              <a:ea typeface="Microsoft JhengHei" pitchFamily="34" charset="-120"/>
             </a:endParaRPr>
           </a:p>
           <a:p>
@@ -3198,65 +3343,28 @@
               <a:buNone/>
             </a:pPr>
             <a:r>
-              <a:rPr lang="zh-TW" altLang="en-US" sz="5400" b="1" dirty="0">
-                <a:solidFill>
-                  <a:srgbClr val="002060"/>
-                </a:solidFill>
-                <a:latin typeface="Microsoft JhengHei" panose="020B0604030504040204" pitchFamily="34" charset="-120"/>
-                <a:ea typeface="Microsoft JhengHei" panose="020B0604030504040204" pitchFamily="34" charset="-120"/>
-              </a:rPr>
-              <a:t>安慰門徒行天路</a:t>
-            </a:r>
-          </a:p>
-          <a:p>
-            <a:pPr algn="ctr">
-              <a:buNone/>
-            </a:pPr>
-            <a:r>
-              <a:rPr lang="zh-TW" altLang="en-US" sz="5400" b="1" dirty="0">
-                <a:solidFill>
-                  <a:srgbClr val="002060"/>
-                </a:solidFill>
-                <a:latin typeface="Microsoft JhengHei" panose="020B0604030504040204" pitchFamily="34" charset="-120"/>
-                <a:ea typeface="Microsoft JhengHei" panose="020B0604030504040204" pitchFamily="34" charset="-120"/>
-              </a:rPr>
-              <a:t>就是說道 你的道路</a:t>
-            </a:r>
-            <a:endParaRPr lang="en-US" altLang="zh-TW" sz="5400" b="1" dirty="0">
-              <a:solidFill>
-                <a:srgbClr val="002060"/>
-              </a:solidFill>
-              <a:latin typeface="Microsoft JhengHei" panose="020B0604030504040204" pitchFamily="34" charset="-120"/>
-              <a:ea typeface="Microsoft JhengHei" panose="020B0604030504040204" pitchFamily="34" charset="-120"/>
-            </a:endParaRPr>
-          </a:p>
-          <a:p>
-            <a:pPr algn="ctr">
-              <a:buNone/>
-            </a:pPr>
-            <a:r>
-              <a:rPr lang="zh-TW" altLang="en-US" sz="5400" b="1" dirty="0">
-                <a:solidFill>
-                  <a:srgbClr val="002060"/>
-                </a:solidFill>
-                <a:latin typeface="Microsoft JhengHei" panose="020B0604030504040204" pitchFamily="34" charset="-120"/>
-                <a:ea typeface="Microsoft JhengHei" panose="020B0604030504040204" pitchFamily="34" charset="-120"/>
-              </a:rPr>
-              <a:t>我的眼睛常看顧</a:t>
-            </a:r>
-          </a:p>
-        </p:txBody>
-      </p:sp>
-      <p:sp>
-        <p:nvSpPr>
-          <p:cNvPr id="2" name="TextBox 1"/>
+              <a:rPr lang="zh-TW" altLang="en-US" sz="6400" b="1" dirty="0">
+                <a:solidFill>
+                  <a:srgbClr val="660033"/>
+                </a:solidFill>
+                <a:latin typeface="Microsoft JhengHei" pitchFamily="34" charset="-120"/>
+                <a:ea typeface="Microsoft JhengHei" pitchFamily="34" charset="-120"/>
+              </a:rPr>
+              <a:t>或想前進不知路</a:t>
+            </a:r>
+          </a:p>
+        </p:txBody>
+      </p:sp>
+      <p:sp>
+        <p:nvSpPr>
+          <p:cNvPr id="3" name="TextBox 2"/>
           <p:cNvSpPr txBox="1"/>
           <p:nvPr/>
         </p:nvSpPr>
         <p:spPr>
           <a:xfrm>
-            <a:off x="1343472" y="1624645"/>
-            <a:ext cx="864096" cy="923330"/>
+            <a:off x="0" y="5061182"/>
+            <a:ext cx="12192000" cy="830997"/>
           </a:xfrm>
           <a:prstGeom prst="rect">
             <a:avLst/>
@@ -3269,27 +3377,442 @@
           </a:bodyPr>
           <a:lstStyle/>
           <a:p>
-            <a:r>
-              <a:rPr lang="en-US" sz="5400" b="1" dirty="0" smtClean="0">
-                <a:solidFill>
-                  <a:srgbClr val="002060"/>
-                </a:solidFill>
-              </a:rPr>
-              <a:t>1.</a:t>
-            </a:r>
-            <a:endParaRPr lang="vi-VN" sz="5400" b="1" dirty="0">
+            <a:pPr algn="ctr"/>
+            <a:r>
+              <a:rPr lang="en-US" sz="4800" b="1" dirty="0">
+                <a:solidFill>
+                  <a:srgbClr val="660033"/>
+                </a:solidFill>
+              </a:rPr>
+              <a:t>( </a:t>
+            </a:r>
+            <a:r>
+              <a:rPr lang="en-US" sz="4800" b="1" dirty="0" smtClean="0">
+                <a:solidFill>
+                  <a:srgbClr val="660033"/>
+                </a:solidFill>
+              </a:rPr>
+              <a:t>3 </a:t>
+            </a:r>
+            <a:r>
+              <a:rPr lang="en-US" sz="4800" b="1" dirty="0">
+                <a:solidFill>
+                  <a:srgbClr val="660033"/>
+                </a:solidFill>
+              </a:rPr>
+              <a:t>)</a:t>
+            </a:r>
+            <a:endParaRPr lang="vi-VN" sz="4800" b="1" dirty="0">
               <a:solidFill>
-                <a:srgbClr val="002060"/>
+                <a:srgbClr val="660033"/>
               </a:solidFill>
             </a:endParaRPr>
           </a:p>
         </p:txBody>
       </p:sp>
     </p:spTree>
+    <p:extLst>
+      <p:ext uri="{BB962C8B-B14F-4D97-AF65-F5344CB8AC3E}">
+        <p14:creationId xmlns:p14="http://schemas.microsoft.com/office/powerpoint/2010/main" val="3788955540"/>
+      </p:ext>
+    </p:extLst>
   </p:cSld>
   <p:clrMapOvr>
     <a:masterClrMapping/>
   </p:clrMapOvr>
+  <p:timing>
+    <p:tnLst>
+      <p:par>
+        <p:cTn id="1" dur="indefinite" restart="never" nodeType="tmRoot"/>
+      </p:par>
+    </p:tnLst>
+  </p:timing>
+</p:sld>
+</file>
+
+<file path=ppt/slides/slide11.xml><?xml version="1.0" encoding="utf-8"?>
+<p:sld xmlns:a="http://schemas.openxmlformats.org/drawingml/2006/main" xmlns:r="http://schemas.openxmlformats.org/officeDocument/2006/relationships" xmlns:p="http://schemas.openxmlformats.org/presentationml/2006/main">
+  <p:cSld>
+    <p:spTree>
+      <p:nvGrpSpPr>
+        <p:cNvPr id="1" name=""/>
+        <p:cNvGrpSpPr/>
+        <p:nvPr/>
+      </p:nvGrpSpPr>
+      <p:grpSpPr>
+        <a:xfrm>
+          <a:off x="0" y="0"/>
+          <a:ext cx="0" cy="0"/>
+          <a:chOff x="0" y="0"/>
+          <a:chExt cx="0" cy="0"/>
+        </a:xfrm>
+      </p:grpSpPr>
+      <p:sp>
+        <p:nvSpPr>
+          <p:cNvPr id="5" name="內容版面配置區 4"/>
+          <p:cNvSpPr>
+            <a:spLocks noGrp="1"/>
+          </p:cNvSpPr>
+          <p:nvPr>
+            <p:ph idx="1"/>
+          </p:nvPr>
+        </p:nvSpPr>
+        <p:spPr>
+          <a:xfrm>
+            <a:off x="0" y="2084851"/>
+            <a:ext cx="12192000" cy="2404863"/>
+          </a:xfrm>
+        </p:spPr>
+        <p:txBody>
+          <a:bodyPr anchor="ctr">
+            <a:normAutofit/>
+          </a:bodyPr>
+          <a:lstStyle/>
+          <a:p>
+            <a:pPr algn="ctr">
+              <a:buNone/>
+            </a:pPr>
+            <a:r>
+              <a:rPr lang="zh-TW" altLang="en-US" sz="6400" b="1" dirty="0">
+                <a:solidFill>
+                  <a:srgbClr val="660033"/>
+                </a:solidFill>
+                <a:latin typeface="Microsoft JhengHei" pitchFamily="34" charset="-120"/>
+                <a:ea typeface="Microsoft JhengHei" pitchFamily="34" charset="-120"/>
+              </a:rPr>
+              <a:t>總要記</a:t>
+            </a:r>
+            <a:r>
+              <a:rPr lang="zh-TW" altLang="en-US" sz="6400" b="1" dirty="0">
+                <a:solidFill>
+                  <a:srgbClr val="660033"/>
+                </a:solidFill>
+                <a:latin typeface="Microsoft JhengHei" pitchFamily="34" charset="-120"/>
+                <a:ea typeface="Microsoft JhengHei" pitchFamily="34" charset="-120"/>
+              </a:rPr>
+              <a:t>得  主</a:t>
+            </a:r>
+            <a:r>
+              <a:rPr lang="zh-TW" altLang="en-US" sz="6400" b="1" dirty="0">
+                <a:solidFill>
+                  <a:srgbClr val="660033"/>
+                </a:solidFill>
+                <a:latin typeface="Microsoft JhengHei" pitchFamily="34" charset="-120"/>
+                <a:ea typeface="Microsoft JhengHei" pitchFamily="34" charset="-120"/>
+              </a:rPr>
+              <a:t>的恩言</a:t>
+            </a:r>
+            <a:endParaRPr lang="en-US" altLang="zh-TW" sz="6400" b="1" dirty="0">
+              <a:solidFill>
+                <a:srgbClr val="660033"/>
+              </a:solidFill>
+              <a:latin typeface="Microsoft JhengHei" pitchFamily="34" charset="-120"/>
+              <a:ea typeface="Microsoft JhengHei" pitchFamily="34" charset="-120"/>
+            </a:endParaRPr>
+          </a:p>
+          <a:p>
+            <a:pPr algn="ctr">
+              <a:buNone/>
+            </a:pPr>
+            <a:r>
+              <a:rPr lang="zh-TW" altLang="en-US" sz="6400" b="1" dirty="0">
+                <a:solidFill>
+                  <a:srgbClr val="660033"/>
+                </a:solidFill>
+                <a:latin typeface="Microsoft JhengHei" pitchFamily="34" charset="-120"/>
+                <a:ea typeface="Microsoft JhengHei" pitchFamily="34" charset="-120"/>
+              </a:rPr>
+              <a:t>我的眼睛常看顧</a:t>
+            </a:r>
+          </a:p>
+        </p:txBody>
+      </p:sp>
+      <p:sp>
+        <p:nvSpPr>
+          <p:cNvPr id="3" name="TextBox 2"/>
+          <p:cNvSpPr txBox="1"/>
+          <p:nvPr/>
+        </p:nvSpPr>
+        <p:spPr>
+          <a:xfrm>
+            <a:off x="0" y="5061182"/>
+            <a:ext cx="12192000" cy="830997"/>
+          </a:xfrm>
+          <a:prstGeom prst="rect">
+            <a:avLst/>
+          </a:prstGeom>
+          <a:noFill/>
+        </p:spPr>
+        <p:txBody>
+          <a:bodyPr wrap="square" rtlCol="0">
+            <a:spAutoFit/>
+          </a:bodyPr>
+          <a:lstStyle/>
+          <a:p>
+            <a:pPr algn="ctr"/>
+            <a:r>
+              <a:rPr lang="en-US" sz="4800" b="1" dirty="0">
+                <a:solidFill>
+                  <a:srgbClr val="660033"/>
+                </a:solidFill>
+              </a:rPr>
+              <a:t>( </a:t>
+            </a:r>
+            <a:r>
+              <a:rPr lang="en-US" sz="4800" b="1" dirty="0" smtClean="0">
+                <a:solidFill>
+                  <a:srgbClr val="660033"/>
+                </a:solidFill>
+              </a:rPr>
+              <a:t>3 </a:t>
+            </a:r>
+            <a:r>
+              <a:rPr lang="en-US" sz="4800" b="1" dirty="0">
+                <a:solidFill>
+                  <a:srgbClr val="660033"/>
+                </a:solidFill>
+              </a:rPr>
+              <a:t>)</a:t>
+            </a:r>
+            <a:endParaRPr lang="vi-VN" sz="4800" b="1" dirty="0">
+              <a:solidFill>
+                <a:srgbClr val="660033"/>
+              </a:solidFill>
+            </a:endParaRPr>
+          </a:p>
+        </p:txBody>
+      </p:sp>
+    </p:spTree>
+    <p:extLst>
+      <p:ext uri="{BB962C8B-B14F-4D97-AF65-F5344CB8AC3E}">
+        <p14:creationId xmlns:p14="http://schemas.microsoft.com/office/powerpoint/2010/main" val="482019120"/>
+      </p:ext>
+    </p:extLst>
+  </p:cSld>
+  <p:clrMapOvr>
+    <a:masterClrMapping/>
+  </p:clrMapOvr>
+  <p:timing>
+    <p:tnLst>
+      <p:par>
+        <p:cTn id="1" dur="indefinite" restart="never" nodeType="tmRoot"/>
+      </p:par>
+    </p:tnLst>
+  </p:timing>
+</p:sld>
+</file>
+
+<file path=ppt/slides/slide12.xml><?xml version="1.0" encoding="utf-8"?>
+<p:sld xmlns:a="http://schemas.openxmlformats.org/drawingml/2006/main" xmlns:r="http://schemas.openxmlformats.org/officeDocument/2006/relationships" xmlns:p="http://schemas.openxmlformats.org/presentationml/2006/main">
+  <p:cSld>
+    <p:spTree>
+      <p:nvGrpSpPr>
+        <p:cNvPr id="1" name=""/>
+        <p:cNvGrpSpPr/>
+        <p:nvPr/>
+      </p:nvGrpSpPr>
+      <p:grpSpPr>
+        <a:xfrm>
+          <a:off x="0" y="0"/>
+          <a:ext cx="0" cy="0"/>
+          <a:chOff x="0" y="0"/>
+          <a:chExt cx="0" cy="0"/>
+        </a:xfrm>
+      </p:grpSpPr>
+      <p:sp>
+        <p:nvSpPr>
+          <p:cNvPr id="5" name="內容版面配置區 4"/>
+          <p:cNvSpPr>
+            <a:spLocks noGrp="1"/>
+          </p:cNvSpPr>
+          <p:nvPr>
+            <p:ph idx="1"/>
+          </p:nvPr>
+        </p:nvSpPr>
+        <p:spPr>
+          <a:xfrm>
+            <a:off x="0" y="2084851"/>
+            <a:ext cx="12192000" cy="2404863"/>
+          </a:xfrm>
+        </p:spPr>
+        <p:txBody>
+          <a:bodyPr anchor="ctr">
+            <a:normAutofit/>
+          </a:bodyPr>
+          <a:lstStyle/>
+          <a:p>
+            <a:pPr algn="ctr">
+              <a:buNone/>
+            </a:pPr>
+            <a:r>
+              <a:rPr lang="zh-TW" altLang="en-US" sz="6400" b="1" dirty="0">
+                <a:solidFill>
+                  <a:srgbClr val="660033"/>
+                </a:solidFill>
+                <a:latin typeface="Microsoft JhengHei" pitchFamily="34" charset="-120"/>
+                <a:ea typeface="Microsoft JhengHei" pitchFamily="34" charset="-120"/>
+              </a:rPr>
+              <a:t>我必領你 </a:t>
+            </a:r>
+            <a:r>
+              <a:rPr lang="zh-TW" altLang="en-US" sz="6400" b="1" dirty="0">
+                <a:solidFill>
+                  <a:srgbClr val="660033"/>
+                </a:solidFill>
+                <a:latin typeface="Microsoft JhengHei" pitchFamily="34" charset="-120"/>
+                <a:ea typeface="Microsoft JhengHei" pitchFamily="34" charset="-120"/>
+              </a:rPr>
+              <a:t> 我</a:t>
+            </a:r>
+            <a:r>
+              <a:rPr lang="zh-TW" altLang="en-US" sz="6400" b="1" dirty="0">
+                <a:solidFill>
+                  <a:srgbClr val="660033"/>
+                </a:solidFill>
+                <a:latin typeface="Microsoft JhengHei" pitchFamily="34" charset="-120"/>
+                <a:ea typeface="Microsoft JhengHei" pitchFamily="34" charset="-120"/>
+              </a:rPr>
+              <a:t>必領你</a:t>
+            </a:r>
+            <a:endParaRPr lang="en-US" altLang="zh-TW" sz="6400" b="1" dirty="0">
+              <a:solidFill>
+                <a:srgbClr val="660033"/>
+              </a:solidFill>
+              <a:latin typeface="Microsoft JhengHei" pitchFamily="34" charset="-120"/>
+              <a:ea typeface="Microsoft JhengHei" pitchFamily="34" charset="-120"/>
+            </a:endParaRPr>
+          </a:p>
+          <a:p>
+            <a:pPr algn="ctr">
+              <a:buNone/>
+            </a:pPr>
+            <a:r>
+              <a:rPr lang="zh-TW" altLang="en-US" sz="6400" b="1" dirty="0">
+                <a:solidFill>
+                  <a:srgbClr val="660033"/>
+                </a:solidFill>
+                <a:latin typeface="Microsoft JhengHei" pitchFamily="34" charset="-120"/>
+                <a:ea typeface="Microsoft JhengHei" pitchFamily="34" charset="-120"/>
+              </a:rPr>
+              <a:t>我的眼睛常看顧</a:t>
+            </a:r>
+          </a:p>
+        </p:txBody>
+      </p:sp>
+    </p:spTree>
+    <p:extLst>
+      <p:ext uri="{BB962C8B-B14F-4D97-AF65-F5344CB8AC3E}">
+        <p14:creationId xmlns:p14="http://schemas.microsoft.com/office/powerpoint/2010/main" val="2145257083"/>
+      </p:ext>
+    </p:extLst>
+  </p:cSld>
+  <p:clrMapOvr>
+    <a:masterClrMapping/>
+  </p:clrMapOvr>
+  <p:timing>
+    <p:tnLst>
+      <p:par>
+        <p:cTn id="1" dur="indefinite" restart="never" nodeType="tmRoot"/>
+      </p:par>
+    </p:tnLst>
+  </p:timing>
+</p:sld>
+</file>
+
+<file path=ppt/slides/slide13.xml><?xml version="1.0" encoding="utf-8"?>
+<p:sld xmlns:a="http://schemas.openxmlformats.org/drawingml/2006/main" xmlns:r="http://schemas.openxmlformats.org/officeDocument/2006/relationships" xmlns:p="http://schemas.openxmlformats.org/presentationml/2006/main">
+  <p:cSld>
+    <p:spTree>
+      <p:nvGrpSpPr>
+        <p:cNvPr id="1" name=""/>
+        <p:cNvGrpSpPr/>
+        <p:nvPr/>
+      </p:nvGrpSpPr>
+      <p:grpSpPr>
+        <a:xfrm>
+          <a:off x="0" y="0"/>
+          <a:ext cx="0" cy="0"/>
+          <a:chOff x="0" y="0"/>
+          <a:chExt cx="0" cy="0"/>
+        </a:xfrm>
+      </p:grpSpPr>
+      <p:sp>
+        <p:nvSpPr>
+          <p:cNvPr id="5" name="內容版面配置區 4"/>
+          <p:cNvSpPr>
+            <a:spLocks noGrp="1"/>
+          </p:cNvSpPr>
+          <p:nvPr>
+            <p:ph idx="1"/>
+          </p:nvPr>
+        </p:nvSpPr>
+        <p:spPr>
+          <a:xfrm>
+            <a:off x="0" y="2084851"/>
+            <a:ext cx="12192000" cy="2404863"/>
+          </a:xfrm>
+        </p:spPr>
+        <p:txBody>
+          <a:bodyPr anchor="ctr">
+            <a:normAutofit/>
+          </a:bodyPr>
+          <a:lstStyle/>
+          <a:p>
+            <a:pPr algn="ctr">
+              <a:buNone/>
+            </a:pPr>
+            <a:r>
+              <a:rPr lang="zh-TW" altLang="en-US" sz="6400" b="1" dirty="0">
+                <a:solidFill>
+                  <a:srgbClr val="660033"/>
+                </a:solidFill>
+                <a:latin typeface="Microsoft JhengHei" pitchFamily="34" charset="-120"/>
+                <a:ea typeface="Microsoft JhengHei" pitchFamily="34" charset="-120"/>
+              </a:rPr>
+              <a:t>一直走到迦南樂地</a:t>
+            </a:r>
+            <a:endParaRPr lang="en-US" altLang="zh-TW" sz="6400" b="1" dirty="0">
+              <a:solidFill>
+                <a:srgbClr val="660033"/>
+              </a:solidFill>
+              <a:latin typeface="Microsoft JhengHei" pitchFamily="34" charset="-120"/>
+              <a:ea typeface="Microsoft JhengHei" pitchFamily="34" charset="-120"/>
+            </a:endParaRPr>
+          </a:p>
+          <a:p>
+            <a:pPr algn="ctr">
+              <a:buNone/>
+            </a:pPr>
+            <a:r>
+              <a:rPr lang="zh-TW" altLang="en-US" sz="6400" b="1" dirty="0">
+                <a:solidFill>
+                  <a:srgbClr val="660033"/>
+                </a:solidFill>
+                <a:latin typeface="Microsoft JhengHei" pitchFamily="34" charset="-120"/>
+                <a:ea typeface="Microsoft JhengHei" pitchFamily="34" charset="-120"/>
+              </a:rPr>
+              <a:t>我的眼睛常看顧</a:t>
+            </a:r>
+          </a:p>
+        </p:txBody>
+      </p:sp>
+    </p:spTree>
+    <p:extLst>
+      <p:ext uri="{BB962C8B-B14F-4D97-AF65-F5344CB8AC3E}">
+        <p14:creationId xmlns:p14="http://schemas.microsoft.com/office/powerpoint/2010/main" val="1969523376"/>
+      </p:ext>
+    </p:extLst>
+  </p:cSld>
+  <p:clrMapOvr>
+    <a:masterClrMapping/>
+  </p:clrMapOvr>
+  <p:timing>
+    <p:tnLst>
+      <p:par>
+        <p:cTn id="1" dur="indefinite" restart="never" nodeType="tmRoot"/>
+      </p:par>
+    </p:tnLst>
+  </p:timing>
 </p:sld>
 </file>
 
@@ -3312,131 +3835,130 @@
       </p:grpSpPr>
       <p:sp>
         <p:nvSpPr>
-          <p:cNvPr id="4" name="標題 3"/>
-          <p:cNvSpPr>
-            <a:spLocks noGrp="1"/>
-          </p:cNvSpPr>
-          <p:nvPr>
-            <p:ph type="title"/>
-          </p:nvPr>
-        </p:nvSpPr>
-        <p:spPr/>
-        <p:txBody>
-          <a:bodyPr>
+          <p:cNvPr id="5" name="內容版面配置區 4"/>
+          <p:cNvSpPr>
+            <a:spLocks noGrp="1"/>
+          </p:cNvSpPr>
+          <p:nvPr>
+            <p:ph idx="1"/>
+          </p:nvPr>
+        </p:nvSpPr>
+        <p:spPr>
+          <a:xfrm>
+            <a:off x="0" y="2084851"/>
+            <a:ext cx="12192000" cy="2404863"/>
+          </a:xfrm>
+        </p:spPr>
+        <p:txBody>
+          <a:bodyPr anchor="ctr">
             <a:normAutofit/>
           </a:bodyPr>
           <a:lstStyle/>
           <a:p>
-            <a:r>
-              <a:rPr lang="zh-TW" altLang="en-US" sz="4800" b="1" dirty="0">
-                <a:solidFill>
-                  <a:srgbClr val="002060"/>
-                </a:solidFill>
-                <a:latin typeface="Microsoft JhengHei" panose="020B0604030504040204" pitchFamily="34" charset="-120"/>
-                <a:ea typeface="Microsoft JhengHei" panose="020B0604030504040204" pitchFamily="34" charset="-120"/>
-              </a:rPr>
-              <a:t>主眼看顧</a:t>
-            </a:r>
-          </a:p>
-        </p:txBody>
-      </p:sp>
-      <p:sp>
-        <p:nvSpPr>
-          <p:cNvPr id="5" name="內容版面配置區 4"/>
-          <p:cNvSpPr>
-            <a:spLocks noGrp="1"/>
-          </p:cNvSpPr>
-          <p:nvPr>
-            <p:ph idx="1"/>
-          </p:nvPr>
-        </p:nvSpPr>
-        <p:spPr/>
-        <p:txBody>
-          <a:bodyPr>
-            <a:normAutofit/>
+            <a:pPr algn="ctr">
+              <a:buNone/>
+            </a:pPr>
+            <a:r>
+              <a:rPr lang="zh-TW" altLang="en-US" sz="6400" b="1" dirty="0" smtClean="0">
+                <a:solidFill>
+                  <a:srgbClr val="660033"/>
+                </a:solidFill>
+                <a:latin typeface="Microsoft JhengHei" pitchFamily="34" charset="-120"/>
+                <a:ea typeface="Microsoft JhengHei" pitchFamily="34" charset="-120"/>
+              </a:rPr>
+              <a:t>主</a:t>
+            </a:r>
+            <a:r>
+              <a:rPr lang="zh-TW" altLang="en-US" sz="6400" b="1" dirty="0">
+                <a:solidFill>
+                  <a:srgbClr val="660033"/>
+                </a:solidFill>
+                <a:latin typeface="Microsoft JhengHei" pitchFamily="34" charset="-120"/>
+                <a:ea typeface="Microsoft JhengHei" pitchFamily="34" charset="-120"/>
+              </a:rPr>
+              <a:t>所應許真是寶貴</a:t>
+            </a:r>
+            <a:endParaRPr lang="en-US" altLang="zh-TW" sz="6400" b="1" dirty="0">
+              <a:solidFill>
+                <a:srgbClr val="660033"/>
+              </a:solidFill>
+              <a:latin typeface="Microsoft JhengHei" pitchFamily="34" charset="-120"/>
+              <a:ea typeface="Microsoft JhengHei" pitchFamily="34" charset="-120"/>
+            </a:endParaRPr>
+          </a:p>
+          <a:p>
+            <a:pPr algn="ctr">
+              <a:buNone/>
+            </a:pPr>
+            <a:r>
+              <a:rPr lang="zh-TW" altLang="en-US" sz="6400" b="1" dirty="0">
+                <a:solidFill>
+                  <a:srgbClr val="660033"/>
+                </a:solidFill>
+                <a:latin typeface="Microsoft JhengHei" pitchFamily="34" charset="-120"/>
+                <a:ea typeface="Microsoft JhengHei" pitchFamily="34" charset="-120"/>
+              </a:rPr>
+              <a:t>安慰門徒行天路</a:t>
+            </a:r>
+          </a:p>
+        </p:txBody>
+      </p:sp>
+      <p:sp>
+        <p:nvSpPr>
+          <p:cNvPr id="3" name="TextBox 2"/>
+          <p:cNvSpPr txBox="1"/>
+          <p:nvPr/>
+        </p:nvSpPr>
+        <p:spPr>
+          <a:xfrm>
+            <a:off x="0" y="5061182"/>
+            <a:ext cx="12192000" cy="830997"/>
+          </a:xfrm>
+          <a:prstGeom prst="rect">
+            <a:avLst/>
+          </a:prstGeom>
+          <a:noFill/>
+        </p:spPr>
+        <p:txBody>
+          <a:bodyPr wrap="square" rtlCol="0">
+            <a:spAutoFit/>
           </a:bodyPr>
           <a:lstStyle/>
           <a:p>
-            <a:pPr algn="ctr">
-              <a:buNone/>
-            </a:pPr>
-            <a:r>
-              <a:rPr lang="zh-TW" altLang="en-US" sz="5400" b="1" dirty="0">
-                <a:solidFill>
-                  <a:srgbClr val="002060"/>
-                </a:solidFill>
-                <a:latin typeface="Microsoft JhengHei" panose="020B0604030504040204" pitchFamily="34" charset="-120"/>
-                <a:ea typeface="Microsoft JhengHei" panose="020B0604030504040204" pitchFamily="34" charset="-120"/>
-              </a:rPr>
-              <a:t>我必領你 我必領你</a:t>
-            </a:r>
-            <a:endParaRPr lang="en-US" altLang="zh-TW" sz="5400" b="1" dirty="0">
+            <a:pPr algn="ctr"/>
+            <a:r>
+              <a:rPr lang="en-US" sz="4800" b="1" dirty="0">
+                <a:solidFill>
+                  <a:srgbClr val="660033"/>
+                </a:solidFill>
+              </a:rPr>
+              <a:t>( 1 )</a:t>
+            </a:r>
+            <a:endParaRPr lang="vi-VN" sz="4800" b="1" dirty="0">
               <a:solidFill>
-                <a:srgbClr val="002060"/>
+                <a:srgbClr val="660033"/>
               </a:solidFill>
-              <a:latin typeface="Microsoft JhengHei" panose="020B0604030504040204" pitchFamily="34" charset="-120"/>
-              <a:ea typeface="Microsoft JhengHei" panose="020B0604030504040204" pitchFamily="34" charset="-120"/>
             </a:endParaRPr>
           </a:p>
-          <a:p>
-            <a:pPr algn="ctr">
-              <a:buNone/>
-            </a:pPr>
-            <a:r>
-              <a:rPr lang="zh-TW" altLang="en-US" sz="5400" b="1" dirty="0">
-                <a:solidFill>
-                  <a:srgbClr val="002060"/>
-                </a:solidFill>
-                <a:latin typeface="Microsoft JhengHei" panose="020B0604030504040204" pitchFamily="34" charset="-120"/>
-                <a:ea typeface="Microsoft JhengHei" panose="020B0604030504040204" pitchFamily="34" charset="-120"/>
-              </a:rPr>
-              <a:t>我的眼睛常看顧</a:t>
-            </a:r>
-          </a:p>
-          <a:p>
-            <a:pPr algn="ctr">
-              <a:buNone/>
-            </a:pPr>
-            <a:r>
-              <a:rPr lang="zh-TW" altLang="en-US" sz="5400" b="1" dirty="0">
-                <a:solidFill>
-                  <a:srgbClr val="002060"/>
-                </a:solidFill>
-                <a:latin typeface="Microsoft JhengHei" panose="020B0604030504040204" pitchFamily="34" charset="-120"/>
-                <a:ea typeface="Microsoft JhengHei" panose="020B0604030504040204" pitchFamily="34" charset="-120"/>
-              </a:rPr>
-              <a:t>一直走到迦南樂地</a:t>
-            </a:r>
-            <a:endParaRPr lang="en-US" altLang="zh-TW" sz="5400" b="1" dirty="0">
-              <a:solidFill>
-                <a:srgbClr val="002060"/>
-              </a:solidFill>
-              <a:latin typeface="Microsoft JhengHei" panose="020B0604030504040204" pitchFamily="34" charset="-120"/>
-              <a:ea typeface="Microsoft JhengHei" panose="020B0604030504040204" pitchFamily="34" charset="-120"/>
-            </a:endParaRPr>
-          </a:p>
-          <a:p>
-            <a:pPr algn="ctr">
-              <a:buNone/>
-            </a:pPr>
-            <a:r>
-              <a:rPr lang="zh-TW" altLang="en-US" sz="5400" b="1" dirty="0">
-                <a:solidFill>
-                  <a:srgbClr val="002060"/>
-                </a:solidFill>
-                <a:latin typeface="Microsoft JhengHei" panose="020B0604030504040204" pitchFamily="34" charset="-120"/>
-                <a:ea typeface="Microsoft JhengHei" panose="020B0604030504040204" pitchFamily="34" charset="-120"/>
-              </a:rPr>
-              <a:t>我的眼睛常看顧</a:t>
-            </a:r>
-          </a:p>
         </p:txBody>
       </p:sp>
     </p:spTree>
+    <p:extLst>
+      <p:ext uri="{BB962C8B-B14F-4D97-AF65-F5344CB8AC3E}">
+        <p14:creationId xmlns:p14="http://schemas.microsoft.com/office/powerpoint/2010/main" val="4113574348"/>
+      </p:ext>
+    </p:extLst>
   </p:cSld>
   <p:clrMapOvr>
     <a:masterClrMapping/>
   </p:clrMapOvr>
+  <p:timing>
+    <p:tnLst>
+      <p:par>
+        <p:cTn id="1" dur="indefinite" restart="never" nodeType="tmRoot"/>
+      </p:par>
+    </p:tnLst>
+  </p:timing>
 </p:sld>
 </file>
 
@@ -3459,90 +3981,65 @@
       </p:grpSpPr>
       <p:sp>
         <p:nvSpPr>
-          <p:cNvPr id="4" name="標題 3"/>
-          <p:cNvSpPr>
-            <a:spLocks noGrp="1"/>
-          </p:cNvSpPr>
-          <p:nvPr>
-            <p:ph type="title"/>
-          </p:nvPr>
-        </p:nvSpPr>
-        <p:spPr/>
-        <p:txBody>
-          <a:bodyPr>
+          <p:cNvPr id="5" name="內容版面配置區 4"/>
+          <p:cNvSpPr>
+            <a:spLocks noGrp="1"/>
+          </p:cNvSpPr>
+          <p:nvPr>
+            <p:ph idx="1"/>
+          </p:nvPr>
+        </p:nvSpPr>
+        <p:spPr>
+          <a:xfrm>
+            <a:off x="0" y="2084851"/>
+            <a:ext cx="12192000" cy="2404863"/>
+          </a:xfrm>
+        </p:spPr>
+        <p:txBody>
+          <a:bodyPr anchor="ctr">
             <a:normAutofit/>
           </a:bodyPr>
           <a:lstStyle/>
           <a:p>
-            <a:r>
-              <a:rPr lang="zh-TW" altLang="en-US" sz="4800" b="1" dirty="0">
-                <a:solidFill>
-                  <a:srgbClr val="002060"/>
-                </a:solidFill>
-                <a:latin typeface="Microsoft JhengHei" panose="020B0604030504040204" pitchFamily="34" charset="-120"/>
-                <a:ea typeface="Microsoft JhengHei" panose="020B0604030504040204" pitchFamily="34" charset="-120"/>
-              </a:rPr>
-              <a:t>主眼看顧</a:t>
-            </a:r>
-          </a:p>
-        </p:txBody>
-      </p:sp>
-      <p:sp>
-        <p:nvSpPr>
-          <p:cNvPr id="5" name="內容版面配置區 4"/>
-          <p:cNvSpPr>
-            <a:spLocks noGrp="1"/>
-          </p:cNvSpPr>
-          <p:nvPr>
-            <p:ph idx="1"/>
-          </p:nvPr>
-        </p:nvSpPr>
-        <p:spPr/>
-        <p:txBody>
-          <a:bodyPr>
-            <a:normAutofit/>
-          </a:bodyPr>
-          <a:lstStyle/>
-          <a:p>
             <a:pPr algn="ctr">
               <a:buNone/>
             </a:pPr>
             <a:r>
-              <a:rPr lang="zh-TW" altLang="en-US" sz="5400" b="1" dirty="0">
-                <a:solidFill>
-                  <a:srgbClr val="002060"/>
-                </a:solidFill>
-                <a:latin typeface="Microsoft JhengHei" panose="020B0604030504040204" pitchFamily="34" charset="-120"/>
-                <a:ea typeface="Microsoft JhengHei" panose="020B0604030504040204" pitchFamily="34" charset="-120"/>
-              </a:rPr>
-              <a:t>你若遇著諸</a:t>
-            </a:r>
-            <a:r>
-              <a:rPr lang="zh-TW" altLang="en-US" sz="5400" b="1" dirty="0" smtClean="0">
-                <a:solidFill>
-                  <a:srgbClr val="002060"/>
-                </a:solidFill>
-                <a:latin typeface="Microsoft JhengHei" panose="020B0604030504040204" pitchFamily="34" charset="-120"/>
-                <a:ea typeface="Microsoft JhengHei" panose="020B0604030504040204" pitchFamily="34" charset="-120"/>
-              </a:rPr>
-              <a:t>般</a:t>
-            </a:r>
-            <a:r>
-              <a:rPr lang="zh-CN" altLang="en-US" sz="5400" b="1" dirty="0">
-                <a:solidFill>
-                  <a:srgbClr val="002060"/>
-                </a:solidFill>
-                <a:latin typeface="Microsoft JhengHei" panose="020B0604030504040204" pitchFamily="34" charset="-120"/>
-                <a:ea typeface="Microsoft JhengHei" panose="020B0604030504040204" pitchFamily="34" charset="-120"/>
-              </a:rPr>
-              <a:t>危險</a:t>
-            </a:r>
-            <a:endParaRPr lang="en-US" altLang="zh-TW" sz="5400" b="1" dirty="0">
+              <a:rPr lang="zh-TW" altLang="en-US" sz="6400" b="1" dirty="0">
+                <a:solidFill>
+                  <a:srgbClr val="660033"/>
+                </a:solidFill>
+                <a:latin typeface="Microsoft JhengHei" pitchFamily="34" charset="-120"/>
+                <a:ea typeface="Microsoft JhengHei" pitchFamily="34" charset="-120"/>
+              </a:rPr>
+              <a:t>就是說道 </a:t>
+            </a:r>
+            <a:r>
+              <a:rPr lang="zh-TW" altLang="en-US" sz="6400" b="1" dirty="0">
+                <a:solidFill>
+                  <a:srgbClr val="660033"/>
+                </a:solidFill>
+                <a:latin typeface="Microsoft JhengHei" pitchFamily="34" charset="-120"/>
+                <a:ea typeface="Microsoft JhengHei" pitchFamily="34" charset="-120"/>
+              </a:rPr>
+              <a:t> 你</a:t>
+            </a:r>
+            <a:r>
+              <a:rPr lang="zh-TW" altLang="en-US" sz="6400" b="1" dirty="0">
+                <a:solidFill>
+                  <a:srgbClr val="660033"/>
+                </a:solidFill>
+                <a:latin typeface="Microsoft JhengHei" pitchFamily="34" charset="-120"/>
+                <a:ea typeface="Microsoft JhengHei" pitchFamily="34" charset="-120"/>
+              </a:rPr>
+              <a:t>的道路</a:t>
+            </a:r>
+            <a:endParaRPr lang="en-US" altLang="zh-TW" sz="6400" b="1" dirty="0">
               <a:solidFill>
-                <a:srgbClr val="002060"/>
+                <a:srgbClr val="660033"/>
               </a:solidFill>
-              <a:latin typeface="Microsoft JhengHei" panose="020B0604030504040204" pitchFamily="34" charset="-120"/>
-              <a:ea typeface="Microsoft JhengHei" panose="020B0604030504040204" pitchFamily="34" charset="-120"/>
+              <a:latin typeface="Microsoft JhengHei" pitchFamily="34" charset="-120"/>
+              <a:ea typeface="Microsoft JhengHei" pitchFamily="34" charset="-120"/>
             </a:endParaRPr>
           </a:p>
           <a:p>
@@ -3550,49 +4047,12 @@
               <a:buNone/>
             </a:pPr>
             <a:r>
-              <a:rPr lang="zh-TW" altLang="en-US" sz="5400" b="1" dirty="0">
-                <a:solidFill>
-                  <a:srgbClr val="002060"/>
-                </a:solidFill>
-                <a:latin typeface="Microsoft JhengHei" panose="020B0604030504040204" pitchFamily="34" charset="-120"/>
-                <a:ea typeface="Microsoft JhengHei" panose="020B0604030504040204" pitchFamily="34" charset="-120"/>
-              </a:rPr>
-              <a:t>惟恐跌倒無人助</a:t>
-            </a:r>
-          </a:p>
-          <a:p>
-            <a:pPr algn="ctr">
-              <a:buNone/>
-            </a:pPr>
-            <a:r>
-              <a:rPr lang="zh-TW" altLang="en-US" sz="5400" b="1" dirty="0">
-                <a:solidFill>
-                  <a:srgbClr val="002060"/>
-                </a:solidFill>
-                <a:latin typeface="Microsoft JhengHei" panose="020B0604030504040204" pitchFamily="34" charset="-120"/>
-                <a:ea typeface="Microsoft JhengHei" panose="020B0604030504040204" pitchFamily="34" charset="-120"/>
-              </a:rPr>
-              <a:t>要想主言必定應驗</a:t>
-            </a:r>
-            <a:endParaRPr lang="en-US" altLang="zh-TW" sz="5400" b="1" dirty="0">
-              <a:solidFill>
-                <a:srgbClr val="002060"/>
-              </a:solidFill>
-              <a:latin typeface="Microsoft JhengHei" panose="020B0604030504040204" pitchFamily="34" charset="-120"/>
-              <a:ea typeface="Microsoft JhengHei" panose="020B0604030504040204" pitchFamily="34" charset="-120"/>
-            </a:endParaRPr>
-          </a:p>
-          <a:p>
-            <a:pPr algn="ctr">
-              <a:buNone/>
-            </a:pPr>
-            <a:r>
-              <a:rPr lang="zh-TW" altLang="en-US" sz="5400" b="1" dirty="0">
-                <a:solidFill>
-                  <a:srgbClr val="002060"/>
-                </a:solidFill>
-                <a:latin typeface="Microsoft JhengHei" panose="020B0604030504040204" pitchFamily="34" charset="-120"/>
-                <a:ea typeface="Microsoft JhengHei" panose="020B0604030504040204" pitchFamily="34" charset="-120"/>
+              <a:rPr lang="zh-TW" altLang="en-US" sz="6400" b="1" dirty="0">
+                <a:solidFill>
+                  <a:srgbClr val="660033"/>
+                </a:solidFill>
+                <a:latin typeface="Microsoft JhengHei" pitchFamily="34" charset="-120"/>
+                <a:ea typeface="Microsoft JhengHei" pitchFamily="34" charset="-120"/>
               </a:rPr>
               <a:t>我的眼睛常看顧</a:t>
             </a:r>
@@ -3601,14 +4061,14 @@
       </p:sp>
       <p:sp>
         <p:nvSpPr>
-          <p:cNvPr id="6" name="TextBox 5"/>
+          <p:cNvPr id="3" name="TextBox 2"/>
           <p:cNvSpPr txBox="1"/>
           <p:nvPr/>
         </p:nvSpPr>
         <p:spPr>
           <a:xfrm>
-            <a:off x="1343472" y="1624645"/>
-            <a:ext cx="864096" cy="923330"/>
+            <a:off x="0" y="5061182"/>
+            <a:ext cx="12192000" cy="830997"/>
           </a:xfrm>
           <a:prstGeom prst="rect">
             <a:avLst/>
@@ -3621,35 +4081,40 @@
           </a:bodyPr>
           <a:lstStyle/>
           <a:p>
-            <a:r>
-              <a:rPr lang="en-US" sz="5400" b="1" dirty="0">
-                <a:solidFill>
-                  <a:srgbClr val="002060"/>
-                </a:solidFill>
-              </a:rPr>
-              <a:t>2</a:t>
-            </a:r>
-            <a:r>
-              <a:rPr lang="en-US" sz="5400" b="1" dirty="0" smtClean="0">
-                <a:solidFill>
-                  <a:srgbClr val="002060"/>
-                </a:solidFill>
-              </a:rPr>
-              <a:t>.</a:t>
-            </a:r>
-            <a:endParaRPr lang="vi-VN" sz="5400" b="1" dirty="0">
+            <a:pPr algn="ctr"/>
+            <a:r>
+              <a:rPr lang="en-US" sz="4800" b="1" dirty="0">
+                <a:solidFill>
+                  <a:srgbClr val="660033"/>
+                </a:solidFill>
+              </a:rPr>
+              <a:t>( 1 )</a:t>
+            </a:r>
+            <a:endParaRPr lang="vi-VN" sz="4800" b="1" dirty="0">
               <a:solidFill>
-                <a:srgbClr val="002060"/>
+                <a:srgbClr val="660033"/>
               </a:solidFill>
             </a:endParaRPr>
           </a:p>
         </p:txBody>
       </p:sp>
     </p:spTree>
+    <p:extLst>
+      <p:ext uri="{BB962C8B-B14F-4D97-AF65-F5344CB8AC3E}">
+        <p14:creationId xmlns:p14="http://schemas.microsoft.com/office/powerpoint/2010/main" val="3716098410"/>
+      </p:ext>
+    </p:extLst>
   </p:cSld>
   <p:clrMapOvr>
     <a:masterClrMapping/>
   </p:clrMapOvr>
+  <p:timing>
+    <p:tnLst>
+      <p:par>
+        <p:cTn id="1" dur="indefinite" restart="never" nodeType="tmRoot"/>
+      </p:par>
+    </p:tnLst>
+  </p:timing>
 </p:sld>
 </file>
 
@@ -3672,70 +4137,65 @@
       </p:grpSpPr>
       <p:sp>
         <p:nvSpPr>
-          <p:cNvPr id="4" name="標題 3"/>
-          <p:cNvSpPr>
-            <a:spLocks noGrp="1"/>
-          </p:cNvSpPr>
-          <p:nvPr>
-            <p:ph type="title"/>
-          </p:nvPr>
-        </p:nvSpPr>
-        <p:spPr/>
-        <p:txBody>
-          <a:bodyPr>
+          <p:cNvPr id="5" name="內容版面配置區 4"/>
+          <p:cNvSpPr>
+            <a:spLocks noGrp="1"/>
+          </p:cNvSpPr>
+          <p:nvPr>
+            <p:ph idx="1"/>
+          </p:nvPr>
+        </p:nvSpPr>
+        <p:spPr>
+          <a:xfrm>
+            <a:off x="0" y="2084851"/>
+            <a:ext cx="12192000" cy="2404863"/>
+          </a:xfrm>
+        </p:spPr>
+        <p:txBody>
+          <a:bodyPr anchor="ctr">
             <a:normAutofit/>
           </a:bodyPr>
           <a:lstStyle/>
           <a:p>
-            <a:r>
-              <a:rPr lang="zh-TW" altLang="en-US" sz="4800" b="1" dirty="0">
-                <a:solidFill>
-                  <a:srgbClr val="002060"/>
-                </a:solidFill>
-                <a:latin typeface="Microsoft JhengHei" panose="020B0604030504040204" pitchFamily="34" charset="-120"/>
-                <a:ea typeface="Microsoft JhengHei" panose="020B0604030504040204" pitchFamily="34" charset="-120"/>
-              </a:rPr>
-              <a:t>主眼看顧</a:t>
-            </a:r>
-          </a:p>
-        </p:txBody>
-      </p:sp>
-      <p:sp>
-        <p:nvSpPr>
-          <p:cNvPr id="5" name="內容版面配置區 4"/>
-          <p:cNvSpPr>
-            <a:spLocks noGrp="1"/>
-          </p:cNvSpPr>
-          <p:nvPr>
-            <p:ph idx="1"/>
-          </p:nvPr>
-        </p:nvSpPr>
-        <p:spPr/>
-        <p:txBody>
-          <a:bodyPr>
-            <a:normAutofit/>
-          </a:bodyPr>
-          <a:lstStyle/>
-          <a:p>
             <a:pPr algn="ctr">
               <a:buNone/>
             </a:pPr>
             <a:r>
-              <a:rPr lang="zh-TW" altLang="en-US" sz="5400" b="1" dirty="0">
-                <a:solidFill>
-                  <a:srgbClr val="002060"/>
-                </a:solidFill>
-                <a:latin typeface="Microsoft JhengHei" panose="020B0604030504040204" pitchFamily="34" charset="-120"/>
-                <a:ea typeface="Microsoft JhengHei" panose="020B0604030504040204" pitchFamily="34" charset="-120"/>
-              </a:rPr>
-              <a:t>我必領你 我必領你</a:t>
-            </a:r>
-            <a:endParaRPr lang="en-US" altLang="zh-TW" sz="5400" b="1" dirty="0">
+              <a:rPr lang="zh-TW" altLang="en-US" sz="6400" b="1" dirty="0">
+                <a:solidFill>
+                  <a:srgbClr val="660033"/>
+                </a:solidFill>
+                <a:latin typeface="Microsoft JhengHei" pitchFamily="34" charset="-120"/>
+                <a:ea typeface="Microsoft JhengHei" pitchFamily="34" charset="-120"/>
+              </a:rPr>
+              <a:t>我必領你 </a:t>
+            </a:r>
+            <a:r>
+              <a:rPr lang="zh-TW" altLang="en-US" sz="6400" b="1" dirty="0">
+                <a:solidFill>
+                  <a:srgbClr val="660033"/>
+                </a:solidFill>
+                <a:latin typeface="Microsoft JhengHei" pitchFamily="34" charset="-120"/>
+                <a:ea typeface="Microsoft JhengHei" pitchFamily="34" charset="-120"/>
+              </a:rPr>
+              <a:t> 我</a:t>
+            </a:r>
+            <a:r>
+              <a:rPr lang="zh-TW" altLang="en-US" sz="6400" b="1" dirty="0">
+                <a:solidFill>
+                  <a:srgbClr val="660033"/>
+                </a:solidFill>
+                <a:latin typeface="Microsoft JhengHei" pitchFamily="34" charset="-120"/>
+                <a:ea typeface="Microsoft JhengHei" pitchFamily="34" charset="-120"/>
+              </a:rPr>
+              <a:t>必領你</a:t>
+            </a:r>
+            <a:endParaRPr lang="en-US" altLang="zh-TW" sz="6400" b="1" dirty="0">
               <a:solidFill>
-                <a:srgbClr val="002060"/>
+                <a:srgbClr val="660033"/>
               </a:solidFill>
-              <a:latin typeface="Microsoft JhengHei" panose="020B0604030504040204" pitchFamily="34" charset="-120"/>
-              <a:ea typeface="Microsoft JhengHei" panose="020B0604030504040204" pitchFamily="34" charset="-120"/>
+              <a:latin typeface="Microsoft JhengHei" pitchFamily="34" charset="-120"/>
+              <a:ea typeface="Microsoft JhengHei" pitchFamily="34" charset="-120"/>
             </a:endParaRPr>
           </a:p>
           <a:p>
@@ -3743,60 +4203,35 @@
               <a:buNone/>
             </a:pPr>
             <a:r>
-              <a:rPr lang="zh-TW" altLang="en-US" sz="5400" b="1" dirty="0">
-                <a:solidFill>
-                  <a:srgbClr val="002060"/>
-                </a:solidFill>
-                <a:latin typeface="Microsoft JhengHei" panose="020B0604030504040204" pitchFamily="34" charset="-120"/>
-                <a:ea typeface="Microsoft JhengHei" panose="020B0604030504040204" pitchFamily="34" charset="-120"/>
+              <a:rPr lang="zh-TW" altLang="en-US" sz="6400" b="1" dirty="0">
+                <a:solidFill>
+                  <a:srgbClr val="660033"/>
+                </a:solidFill>
+                <a:latin typeface="Microsoft JhengHei" pitchFamily="34" charset="-120"/>
+                <a:ea typeface="Microsoft JhengHei" pitchFamily="34" charset="-120"/>
               </a:rPr>
               <a:t>我的眼睛常看顧</a:t>
             </a:r>
           </a:p>
-          <a:p>
-            <a:pPr algn="ctr">
-              <a:buNone/>
-            </a:pPr>
-            <a:r>
-              <a:rPr lang="zh-TW" altLang="en-US" sz="5400" b="1" dirty="0">
-                <a:solidFill>
-                  <a:srgbClr val="002060"/>
-                </a:solidFill>
-                <a:latin typeface="Microsoft JhengHei" panose="020B0604030504040204" pitchFamily="34" charset="-120"/>
-                <a:ea typeface="Microsoft JhengHei" panose="020B0604030504040204" pitchFamily="34" charset="-120"/>
-              </a:rPr>
-              <a:t>一直走到迦南樂地</a:t>
-            </a:r>
-            <a:endParaRPr lang="en-US" altLang="zh-TW" sz="5400" b="1" dirty="0">
-              <a:solidFill>
-                <a:srgbClr val="002060"/>
-              </a:solidFill>
-              <a:latin typeface="Microsoft JhengHei" panose="020B0604030504040204" pitchFamily="34" charset="-120"/>
-              <a:ea typeface="Microsoft JhengHei" panose="020B0604030504040204" pitchFamily="34" charset="-120"/>
-            </a:endParaRPr>
-          </a:p>
-          <a:p>
-            <a:pPr algn="ctr">
-              <a:buNone/>
-            </a:pPr>
-            <a:r>
-              <a:rPr lang="zh-TW" altLang="en-US" sz="5400" b="1" dirty="0">
-                <a:solidFill>
-                  <a:srgbClr val="002060"/>
-                </a:solidFill>
-                <a:latin typeface="Microsoft JhengHei" panose="020B0604030504040204" pitchFamily="34" charset="-120"/>
-                <a:ea typeface="Microsoft JhengHei" panose="020B0604030504040204" pitchFamily="34" charset="-120"/>
-              </a:rPr>
-              <a:t>我的眼睛常看顧</a:t>
-            </a:r>
-          </a:p>
         </p:txBody>
       </p:sp>
     </p:spTree>
+    <p:extLst>
+      <p:ext uri="{BB962C8B-B14F-4D97-AF65-F5344CB8AC3E}">
+        <p14:creationId xmlns:p14="http://schemas.microsoft.com/office/powerpoint/2010/main" val="1286429726"/>
+      </p:ext>
+    </p:extLst>
   </p:cSld>
   <p:clrMapOvr>
     <a:masterClrMapping/>
   </p:clrMapOvr>
+  <p:timing>
+    <p:tnLst>
+      <p:par>
+        <p:cTn id="1" dur="indefinite" restart="never" nodeType="tmRoot"/>
+      </p:par>
+    </p:tnLst>
+  </p:timing>
 </p:sld>
 </file>
 
@@ -3819,70 +4254,45 @@
       </p:grpSpPr>
       <p:sp>
         <p:nvSpPr>
-          <p:cNvPr id="4" name="標題 3"/>
-          <p:cNvSpPr>
-            <a:spLocks noGrp="1"/>
-          </p:cNvSpPr>
-          <p:nvPr>
-            <p:ph type="title"/>
-          </p:nvPr>
-        </p:nvSpPr>
-        <p:spPr/>
-        <p:txBody>
-          <a:bodyPr>
+          <p:cNvPr id="5" name="內容版面配置區 4"/>
+          <p:cNvSpPr>
+            <a:spLocks noGrp="1"/>
+          </p:cNvSpPr>
+          <p:nvPr>
+            <p:ph idx="1"/>
+          </p:nvPr>
+        </p:nvSpPr>
+        <p:spPr>
+          <a:xfrm>
+            <a:off x="0" y="2084851"/>
+            <a:ext cx="12192000" cy="2404863"/>
+          </a:xfrm>
+        </p:spPr>
+        <p:txBody>
+          <a:bodyPr anchor="ctr">
             <a:normAutofit/>
           </a:bodyPr>
           <a:lstStyle/>
           <a:p>
-            <a:r>
-              <a:rPr lang="zh-TW" altLang="en-US" sz="4800" b="1" dirty="0">
-                <a:solidFill>
-                  <a:srgbClr val="002060"/>
-                </a:solidFill>
-                <a:latin typeface="Microsoft JhengHei" panose="020B0604030504040204" pitchFamily="34" charset="-120"/>
-                <a:ea typeface="Microsoft JhengHei" panose="020B0604030504040204" pitchFamily="34" charset="-120"/>
-              </a:rPr>
-              <a:t>主眼看顧</a:t>
-            </a:r>
-          </a:p>
-        </p:txBody>
-      </p:sp>
-      <p:sp>
-        <p:nvSpPr>
-          <p:cNvPr id="5" name="內容版面配置區 4"/>
-          <p:cNvSpPr>
-            <a:spLocks noGrp="1"/>
-          </p:cNvSpPr>
-          <p:nvPr>
-            <p:ph idx="1"/>
-          </p:nvPr>
-        </p:nvSpPr>
-        <p:spPr/>
-        <p:txBody>
-          <a:bodyPr>
-            <a:normAutofit/>
-          </a:bodyPr>
-          <a:lstStyle/>
-          <a:p>
             <a:pPr algn="ctr">
               <a:buNone/>
             </a:pPr>
             <a:r>
-              <a:rPr lang="zh-TW" altLang="en-US" sz="5400" b="1" dirty="0">
-                <a:solidFill>
-                  <a:srgbClr val="002060"/>
-                </a:solidFill>
-                <a:latin typeface="Microsoft JhengHei" panose="020B0604030504040204" pitchFamily="34" charset="-120"/>
-                <a:ea typeface="Microsoft JhengHei" panose="020B0604030504040204" pitchFamily="34" charset="-120"/>
-              </a:rPr>
-              <a:t>你所盼望或不成全</a:t>
-            </a:r>
-            <a:endParaRPr lang="en-US" altLang="zh-TW" sz="5400" b="1" dirty="0">
+              <a:rPr lang="zh-TW" altLang="en-US" sz="6400" b="1" dirty="0">
+                <a:solidFill>
+                  <a:srgbClr val="660033"/>
+                </a:solidFill>
+                <a:latin typeface="Microsoft JhengHei" pitchFamily="34" charset="-120"/>
+                <a:ea typeface="Microsoft JhengHei" pitchFamily="34" charset="-120"/>
+              </a:rPr>
+              <a:t>一直走到迦南樂地</a:t>
+            </a:r>
+            <a:endParaRPr lang="en-US" altLang="zh-TW" sz="6400" b="1" dirty="0">
               <a:solidFill>
-                <a:srgbClr val="002060"/>
+                <a:srgbClr val="660033"/>
               </a:solidFill>
-              <a:latin typeface="Microsoft JhengHei" panose="020B0604030504040204" pitchFamily="34" charset="-120"/>
-              <a:ea typeface="Microsoft JhengHei" panose="020B0604030504040204" pitchFamily="34" charset="-120"/>
+              <a:latin typeface="Microsoft JhengHei" pitchFamily="34" charset="-120"/>
+              <a:ea typeface="Microsoft JhengHei" pitchFamily="34" charset="-120"/>
             </a:endParaRPr>
           </a:p>
           <a:p>
@@ -3890,106 +4300,35 @@
               <a:buNone/>
             </a:pPr>
             <a:r>
-              <a:rPr lang="zh-TW" altLang="en-US" sz="5400" b="1" dirty="0">
-                <a:solidFill>
-                  <a:srgbClr val="002060"/>
-                </a:solidFill>
-                <a:latin typeface="Microsoft JhengHei" panose="020B0604030504040204" pitchFamily="34" charset="-120"/>
-                <a:ea typeface="Microsoft JhengHei" panose="020B0604030504040204" pitchFamily="34" charset="-120"/>
-              </a:rPr>
-              <a:t>或想前進不知路</a:t>
-            </a:r>
-          </a:p>
-          <a:p>
-            <a:pPr algn="ctr">
-              <a:buNone/>
-            </a:pPr>
-            <a:r>
-              <a:rPr lang="zh-TW" altLang="en-US" sz="5400" b="1" dirty="0">
-                <a:solidFill>
-                  <a:srgbClr val="002060"/>
-                </a:solidFill>
-                <a:latin typeface="Microsoft JhengHei" panose="020B0604030504040204" pitchFamily="34" charset="-120"/>
-                <a:ea typeface="Microsoft JhengHei" panose="020B0604030504040204" pitchFamily="34" charset="-120"/>
-              </a:rPr>
-              <a:t>總要記得主的恩言</a:t>
-            </a:r>
-            <a:endParaRPr lang="en-US" altLang="zh-TW" sz="5400" b="1" dirty="0">
-              <a:solidFill>
-                <a:srgbClr val="002060"/>
-              </a:solidFill>
-              <a:latin typeface="Microsoft JhengHei" panose="020B0604030504040204" pitchFamily="34" charset="-120"/>
-              <a:ea typeface="Microsoft JhengHei" panose="020B0604030504040204" pitchFamily="34" charset="-120"/>
-            </a:endParaRPr>
-          </a:p>
-          <a:p>
-            <a:pPr algn="ctr">
-              <a:buNone/>
-            </a:pPr>
-            <a:r>
-              <a:rPr lang="zh-TW" altLang="en-US" sz="5400" b="1" dirty="0">
-                <a:solidFill>
-                  <a:srgbClr val="002060"/>
-                </a:solidFill>
-                <a:latin typeface="Microsoft JhengHei" panose="020B0604030504040204" pitchFamily="34" charset="-120"/>
-                <a:ea typeface="Microsoft JhengHei" panose="020B0604030504040204" pitchFamily="34" charset="-120"/>
+              <a:rPr lang="zh-TW" altLang="en-US" sz="6400" b="1" dirty="0">
+                <a:solidFill>
+                  <a:srgbClr val="660033"/>
+                </a:solidFill>
+                <a:latin typeface="Microsoft JhengHei" pitchFamily="34" charset="-120"/>
+                <a:ea typeface="Microsoft JhengHei" pitchFamily="34" charset="-120"/>
               </a:rPr>
               <a:t>我的眼睛常看顧</a:t>
             </a:r>
           </a:p>
         </p:txBody>
       </p:sp>
-      <p:sp>
-        <p:nvSpPr>
-          <p:cNvPr id="6" name="TextBox 5"/>
-          <p:cNvSpPr txBox="1"/>
-          <p:nvPr/>
-        </p:nvSpPr>
-        <p:spPr>
-          <a:xfrm>
-            <a:off x="1343472" y="1624645"/>
-            <a:ext cx="864096" cy="923330"/>
-          </a:xfrm>
-          <a:prstGeom prst="rect">
-            <a:avLst/>
-          </a:prstGeom>
-          <a:noFill/>
-        </p:spPr>
-        <p:txBody>
-          <a:bodyPr wrap="square" rtlCol="0">
-            <a:spAutoFit/>
-          </a:bodyPr>
-          <a:lstStyle/>
-          <a:p>
-            <a:r>
-              <a:rPr lang="en-US" sz="5400" b="1" dirty="0">
-                <a:solidFill>
-                  <a:srgbClr val="002060"/>
-                </a:solidFill>
-              </a:rPr>
-              <a:t>3</a:t>
-            </a:r>
-            <a:r>
-              <a:rPr lang="en-US" sz="5400" b="1" dirty="0" smtClean="0">
-                <a:solidFill>
-                  <a:srgbClr val="002060"/>
-                </a:solidFill>
-              </a:rPr>
-              <a:t>.</a:t>
-            </a:r>
-            <a:endParaRPr lang="vi-VN" sz="5400" b="1" dirty="0">
-              <a:solidFill>
-                <a:srgbClr val="002060"/>
-              </a:solidFill>
-            </a:endParaRPr>
-          </a:p>
-        </p:txBody>
-      </p:sp>
     </p:spTree>
+    <p:extLst>
+      <p:ext uri="{BB962C8B-B14F-4D97-AF65-F5344CB8AC3E}">
+        <p14:creationId xmlns:p14="http://schemas.microsoft.com/office/powerpoint/2010/main" val="1171771676"/>
+      </p:ext>
+    </p:extLst>
   </p:cSld>
   <p:clrMapOvr>
     <a:masterClrMapping/>
   </p:clrMapOvr>
+  <p:timing>
+    <p:tnLst>
+      <p:par>
+        <p:cTn id="1" dur="indefinite" restart="never" nodeType="tmRoot"/>
+      </p:par>
+    </p:tnLst>
+  </p:timing>
 </p:sld>
 </file>
 
@@ -4012,131 +4351,532 @@
       </p:grpSpPr>
       <p:sp>
         <p:nvSpPr>
-          <p:cNvPr id="4" name="標題 3"/>
-          <p:cNvSpPr>
-            <a:spLocks noGrp="1"/>
-          </p:cNvSpPr>
-          <p:nvPr>
-            <p:ph type="title"/>
-          </p:nvPr>
-        </p:nvSpPr>
-        <p:spPr/>
-        <p:txBody>
-          <a:bodyPr>
+          <p:cNvPr id="5" name="內容版面配置區 4"/>
+          <p:cNvSpPr>
+            <a:spLocks noGrp="1"/>
+          </p:cNvSpPr>
+          <p:nvPr>
+            <p:ph idx="1"/>
+          </p:nvPr>
+        </p:nvSpPr>
+        <p:spPr>
+          <a:xfrm>
+            <a:off x="0" y="2084851"/>
+            <a:ext cx="12192000" cy="2404863"/>
+          </a:xfrm>
+        </p:spPr>
+        <p:txBody>
+          <a:bodyPr anchor="ctr">
             <a:normAutofit/>
           </a:bodyPr>
           <a:lstStyle/>
           <a:p>
-            <a:r>
-              <a:rPr lang="zh-TW" altLang="en-US" sz="4800" b="1" dirty="0">
-                <a:solidFill>
-                  <a:srgbClr val="002060"/>
-                </a:solidFill>
-                <a:latin typeface="Microsoft JhengHei" panose="020B0604030504040204" pitchFamily="34" charset="-120"/>
-                <a:ea typeface="Microsoft JhengHei" panose="020B0604030504040204" pitchFamily="34" charset="-120"/>
-              </a:rPr>
-              <a:t>主眼看顧</a:t>
-            </a:r>
-          </a:p>
-        </p:txBody>
-      </p:sp>
-      <p:sp>
-        <p:nvSpPr>
-          <p:cNvPr id="5" name="內容版面配置區 4"/>
-          <p:cNvSpPr>
-            <a:spLocks noGrp="1"/>
-          </p:cNvSpPr>
-          <p:nvPr>
-            <p:ph idx="1"/>
-          </p:nvPr>
-        </p:nvSpPr>
-        <p:spPr/>
-        <p:txBody>
-          <a:bodyPr>
-            <a:normAutofit/>
+            <a:pPr algn="ctr">
+              <a:buNone/>
+            </a:pPr>
+            <a:r>
+              <a:rPr lang="zh-TW" altLang="en-US" sz="6400" b="1" dirty="0">
+                <a:solidFill>
+                  <a:srgbClr val="660033"/>
+                </a:solidFill>
+                <a:latin typeface="Microsoft JhengHei" pitchFamily="34" charset="-120"/>
+                <a:ea typeface="Microsoft JhengHei" pitchFamily="34" charset="-120"/>
+              </a:rPr>
+              <a:t>你若遇著諸般</a:t>
+            </a:r>
+            <a:r>
+              <a:rPr lang="zh-CN" altLang="en-US" sz="6400" b="1" dirty="0">
+                <a:solidFill>
+                  <a:srgbClr val="660033"/>
+                </a:solidFill>
+                <a:latin typeface="Microsoft JhengHei" pitchFamily="34" charset="-120"/>
+                <a:ea typeface="Microsoft JhengHei" pitchFamily="34" charset="-120"/>
+              </a:rPr>
+              <a:t>危險</a:t>
+            </a:r>
+            <a:endParaRPr lang="en-US" altLang="zh-TW" sz="6400" b="1" dirty="0">
+              <a:solidFill>
+                <a:srgbClr val="660033"/>
+              </a:solidFill>
+              <a:latin typeface="Microsoft JhengHei" pitchFamily="34" charset="-120"/>
+              <a:ea typeface="Microsoft JhengHei" pitchFamily="34" charset="-120"/>
+            </a:endParaRPr>
+          </a:p>
+          <a:p>
+            <a:pPr algn="ctr">
+              <a:buNone/>
+            </a:pPr>
+            <a:r>
+              <a:rPr lang="zh-TW" altLang="en-US" sz="6400" b="1" dirty="0">
+                <a:solidFill>
+                  <a:srgbClr val="660033"/>
+                </a:solidFill>
+                <a:latin typeface="Microsoft JhengHei" pitchFamily="34" charset="-120"/>
+                <a:ea typeface="Microsoft JhengHei" pitchFamily="34" charset="-120"/>
+              </a:rPr>
+              <a:t>惟恐跌倒無人助</a:t>
+            </a:r>
+          </a:p>
+        </p:txBody>
+      </p:sp>
+      <p:sp>
+        <p:nvSpPr>
+          <p:cNvPr id="3" name="TextBox 2"/>
+          <p:cNvSpPr txBox="1"/>
+          <p:nvPr/>
+        </p:nvSpPr>
+        <p:spPr>
+          <a:xfrm>
+            <a:off x="0" y="5061182"/>
+            <a:ext cx="12192000" cy="830997"/>
+          </a:xfrm>
+          <a:prstGeom prst="rect">
+            <a:avLst/>
+          </a:prstGeom>
+          <a:noFill/>
+        </p:spPr>
+        <p:txBody>
+          <a:bodyPr wrap="square" rtlCol="0">
+            <a:spAutoFit/>
           </a:bodyPr>
           <a:lstStyle/>
           <a:p>
-            <a:pPr algn="ctr">
-              <a:buNone/>
-            </a:pPr>
-            <a:r>
-              <a:rPr lang="zh-TW" altLang="en-US" sz="5400" b="1" dirty="0">
-                <a:solidFill>
-                  <a:srgbClr val="002060"/>
-                </a:solidFill>
-                <a:latin typeface="Microsoft JhengHei" panose="020B0604030504040204" pitchFamily="34" charset="-120"/>
-                <a:ea typeface="Microsoft JhengHei" panose="020B0604030504040204" pitchFamily="34" charset="-120"/>
-              </a:rPr>
-              <a:t>我必領你 我必領你</a:t>
-            </a:r>
-            <a:endParaRPr lang="en-US" altLang="zh-TW" sz="5400" b="1" dirty="0">
+            <a:pPr algn="ctr"/>
+            <a:r>
+              <a:rPr lang="en-US" sz="4800" b="1" dirty="0">
+                <a:solidFill>
+                  <a:srgbClr val="660033"/>
+                </a:solidFill>
+              </a:rPr>
+              <a:t>( </a:t>
+            </a:r>
+            <a:r>
+              <a:rPr lang="en-US" sz="4800" b="1" dirty="0" smtClean="0">
+                <a:solidFill>
+                  <a:srgbClr val="660033"/>
+                </a:solidFill>
+              </a:rPr>
+              <a:t>2 </a:t>
+            </a:r>
+            <a:r>
+              <a:rPr lang="en-US" sz="4800" b="1" dirty="0">
+                <a:solidFill>
+                  <a:srgbClr val="660033"/>
+                </a:solidFill>
+              </a:rPr>
+              <a:t>)</a:t>
+            </a:r>
+            <a:endParaRPr lang="vi-VN" sz="4800" b="1" dirty="0">
               <a:solidFill>
-                <a:srgbClr val="002060"/>
+                <a:srgbClr val="660033"/>
               </a:solidFill>
-              <a:latin typeface="Microsoft JhengHei" panose="020B0604030504040204" pitchFamily="34" charset="-120"/>
-              <a:ea typeface="Microsoft JhengHei" panose="020B0604030504040204" pitchFamily="34" charset="-120"/>
             </a:endParaRPr>
           </a:p>
-          <a:p>
-            <a:pPr algn="ctr">
-              <a:buNone/>
-            </a:pPr>
-            <a:r>
-              <a:rPr lang="zh-TW" altLang="en-US" sz="5400" b="1" dirty="0">
-                <a:solidFill>
-                  <a:srgbClr val="002060"/>
-                </a:solidFill>
-                <a:latin typeface="Microsoft JhengHei" panose="020B0604030504040204" pitchFamily="34" charset="-120"/>
-                <a:ea typeface="Microsoft JhengHei" panose="020B0604030504040204" pitchFamily="34" charset="-120"/>
-              </a:rPr>
-              <a:t>我的眼睛常看顧</a:t>
-            </a:r>
-          </a:p>
-          <a:p>
-            <a:pPr algn="ctr">
-              <a:buNone/>
-            </a:pPr>
-            <a:r>
-              <a:rPr lang="zh-TW" altLang="en-US" sz="5400" b="1" dirty="0">
-                <a:solidFill>
-                  <a:srgbClr val="002060"/>
-                </a:solidFill>
-                <a:latin typeface="Microsoft JhengHei" panose="020B0604030504040204" pitchFamily="34" charset="-120"/>
-                <a:ea typeface="Microsoft JhengHei" panose="020B0604030504040204" pitchFamily="34" charset="-120"/>
-              </a:rPr>
-              <a:t>一直走到迦南樂地</a:t>
-            </a:r>
-            <a:endParaRPr lang="en-US" altLang="zh-TW" sz="5400" b="1" dirty="0">
-              <a:solidFill>
-                <a:srgbClr val="002060"/>
-              </a:solidFill>
-              <a:latin typeface="Microsoft JhengHei" panose="020B0604030504040204" pitchFamily="34" charset="-120"/>
-              <a:ea typeface="Microsoft JhengHei" panose="020B0604030504040204" pitchFamily="34" charset="-120"/>
-            </a:endParaRPr>
-          </a:p>
-          <a:p>
-            <a:pPr algn="ctr">
-              <a:buNone/>
-            </a:pPr>
-            <a:r>
-              <a:rPr lang="zh-TW" altLang="en-US" sz="5400" b="1" dirty="0">
-                <a:solidFill>
-                  <a:srgbClr val="002060"/>
-                </a:solidFill>
-                <a:latin typeface="Microsoft JhengHei" panose="020B0604030504040204" pitchFamily="34" charset="-120"/>
-                <a:ea typeface="Microsoft JhengHei" panose="020B0604030504040204" pitchFamily="34" charset="-120"/>
-              </a:rPr>
-              <a:t>我的眼睛常看顧</a:t>
-            </a:r>
-          </a:p>
         </p:txBody>
       </p:sp>
     </p:spTree>
+    <p:extLst>
+      <p:ext uri="{BB962C8B-B14F-4D97-AF65-F5344CB8AC3E}">
+        <p14:creationId xmlns:p14="http://schemas.microsoft.com/office/powerpoint/2010/main" val="2046200016"/>
+      </p:ext>
+    </p:extLst>
   </p:cSld>
   <p:clrMapOvr>
     <a:masterClrMapping/>
   </p:clrMapOvr>
+  <p:timing>
+    <p:tnLst>
+      <p:par>
+        <p:cTn id="1" dur="indefinite" restart="never" nodeType="tmRoot"/>
+      </p:par>
+    </p:tnLst>
+  </p:timing>
+</p:sld>
+</file>
+
+<file path=ppt/slides/slide7.xml><?xml version="1.0" encoding="utf-8"?>
+<p:sld xmlns:a="http://schemas.openxmlformats.org/drawingml/2006/main" xmlns:r="http://schemas.openxmlformats.org/officeDocument/2006/relationships" xmlns:p="http://schemas.openxmlformats.org/presentationml/2006/main">
+  <p:cSld>
+    <p:spTree>
+      <p:nvGrpSpPr>
+        <p:cNvPr id="1" name=""/>
+        <p:cNvGrpSpPr/>
+        <p:nvPr/>
+      </p:nvGrpSpPr>
+      <p:grpSpPr>
+        <a:xfrm>
+          <a:off x="0" y="0"/>
+          <a:ext cx="0" cy="0"/>
+          <a:chOff x="0" y="0"/>
+          <a:chExt cx="0" cy="0"/>
+        </a:xfrm>
+      </p:grpSpPr>
+      <p:sp>
+        <p:nvSpPr>
+          <p:cNvPr id="5" name="內容版面配置區 4"/>
+          <p:cNvSpPr>
+            <a:spLocks noGrp="1"/>
+          </p:cNvSpPr>
+          <p:nvPr>
+            <p:ph idx="1"/>
+          </p:nvPr>
+        </p:nvSpPr>
+        <p:spPr>
+          <a:xfrm>
+            <a:off x="0" y="2084851"/>
+            <a:ext cx="12192000" cy="2404863"/>
+          </a:xfrm>
+        </p:spPr>
+        <p:txBody>
+          <a:bodyPr anchor="ctr">
+            <a:normAutofit/>
+          </a:bodyPr>
+          <a:lstStyle/>
+          <a:p>
+            <a:pPr algn="ctr">
+              <a:buNone/>
+            </a:pPr>
+            <a:r>
+              <a:rPr lang="zh-TW" altLang="en-US" sz="6400" b="1" dirty="0">
+                <a:solidFill>
+                  <a:srgbClr val="660033"/>
+                </a:solidFill>
+                <a:latin typeface="Microsoft JhengHei" pitchFamily="34" charset="-120"/>
+                <a:ea typeface="Microsoft JhengHei" pitchFamily="34" charset="-120"/>
+              </a:rPr>
+              <a:t>要想主</a:t>
+            </a:r>
+            <a:r>
+              <a:rPr lang="zh-TW" altLang="en-US" sz="6400" b="1" dirty="0">
+                <a:solidFill>
+                  <a:srgbClr val="660033"/>
+                </a:solidFill>
+                <a:latin typeface="Microsoft JhengHei" pitchFamily="34" charset="-120"/>
+                <a:ea typeface="Microsoft JhengHei" pitchFamily="34" charset="-120"/>
+              </a:rPr>
+              <a:t>言  必</a:t>
+            </a:r>
+            <a:r>
+              <a:rPr lang="zh-TW" altLang="en-US" sz="6400" b="1" dirty="0">
+                <a:solidFill>
+                  <a:srgbClr val="660033"/>
+                </a:solidFill>
+                <a:latin typeface="Microsoft JhengHei" pitchFamily="34" charset="-120"/>
+                <a:ea typeface="Microsoft JhengHei" pitchFamily="34" charset="-120"/>
+              </a:rPr>
+              <a:t>定應驗</a:t>
+            </a:r>
+            <a:endParaRPr lang="en-US" altLang="zh-TW" sz="6400" b="1" dirty="0">
+              <a:solidFill>
+                <a:srgbClr val="660033"/>
+              </a:solidFill>
+              <a:latin typeface="Microsoft JhengHei" pitchFamily="34" charset="-120"/>
+              <a:ea typeface="Microsoft JhengHei" pitchFamily="34" charset="-120"/>
+            </a:endParaRPr>
+          </a:p>
+          <a:p>
+            <a:pPr algn="ctr">
+              <a:buNone/>
+            </a:pPr>
+            <a:r>
+              <a:rPr lang="zh-TW" altLang="en-US" sz="6400" b="1" dirty="0">
+                <a:solidFill>
+                  <a:srgbClr val="660033"/>
+                </a:solidFill>
+                <a:latin typeface="Microsoft JhengHei" pitchFamily="34" charset="-120"/>
+                <a:ea typeface="Microsoft JhengHei" pitchFamily="34" charset="-120"/>
+              </a:rPr>
+              <a:t>我的眼睛常看顧</a:t>
+            </a:r>
+          </a:p>
+        </p:txBody>
+      </p:sp>
+      <p:sp>
+        <p:nvSpPr>
+          <p:cNvPr id="3" name="TextBox 2"/>
+          <p:cNvSpPr txBox="1"/>
+          <p:nvPr/>
+        </p:nvSpPr>
+        <p:spPr>
+          <a:xfrm>
+            <a:off x="0" y="5061182"/>
+            <a:ext cx="12192000" cy="830997"/>
+          </a:xfrm>
+          <a:prstGeom prst="rect">
+            <a:avLst/>
+          </a:prstGeom>
+          <a:noFill/>
+        </p:spPr>
+        <p:txBody>
+          <a:bodyPr wrap="square" rtlCol="0">
+            <a:spAutoFit/>
+          </a:bodyPr>
+          <a:lstStyle/>
+          <a:p>
+            <a:pPr algn="ctr"/>
+            <a:r>
+              <a:rPr lang="en-US" sz="4800" b="1" dirty="0">
+                <a:solidFill>
+                  <a:srgbClr val="660033"/>
+                </a:solidFill>
+              </a:rPr>
+              <a:t>( </a:t>
+            </a:r>
+            <a:r>
+              <a:rPr lang="en-US" sz="4800" b="1" dirty="0" smtClean="0">
+                <a:solidFill>
+                  <a:srgbClr val="660033"/>
+                </a:solidFill>
+              </a:rPr>
+              <a:t>2 </a:t>
+            </a:r>
+            <a:r>
+              <a:rPr lang="en-US" sz="4800" b="1" dirty="0">
+                <a:solidFill>
+                  <a:srgbClr val="660033"/>
+                </a:solidFill>
+              </a:rPr>
+              <a:t>)</a:t>
+            </a:r>
+            <a:endParaRPr lang="vi-VN" sz="4800" b="1" dirty="0">
+              <a:solidFill>
+                <a:srgbClr val="660033"/>
+              </a:solidFill>
+            </a:endParaRPr>
+          </a:p>
+        </p:txBody>
+      </p:sp>
+    </p:spTree>
+    <p:extLst>
+      <p:ext uri="{BB962C8B-B14F-4D97-AF65-F5344CB8AC3E}">
+        <p14:creationId xmlns:p14="http://schemas.microsoft.com/office/powerpoint/2010/main" val="3469752164"/>
+      </p:ext>
+    </p:extLst>
+  </p:cSld>
+  <p:clrMapOvr>
+    <a:masterClrMapping/>
+  </p:clrMapOvr>
+  <p:timing>
+    <p:tnLst>
+      <p:par>
+        <p:cTn id="1" dur="indefinite" restart="never" nodeType="tmRoot"/>
+      </p:par>
+    </p:tnLst>
+  </p:timing>
+</p:sld>
+</file>
+
+<file path=ppt/slides/slide8.xml><?xml version="1.0" encoding="utf-8"?>
+<p:sld xmlns:a="http://schemas.openxmlformats.org/drawingml/2006/main" xmlns:r="http://schemas.openxmlformats.org/officeDocument/2006/relationships" xmlns:p="http://schemas.openxmlformats.org/presentationml/2006/main">
+  <p:cSld>
+    <p:spTree>
+      <p:nvGrpSpPr>
+        <p:cNvPr id="1" name=""/>
+        <p:cNvGrpSpPr/>
+        <p:nvPr/>
+      </p:nvGrpSpPr>
+      <p:grpSpPr>
+        <a:xfrm>
+          <a:off x="0" y="0"/>
+          <a:ext cx="0" cy="0"/>
+          <a:chOff x="0" y="0"/>
+          <a:chExt cx="0" cy="0"/>
+        </a:xfrm>
+      </p:grpSpPr>
+      <p:sp>
+        <p:nvSpPr>
+          <p:cNvPr id="5" name="內容版面配置區 4"/>
+          <p:cNvSpPr>
+            <a:spLocks noGrp="1"/>
+          </p:cNvSpPr>
+          <p:nvPr>
+            <p:ph idx="1"/>
+          </p:nvPr>
+        </p:nvSpPr>
+        <p:spPr>
+          <a:xfrm>
+            <a:off x="0" y="2084851"/>
+            <a:ext cx="12192000" cy="2404863"/>
+          </a:xfrm>
+        </p:spPr>
+        <p:txBody>
+          <a:bodyPr anchor="ctr">
+            <a:normAutofit/>
+          </a:bodyPr>
+          <a:lstStyle/>
+          <a:p>
+            <a:pPr algn="ctr">
+              <a:buNone/>
+            </a:pPr>
+            <a:r>
+              <a:rPr lang="zh-TW" altLang="en-US" sz="6400" b="1" dirty="0">
+                <a:solidFill>
+                  <a:srgbClr val="660033"/>
+                </a:solidFill>
+                <a:latin typeface="Microsoft JhengHei" pitchFamily="34" charset="-120"/>
+                <a:ea typeface="Microsoft JhengHei" pitchFamily="34" charset="-120"/>
+              </a:rPr>
+              <a:t>我必領你 </a:t>
+            </a:r>
+            <a:r>
+              <a:rPr lang="zh-TW" altLang="en-US" sz="6400" b="1" dirty="0">
+                <a:solidFill>
+                  <a:srgbClr val="660033"/>
+                </a:solidFill>
+                <a:latin typeface="Microsoft JhengHei" pitchFamily="34" charset="-120"/>
+                <a:ea typeface="Microsoft JhengHei" pitchFamily="34" charset="-120"/>
+              </a:rPr>
+              <a:t> 我</a:t>
+            </a:r>
+            <a:r>
+              <a:rPr lang="zh-TW" altLang="en-US" sz="6400" b="1" dirty="0">
+                <a:solidFill>
+                  <a:srgbClr val="660033"/>
+                </a:solidFill>
+                <a:latin typeface="Microsoft JhengHei" pitchFamily="34" charset="-120"/>
+                <a:ea typeface="Microsoft JhengHei" pitchFamily="34" charset="-120"/>
+              </a:rPr>
+              <a:t>必領你</a:t>
+            </a:r>
+            <a:endParaRPr lang="en-US" altLang="zh-TW" sz="6400" b="1" dirty="0">
+              <a:solidFill>
+                <a:srgbClr val="660033"/>
+              </a:solidFill>
+              <a:latin typeface="Microsoft JhengHei" pitchFamily="34" charset="-120"/>
+              <a:ea typeface="Microsoft JhengHei" pitchFamily="34" charset="-120"/>
+            </a:endParaRPr>
+          </a:p>
+          <a:p>
+            <a:pPr algn="ctr">
+              <a:buNone/>
+            </a:pPr>
+            <a:r>
+              <a:rPr lang="zh-TW" altLang="en-US" sz="6400" b="1" dirty="0">
+                <a:solidFill>
+                  <a:srgbClr val="660033"/>
+                </a:solidFill>
+                <a:latin typeface="Microsoft JhengHei" pitchFamily="34" charset="-120"/>
+                <a:ea typeface="Microsoft JhengHei" pitchFamily="34" charset="-120"/>
+              </a:rPr>
+              <a:t>我的眼睛常看顧</a:t>
+            </a:r>
+          </a:p>
+        </p:txBody>
+      </p:sp>
+    </p:spTree>
+    <p:extLst>
+      <p:ext uri="{BB962C8B-B14F-4D97-AF65-F5344CB8AC3E}">
+        <p14:creationId xmlns:p14="http://schemas.microsoft.com/office/powerpoint/2010/main" val="221604250"/>
+      </p:ext>
+    </p:extLst>
+  </p:cSld>
+  <p:clrMapOvr>
+    <a:masterClrMapping/>
+  </p:clrMapOvr>
+  <p:timing>
+    <p:tnLst>
+      <p:par>
+        <p:cTn id="1" dur="indefinite" restart="never" nodeType="tmRoot"/>
+      </p:par>
+    </p:tnLst>
+  </p:timing>
+</p:sld>
+</file>
+
+<file path=ppt/slides/slide9.xml><?xml version="1.0" encoding="utf-8"?>
+<p:sld xmlns:a="http://schemas.openxmlformats.org/drawingml/2006/main" xmlns:r="http://schemas.openxmlformats.org/officeDocument/2006/relationships" xmlns:p="http://schemas.openxmlformats.org/presentationml/2006/main">
+  <p:cSld>
+    <p:spTree>
+      <p:nvGrpSpPr>
+        <p:cNvPr id="1" name=""/>
+        <p:cNvGrpSpPr/>
+        <p:nvPr/>
+      </p:nvGrpSpPr>
+      <p:grpSpPr>
+        <a:xfrm>
+          <a:off x="0" y="0"/>
+          <a:ext cx="0" cy="0"/>
+          <a:chOff x="0" y="0"/>
+          <a:chExt cx="0" cy="0"/>
+        </a:xfrm>
+      </p:grpSpPr>
+      <p:sp>
+        <p:nvSpPr>
+          <p:cNvPr id="5" name="內容版面配置區 4"/>
+          <p:cNvSpPr>
+            <a:spLocks noGrp="1"/>
+          </p:cNvSpPr>
+          <p:nvPr>
+            <p:ph idx="1"/>
+          </p:nvPr>
+        </p:nvSpPr>
+        <p:spPr>
+          <a:xfrm>
+            <a:off x="0" y="2084851"/>
+            <a:ext cx="12192000" cy="2404863"/>
+          </a:xfrm>
+        </p:spPr>
+        <p:txBody>
+          <a:bodyPr anchor="ctr">
+            <a:normAutofit/>
+          </a:bodyPr>
+          <a:lstStyle/>
+          <a:p>
+            <a:pPr algn="ctr">
+              <a:buNone/>
+            </a:pPr>
+            <a:r>
+              <a:rPr lang="zh-TW" altLang="en-US" sz="6400" b="1" dirty="0">
+                <a:solidFill>
+                  <a:srgbClr val="660033"/>
+                </a:solidFill>
+                <a:latin typeface="Microsoft JhengHei" pitchFamily="34" charset="-120"/>
+                <a:ea typeface="Microsoft JhengHei" pitchFamily="34" charset="-120"/>
+              </a:rPr>
+              <a:t>一直走到迦南樂地</a:t>
+            </a:r>
+            <a:endParaRPr lang="en-US" altLang="zh-TW" sz="6400" b="1" dirty="0">
+              <a:solidFill>
+                <a:srgbClr val="660033"/>
+              </a:solidFill>
+              <a:latin typeface="Microsoft JhengHei" pitchFamily="34" charset="-120"/>
+              <a:ea typeface="Microsoft JhengHei" pitchFamily="34" charset="-120"/>
+            </a:endParaRPr>
+          </a:p>
+          <a:p>
+            <a:pPr algn="ctr">
+              <a:buNone/>
+            </a:pPr>
+            <a:r>
+              <a:rPr lang="zh-TW" altLang="en-US" sz="6400" b="1" dirty="0">
+                <a:solidFill>
+                  <a:srgbClr val="660033"/>
+                </a:solidFill>
+                <a:latin typeface="Microsoft JhengHei" pitchFamily="34" charset="-120"/>
+                <a:ea typeface="Microsoft JhengHei" pitchFamily="34" charset="-120"/>
+              </a:rPr>
+              <a:t>我的眼睛常看顧</a:t>
+            </a:r>
+          </a:p>
+        </p:txBody>
+      </p:sp>
+    </p:spTree>
+    <p:extLst>
+      <p:ext uri="{BB962C8B-B14F-4D97-AF65-F5344CB8AC3E}">
+        <p14:creationId xmlns:p14="http://schemas.microsoft.com/office/powerpoint/2010/main" val="4275813761"/>
+      </p:ext>
+    </p:extLst>
+  </p:cSld>
+  <p:clrMapOvr>
+    <a:masterClrMapping/>
+  </p:clrMapOvr>
+  <p:timing>
+    <p:tnLst>
+      <p:par>
+        <p:cTn id="1" dur="indefinite" restart="never" nodeType="tmRoot"/>
+      </p:par>
+    </p:tnLst>
+  </p:timing>
 </p:sld>
 </file>
 

--- a/宣道詩/(宣道詩68)主眼看顧.pptx
+++ b/宣道詩/(宣道詩68)主眼看顧.pptx
@@ -316,7 +316,7 @@
           <a:p>
             <a:fld id="{182E561B-25C0-44B8-B906-32A2ED04DD3C}" type="datetimeFigureOut">
               <a:rPr lang="zh-TW" altLang="en-US" smtClean="0"/>
-              <a:t>2021/6/22</a:t>
+              <a:t>2022/10/15</a:t>
             </a:fld>
             <a:endParaRPr lang="zh-TW" altLang="en-US"/>
           </a:p>
@@ -486,7 +486,7 @@
           <a:p>
             <a:fld id="{182E561B-25C0-44B8-B906-32A2ED04DD3C}" type="datetimeFigureOut">
               <a:rPr lang="zh-TW" altLang="en-US" smtClean="0"/>
-              <a:t>2021/6/22</a:t>
+              <a:t>2022/10/15</a:t>
             </a:fld>
             <a:endParaRPr lang="zh-TW" altLang="en-US"/>
           </a:p>
@@ -666,7 +666,7 @@
           <a:p>
             <a:fld id="{182E561B-25C0-44B8-B906-32A2ED04DD3C}" type="datetimeFigureOut">
               <a:rPr lang="zh-TW" altLang="en-US" smtClean="0"/>
-              <a:t>2021/6/22</a:t>
+              <a:t>2022/10/15</a:t>
             </a:fld>
             <a:endParaRPr lang="zh-TW" altLang="en-US"/>
           </a:p>
@@ -836,7 +836,7 @@
           <a:p>
             <a:fld id="{182E561B-25C0-44B8-B906-32A2ED04DD3C}" type="datetimeFigureOut">
               <a:rPr lang="zh-TW" altLang="en-US" smtClean="0"/>
-              <a:t>2021/6/22</a:t>
+              <a:t>2022/10/15</a:t>
             </a:fld>
             <a:endParaRPr lang="zh-TW" altLang="en-US"/>
           </a:p>
@@ -1082,7 +1082,7 @@
           <a:p>
             <a:fld id="{182E561B-25C0-44B8-B906-32A2ED04DD3C}" type="datetimeFigureOut">
               <a:rPr lang="zh-TW" altLang="en-US" smtClean="0"/>
-              <a:t>2021/6/22</a:t>
+              <a:t>2022/10/15</a:t>
             </a:fld>
             <a:endParaRPr lang="zh-TW" altLang="en-US"/>
           </a:p>
@@ -1370,7 +1370,7 @@
           <a:p>
             <a:fld id="{182E561B-25C0-44B8-B906-32A2ED04DD3C}" type="datetimeFigureOut">
               <a:rPr lang="zh-TW" altLang="en-US" smtClean="0"/>
-              <a:t>2021/6/22</a:t>
+              <a:t>2022/10/15</a:t>
             </a:fld>
             <a:endParaRPr lang="zh-TW" altLang="en-US"/>
           </a:p>
@@ -1792,7 +1792,7 @@
           <a:p>
             <a:fld id="{182E561B-25C0-44B8-B906-32A2ED04DD3C}" type="datetimeFigureOut">
               <a:rPr lang="zh-TW" altLang="en-US" smtClean="0"/>
-              <a:t>2021/6/22</a:t>
+              <a:t>2022/10/15</a:t>
             </a:fld>
             <a:endParaRPr lang="zh-TW" altLang="en-US"/>
           </a:p>
@@ -1910,7 +1910,7 @@
           <a:p>
             <a:fld id="{182E561B-25C0-44B8-B906-32A2ED04DD3C}" type="datetimeFigureOut">
               <a:rPr lang="zh-TW" altLang="en-US" smtClean="0"/>
-              <a:t>2021/6/22</a:t>
+              <a:t>2022/10/15</a:t>
             </a:fld>
             <a:endParaRPr lang="zh-TW" altLang="en-US"/>
           </a:p>
@@ -2005,7 +2005,7 @@
           <a:p>
             <a:fld id="{182E561B-25C0-44B8-B906-32A2ED04DD3C}" type="datetimeFigureOut">
               <a:rPr lang="zh-TW" altLang="en-US" smtClean="0"/>
-              <a:t>2021/6/22</a:t>
+              <a:t>2022/10/15</a:t>
             </a:fld>
             <a:endParaRPr lang="zh-TW" altLang="en-US"/>
           </a:p>
@@ -2282,7 +2282,7 @@
           <a:p>
             <a:fld id="{182E561B-25C0-44B8-B906-32A2ED04DD3C}" type="datetimeFigureOut">
               <a:rPr lang="zh-TW" altLang="en-US" smtClean="0"/>
-              <a:t>2021/6/22</a:t>
+              <a:t>2022/10/15</a:t>
             </a:fld>
             <a:endParaRPr lang="zh-TW" altLang="en-US"/>
           </a:p>
@@ -2539,7 +2539,7 @@
           <a:p>
             <a:fld id="{182E561B-25C0-44B8-B906-32A2ED04DD3C}" type="datetimeFigureOut">
               <a:rPr lang="zh-TW" altLang="en-US" smtClean="0"/>
-              <a:t>2021/6/22</a:t>
+              <a:t>2022/10/15</a:t>
             </a:fld>
             <a:endParaRPr lang="zh-TW" altLang="en-US"/>
           </a:p>
@@ -2757,7 +2757,7 @@
           <a:p>
             <a:fld id="{182E561B-25C0-44B8-B906-32A2ED04DD3C}" type="datetimeFigureOut">
               <a:rPr lang="zh-TW" altLang="en-US" smtClean="0"/>
-              <a:t>2021/6/22</a:t>
+              <a:t>2022/10/15</a:t>
             </a:fld>
             <a:endParaRPr lang="zh-TW" altLang="en-US"/>
           </a:p>
@@ -3400,7 +3400,7 @@
                   <a:srgbClr val="660033"/>
                 </a:solidFill>
               </a:rPr>
-              <a:t>)</a:t>
+              <a:t>/ 3 )</a:t>
             </a:r>
             <a:endParaRPr lang="vi-VN" sz="4800" b="1" dirty="0">
               <a:solidFill>
@@ -3480,27 +3480,7 @@
                 <a:latin typeface="Microsoft JhengHei" pitchFamily="34" charset="-120"/>
                 <a:ea typeface="Microsoft JhengHei" pitchFamily="34" charset="-120"/>
               </a:rPr>
-              <a:t>總要記</a:t>
-            </a:r>
-            <a:r>
-              <a:rPr lang="zh-TW" altLang="en-US" sz="6400" b="1" dirty="0">
-                <a:solidFill>
-                  <a:srgbClr val="660033"/>
-                </a:solidFill>
-                <a:latin typeface="Microsoft JhengHei" pitchFamily="34" charset="-120"/>
-                <a:ea typeface="Microsoft JhengHei" pitchFamily="34" charset="-120"/>
-              </a:rPr>
-              <a:t>得  主</a:t>
-            </a:r>
-            <a:r>
-              <a:rPr lang="zh-TW" altLang="en-US" sz="6400" b="1" dirty="0">
-                <a:solidFill>
-                  <a:srgbClr val="660033"/>
-                </a:solidFill>
-                <a:latin typeface="Microsoft JhengHei" pitchFamily="34" charset="-120"/>
-                <a:ea typeface="Microsoft JhengHei" pitchFamily="34" charset="-120"/>
-              </a:rPr>
-              <a:t>的恩言</a:t>
+              <a:t>總要記得  主的恩言</a:t>
             </a:r>
             <a:endParaRPr lang="en-US" altLang="zh-TW" sz="6400" b="1" dirty="0">
               <a:solidFill>
@@ -3556,23 +3536,7 @@
                   <a:srgbClr val="660033"/>
                 </a:solidFill>
               </a:rPr>
-              <a:t>( </a:t>
-            </a:r>
-            <a:r>
-              <a:rPr lang="en-US" sz="4800" b="1" dirty="0" smtClean="0">
-                <a:solidFill>
-                  <a:srgbClr val="660033"/>
-                </a:solidFill>
-              </a:rPr>
-              <a:t>3 </a:t>
-            </a:r>
-            <a:r>
-              <a:rPr lang="en-US" sz="4800" b="1" dirty="0">
-                <a:solidFill>
-                  <a:srgbClr val="660033"/>
-                </a:solidFill>
-              </a:rPr>
-              <a:t>)</a:t>
+              <a:t>( 3 / 3 )</a:t>
             </a:r>
             <a:endParaRPr lang="vi-VN" sz="4800" b="1" dirty="0">
               <a:solidFill>
@@ -3652,27 +3616,7 @@
                 <a:latin typeface="Microsoft JhengHei" pitchFamily="34" charset="-120"/>
                 <a:ea typeface="Microsoft JhengHei" pitchFamily="34" charset="-120"/>
               </a:rPr>
-              <a:t>我必領你 </a:t>
-            </a:r>
-            <a:r>
-              <a:rPr lang="zh-TW" altLang="en-US" sz="6400" b="1" dirty="0">
-                <a:solidFill>
-                  <a:srgbClr val="660033"/>
-                </a:solidFill>
-                <a:latin typeface="Microsoft JhengHei" pitchFamily="34" charset="-120"/>
-                <a:ea typeface="Microsoft JhengHei" pitchFamily="34" charset="-120"/>
-              </a:rPr>
-              <a:t> 我</a:t>
-            </a:r>
-            <a:r>
-              <a:rPr lang="zh-TW" altLang="en-US" sz="6400" b="1" dirty="0">
-                <a:solidFill>
-                  <a:srgbClr val="660033"/>
-                </a:solidFill>
-                <a:latin typeface="Microsoft JhengHei" pitchFamily="34" charset="-120"/>
-                <a:ea typeface="Microsoft JhengHei" pitchFamily="34" charset="-120"/>
-              </a:rPr>
-              <a:t>必領你</a:t>
+              <a:t>我必領你  我必領你</a:t>
             </a:r>
             <a:endParaRPr lang="en-US" altLang="zh-TW" sz="6400" b="1" dirty="0">
               <a:solidFill>
@@ -3932,7 +3876,23 @@
                   <a:srgbClr val="660033"/>
                 </a:solidFill>
               </a:rPr>
-              <a:t>( 1 )</a:t>
+              <a:t>( </a:t>
+            </a:r>
+            <a:r>
+              <a:rPr lang="en-US" sz="4800" b="1" dirty="0" smtClean="0">
+                <a:solidFill>
+                  <a:srgbClr val="660033"/>
+                </a:solidFill>
+              </a:rPr>
+              <a:t>1 / 3 </a:t>
+            </a:r>
+            <a:r>
+              <a:rPr lang="en-US" sz="4800" b="1" dirty="0">
+                <a:solidFill>
+                  <a:srgbClr val="660033"/>
+                </a:solidFill>
+              </a:rPr>
+              <a:t>)</a:t>
             </a:r>
             <a:endParaRPr lang="vi-VN" sz="4800" b="1" dirty="0">
               <a:solidFill>
@@ -4012,27 +3972,7 @@
                 <a:latin typeface="Microsoft JhengHei" pitchFamily="34" charset="-120"/>
                 <a:ea typeface="Microsoft JhengHei" pitchFamily="34" charset="-120"/>
               </a:rPr>
-              <a:t>就是說道 </a:t>
-            </a:r>
-            <a:r>
-              <a:rPr lang="zh-TW" altLang="en-US" sz="6400" b="1" dirty="0">
-                <a:solidFill>
-                  <a:srgbClr val="660033"/>
-                </a:solidFill>
-                <a:latin typeface="Microsoft JhengHei" pitchFamily="34" charset="-120"/>
-                <a:ea typeface="Microsoft JhengHei" pitchFamily="34" charset="-120"/>
-              </a:rPr>
-              <a:t> 你</a:t>
-            </a:r>
-            <a:r>
-              <a:rPr lang="zh-TW" altLang="en-US" sz="6400" b="1" dirty="0">
-                <a:solidFill>
-                  <a:srgbClr val="660033"/>
-                </a:solidFill>
-                <a:latin typeface="Microsoft JhengHei" pitchFamily="34" charset="-120"/>
-                <a:ea typeface="Microsoft JhengHei" pitchFamily="34" charset="-120"/>
-              </a:rPr>
-              <a:t>的道路</a:t>
+              <a:t>就是說道  你的道路</a:t>
             </a:r>
             <a:endParaRPr lang="en-US" altLang="zh-TW" sz="6400" b="1" dirty="0">
               <a:solidFill>
@@ -4088,7 +4028,7 @@
                   <a:srgbClr val="660033"/>
                 </a:solidFill>
               </a:rPr>
-              <a:t>( 1 )</a:t>
+              <a:t>( 1 / 3 )</a:t>
             </a:r>
             <a:endParaRPr lang="vi-VN" sz="4800" b="1" dirty="0">
               <a:solidFill>
@@ -4168,27 +4108,7 @@
                 <a:latin typeface="Microsoft JhengHei" pitchFamily="34" charset="-120"/>
                 <a:ea typeface="Microsoft JhengHei" pitchFamily="34" charset="-120"/>
               </a:rPr>
-              <a:t>我必領你 </a:t>
-            </a:r>
-            <a:r>
-              <a:rPr lang="zh-TW" altLang="en-US" sz="6400" b="1" dirty="0">
-                <a:solidFill>
-                  <a:srgbClr val="660033"/>
-                </a:solidFill>
-                <a:latin typeface="Microsoft JhengHei" pitchFamily="34" charset="-120"/>
-                <a:ea typeface="Microsoft JhengHei" pitchFamily="34" charset="-120"/>
-              </a:rPr>
-              <a:t> 我</a:t>
-            </a:r>
-            <a:r>
-              <a:rPr lang="zh-TW" altLang="en-US" sz="6400" b="1" dirty="0">
-                <a:solidFill>
-                  <a:srgbClr val="660033"/>
-                </a:solidFill>
-                <a:latin typeface="Microsoft JhengHei" pitchFamily="34" charset="-120"/>
-                <a:ea typeface="Microsoft JhengHei" pitchFamily="34" charset="-120"/>
-              </a:rPr>
-              <a:t>必領你</a:t>
+              <a:t>我必領你  我必領你</a:t>
             </a:r>
             <a:endParaRPr lang="en-US" altLang="zh-TW" sz="6400" b="1" dirty="0">
               <a:solidFill>
@@ -4464,7 +4384,7 @@
                   <a:srgbClr val="660033"/>
                 </a:solidFill>
               </a:rPr>
-              <a:t>)</a:t>
+              <a:t>/ 3 )</a:t>
             </a:r>
             <a:endParaRPr lang="vi-VN" sz="4800" b="1" dirty="0">
               <a:solidFill>
@@ -4544,27 +4464,7 @@
                 <a:latin typeface="Microsoft JhengHei" pitchFamily="34" charset="-120"/>
                 <a:ea typeface="Microsoft JhengHei" pitchFamily="34" charset="-120"/>
               </a:rPr>
-              <a:t>要想主</a:t>
-            </a:r>
-            <a:r>
-              <a:rPr lang="zh-TW" altLang="en-US" sz="6400" b="1" dirty="0">
-                <a:solidFill>
-                  <a:srgbClr val="660033"/>
-                </a:solidFill>
-                <a:latin typeface="Microsoft JhengHei" pitchFamily="34" charset="-120"/>
-                <a:ea typeface="Microsoft JhengHei" pitchFamily="34" charset="-120"/>
-              </a:rPr>
-              <a:t>言  必</a:t>
-            </a:r>
-            <a:r>
-              <a:rPr lang="zh-TW" altLang="en-US" sz="6400" b="1" dirty="0">
-                <a:solidFill>
-                  <a:srgbClr val="660033"/>
-                </a:solidFill>
-                <a:latin typeface="Microsoft JhengHei" pitchFamily="34" charset="-120"/>
-                <a:ea typeface="Microsoft JhengHei" pitchFamily="34" charset="-120"/>
-              </a:rPr>
-              <a:t>定應驗</a:t>
+              <a:t>要想主言  必定應驗</a:t>
             </a:r>
             <a:endParaRPr lang="en-US" altLang="zh-TW" sz="6400" b="1" dirty="0">
               <a:solidFill>
@@ -4620,23 +4520,7 @@
                   <a:srgbClr val="660033"/>
                 </a:solidFill>
               </a:rPr>
-              <a:t>( </a:t>
-            </a:r>
-            <a:r>
-              <a:rPr lang="en-US" sz="4800" b="1" dirty="0" smtClean="0">
-                <a:solidFill>
-                  <a:srgbClr val="660033"/>
-                </a:solidFill>
-              </a:rPr>
-              <a:t>2 </a:t>
-            </a:r>
-            <a:r>
-              <a:rPr lang="en-US" sz="4800" b="1" dirty="0">
-                <a:solidFill>
-                  <a:srgbClr val="660033"/>
-                </a:solidFill>
-              </a:rPr>
-              <a:t>)</a:t>
+              <a:t>( 2 / 3 )</a:t>
             </a:r>
             <a:endParaRPr lang="vi-VN" sz="4800" b="1" dirty="0">
               <a:solidFill>
@@ -4716,27 +4600,7 @@
                 <a:latin typeface="Microsoft JhengHei" pitchFamily="34" charset="-120"/>
                 <a:ea typeface="Microsoft JhengHei" pitchFamily="34" charset="-120"/>
               </a:rPr>
-              <a:t>我必領你 </a:t>
-            </a:r>
-            <a:r>
-              <a:rPr lang="zh-TW" altLang="en-US" sz="6400" b="1" dirty="0">
-                <a:solidFill>
-                  <a:srgbClr val="660033"/>
-                </a:solidFill>
-                <a:latin typeface="Microsoft JhengHei" pitchFamily="34" charset="-120"/>
-                <a:ea typeface="Microsoft JhengHei" pitchFamily="34" charset="-120"/>
-              </a:rPr>
-              <a:t> 我</a:t>
-            </a:r>
-            <a:r>
-              <a:rPr lang="zh-TW" altLang="en-US" sz="6400" b="1" dirty="0">
-                <a:solidFill>
-                  <a:srgbClr val="660033"/>
-                </a:solidFill>
-                <a:latin typeface="Microsoft JhengHei" pitchFamily="34" charset="-120"/>
-                <a:ea typeface="Microsoft JhengHei" pitchFamily="34" charset="-120"/>
-              </a:rPr>
-              <a:t>必領你</a:t>
+              <a:t>我必領你  我必領你</a:t>
             </a:r>
             <a:endParaRPr lang="en-US" altLang="zh-TW" sz="6400" b="1" dirty="0">
               <a:solidFill>
